--- a/public/task_ver3/Stimuli/uws_instr_slides_ver2.pptx
+++ b/public/task_ver3/Stimuli/uws_instr_slides_ver2.pptx
@@ -5,24 +5,21 @@
     <p:sldMasterId id="2147483648" r:id="rId1"/>
   </p:sldMasterIdLst>
   <p:notesMasterIdLst>
-    <p:notesMasterId r:id="rId17"/>
+    <p:notesMasterId r:id="rId14"/>
   </p:notesMasterIdLst>
   <p:sldIdLst>
     <p:sldId id="257" r:id="rId2"/>
     <p:sldId id="266" r:id="rId3"/>
     <p:sldId id="267" r:id="rId4"/>
-    <p:sldId id="269" r:id="rId5"/>
-    <p:sldId id="270" r:id="rId6"/>
-    <p:sldId id="271" r:id="rId7"/>
-    <p:sldId id="274" r:id="rId8"/>
-    <p:sldId id="276" r:id="rId9"/>
-    <p:sldId id="286" r:id="rId10"/>
-    <p:sldId id="277" r:id="rId11"/>
-    <p:sldId id="280" r:id="rId12"/>
-    <p:sldId id="281" r:id="rId13"/>
-    <p:sldId id="282" r:id="rId14"/>
-    <p:sldId id="283" r:id="rId15"/>
-    <p:sldId id="284" r:id="rId16"/>
+    <p:sldId id="287" r:id="rId5"/>
+    <p:sldId id="276" r:id="rId6"/>
+    <p:sldId id="286" r:id="rId7"/>
+    <p:sldId id="277" r:id="rId8"/>
+    <p:sldId id="280" r:id="rId9"/>
+    <p:sldId id="281" r:id="rId10"/>
+    <p:sldId id="282" r:id="rId11"/>
+    <p:sldId id="283" r:id="rId12"/>
+    <p:sldId id="284" r:id="rId13"/>
   </p:sldIdLst>
   <p:sldSz cx="9144000" cy="6858000" type="screen4x3"/>
   <p:notesSz cx="6858000" cy="9144000"/>
@@ -222,7 +219,7 @@
           <a:p>
             <a:fld id="{13EAB001-375A-47A6-A0AF-DD7CD76DA757}" type="datetimeFigureOut">
               <a:rPr lang="en-GB" smtClean="0"/>
-              <a:t>13/09/2019</a:t>
+              <a:t>17/09/2019</a:t>
             </a:fld>
             <a:endParaRPr lang="en-GB"/>
           </a:p>
@@ -839,7 +836,7 @@
           <a:p>
             <a:fld id="{538185A6-F7C7-2D4F-BA59-879D5B10606E}" type="datetimeFigureOut">
               <a:rPr lang="en-US" smtClean="0"/>
-              <a:t>9/13/2019</a:t>
+              <a:t>9/17/2019</a:t>
             </a:fld>
             <a:endParaRPr lang="en-US"/>
           </a:p>
@@ -1009,7 +1006,7 @@
           <a:p>
             <a:fld id="{538185A6-F7C7-2D4F-BA59-879D5B10606E}" type="datetimeFigureOut">
               <a:rPr lang="en-US" smtClean="0"/>
-              <a:t>9/13/2019</a:t>
+              <a:t>9/17/2019</a:t>
             </a:fld>
             <a:endParaRPr lang="en-US"/>
           </a:p>
@@ -1189,7 +1186,7 @@
           <a:p>
             <a:fld id="{538185A6-F7C7-2D4F-BA59-879D5B10606E}" type="datetimeFigureOut">
               <a:rPr lang="en-US" smtClean="0"/>
-              <a:t>9/13/2019</a:t>
+              <a:t>9/17/2019</a:t>
             </a:fld>
             <a:endParaRPr lang="en-US"/>
           </a:p>
@@ -1359,7 +1356,7 @@
           <a:p>
             <a:fld id="{538185A6-F7C7-2D4F-BA59-879D5B10606E}" type="datetimeFigureOut">
               <a:rPr lang="en-US" smtClean="0"/>
-              <a:t>9/13/2019</a:t>
+              <a:t>9/17/2019</a:t>
             </a:fld>
             <a:endParaRPr lang="en-US"/>
           </a:p>
@@ -1605,7 +1602,7 @@
           <a:p>
             <a:fld id="{538185A6-F7C7-2D4F-BA59-879D5B10606E}" type="datetimeFigureOut">
               <a:rPr lang="en-US" smtClean="0"/>
-              <a:t>9/13/2019</a:t>
+              <a:t>9/17/2019</a:t>
             </a:fld>
             <a:endParaRPr lang="en-US"/>
           </a:p>
@@ -1893,7 +1890,7 @@
           <a:p>
             <a:fld id="{538185A6-F7C7-2D4F-BA59-879D5B10606E}" type="datetimeFigureOut">
               <a:rPr lang="en-US" smtClean="0"/>
-              <a:t>9/13/2019</a:t>
+              <a:t>9/17/2019</a:t>
             </a:fld>
             <a:endParaRPr lang="en-US"/>
           </a:p>
@@ -2315,7 +2312,7 @@
           <a:p>
             <a:fld id="{538185A6-F7C7-2D4F-BA59-879D5B10606E}" type="datetimeFigureOut">
               <a:rPr lang="en-US" smtClean="0"/>
-              <a:t>9/13/2019</a:t>
+              <a:t>9/17/2019</a:t>
             </a:fld>
             <a:endParaRPr lang="en-US"/>
           </a:p>
@@ -2433,7 +2430,7 @@
           <a:p>
             <a:fld id="{538185A6-F7C7-2D4F-BA59-879D5B10606E}" type="datetimeFigureOut">
               <a:rPr lang="en-US" smtClean="0"/>
-              <a:t>9/13/2019</a:t>
+              <a:t>9/17/2019</a:t>
             </a:fld>
             <a:endParaRPr lang="en-US"/>
           </a:p>
@@ -2528,7 +2525,7 @@
           <a:p>
             <a:fld id="{538185A6-F7C7-2D4F-BA59-879D5B10606E}" type="datetimeFigureOut">
               <a:rPr lang="en-US" smtClean="0"/>
-              <a:t>9/13/2019</a:t>
+              <a:t>9/17/2019</a:t>
             </a:fld>
             <a:endParaRPr lang="en-US"/>
           </a:p>
@@ -2805,7 +2802,7 @@
           <a:p>
             <a:fld id="{538185A6-F7C7-2D4F-BA59-879D5B10606E}" type="datetimeFigureOut">
               <a:rPr lang="en-US" smtClean="0"/>
-              <a:t>9/13/2019</a:t>
+              <a:t>9/17/2019</a:t>
             </a:fld>
             <a:endParaRPr lang="en-US"/>
           </a:p>
@@ -3058,7 +3055,7 @@
           <a:p>
             <a:fld id="{538185A6-F7C7-2D4F-BA59-879D5B10606E}" type="datetimeFigureOut">
               <a:rPr lang="en-US" smtClean="0"/>
-              <a:t>9/13/2019</a:t>
+              <a:t>9/17/2019</a:t>
             </a:fld>
             <a:endParaRPr lang="en-US"/>
           </a:p>
@@ -3271,7 +3268,7 @@
           <a:p>
             <a:fld id="{538185A6-F7C7-2D4F-BA59-879D5B10606E}" type="datetimeFigureOut">
               <a:rPr lang="en-US" smtClean="0"/>
-              <a:t>9/13/2019</a:t>
+              <a:t>9/17/2019</a:t>
             </a:fld>
             <a:endParaRPr lang="en-US"/>
           </a:p>
@@ -3695,79 +3692,13 @@
             </a:r>
             <a:r>
               <a:rPr lang="en-US" sz="2400" dirty="0" smtClean="0"/>
-              <a:t>The entire experiment will take somewhere between </a:t>
+              <a:t>The entire experiment will take somewhere between 70 and 90 minutes. We expect the first task will take about 25 minutes, the second task will take about 35 minutes, and the two sets of instructions in total will take about 15 minutes</a:t>
             </a:r>
             <a:r>
               <a:rPr lang="en-US" sz="2400" dirty="0" smtClean="0"/>
-              <a:t>70 </a:t>
-            </a:r>
-            <a:r>
-              <a:rPr lang="en-US" sz="2400" dirty="0" smtClean="0"/>
-              <a:t>and </a:t>
-            </a:r>
-            <a:r>
-              <a:rPr lang="en-US" sz="2400" dirty="0" smtClean="0"/>
-              <a:t>90 </a:t>
-            </a:r>
-            <a:r>
-              <a:rPr lang="en-US" sz="2400" dirty="0" smtClean="0"/>
-              <a:t>minutes. We expect the first task will take about 25 minutes, the second task will take about </a:t>
-            </a:r>
-            <a:r>
-              <a:rPr lang="en-US" sz="2400" dirty="0" smtClean="0"/>
-              <a:t>35</a:t>
-            </a:r>
-            <a:r>
-              <a:rPr lang="en-US" sz="2400" dirty="0" smtClean="0"/>
-              <a:t> </a:t>
-            </a:r>
-            <a:r>
-              <a:rPr lang="en-US" sz="2400" dirty="0" smtClean="0"/>
-              <a:t>minutes, and the two sets of instructions in total will take about 15 minutes.</a:t>
+              <a:t>.</a:t>
             </a:r>
             <a:endParaRPr lang="en-US" sz="2400" dirty="0"/>
-          </a:p>
-          <a:p>
-            <a:pPr marL="0" indent="0">
-              <a:buNone/>
-            </a:pPr>
-            <a:endParaRPr lang="en-US" sz="2400" dirty="0" smtClean="0"/>
-          </a:p>
-          <a:p>
-            <a:pPr marL="0" indent="0">
-              <a:buNone/>
-            </a:pPr>
-            <a:r>
-              <a:rPr lang="en-US" sz="2400" dirty="0"/>
-              <a:t>I</a:t>
-            </a:r>
-            <a:r>
-              <a:rPr lang="en-US" sz="2400" dirty="0" smtClean="0"/>
-              <a:t>n </a:t>
-            </a:r>
-            <a:r>
-              <a:rPr lang="en-US" sz="2400" dirty="0"/>
-              <a:t>order to proceed to the </a:t>
-            </a:r>
-            <a:r>
-              <a:rPr lang="en-US" sz="2400" dirty="0" smtClean="0"/>
-              <a:t>first task, </a:t>
-            </a:r>
-            <a:r>
-              <a:rPr lang="en-US" sz="2400" b="1" dirty="0"/>
-              <a:t>y</a:t>
-            </a:r>
-            <a:r>
-              <a:rPr lang="en-US" sz="2400" b="1" dirty="0" smtClean="0"/>
-              <a:t>ou will need to pass an instruction quiz.</a:t>
-            </a:r>
-            <a:endParaRPr lang="en-US" sz="2400" dirty="0"/>
-          </a:p>
-          <a:p>
-            <a:pPr marL="0" indent="0">
-              <a:buNone/>
-            </a:pPr>
-            <a:endParaRPr lang="en-US" dirty="0" smtClean="0"/>
           </a:p>
         </p:txBody>
       </p:sp>
@@ -3820,812 +3751,46 @@
         </p:nvSpPr>
         <p:spPr>
           <a:xfrm>
-            <a:off x="316521" y="112542"/>
-            <a:ext cx="4850687" cy="5760403"/>
+            <a:off x="457200" y="853440"/>
+            <a:ext cx="8229600" cy="5272723"/>
           </a:xfrm>
         </p:spPr>
         <p:txBody>
           <a:bodyPr>
-            <a:noAutofit/>
+            <a:normAutofit/>
           </a:bodyPr>
           <a:lstStyle/>
           <a:p>
-            <a:pPr algn="just"/>
-            <a:r>
-              <a:rPr lang="en-GB" sz="2200" dirty="0" smtClean="0"/>
-              <a:t>On each game in this task you </a:t>
-            </a:r>
-            <a:r>
-              <a:rPr lang="en-GB" sz="2200" dirty="0"/>
-              <a:t>will be presented with one of the slot machines that </a:t>
-            </a:r>
-            <a:r>
-              <a:rPr lang="en-GB" sz="2200" dirty="0" smtClean="0"/>
-              <a:t>were </a:t>
-            </a:r>
-            <a:r>
-              <a:rPr lang="en-GB" sz="2200" dirty="0"/>
-              <a:t>in the previous </a:t>
-            </a:r>
-            <a:r>
-              <a:rPr lang="en-GB" sz="2200" dirty="0" smtClean="0"/>
-              <a:t>task.</a:t>
-            </a:r>
-          </a:p>
-          <a:p>
-            <a:pPr algn="just"/>
-            <a:r>
-              <a:rPr lang="en-GB" sz="2200" dirty="0" smtClean="0"/>
-              <a:t>Now, you </a:t>
-            </a:r>
-            <a:r>
-              <a:rPr lang="en-GB" sz="2200" dirty="0"/>
-              <a:t>can choose </a:t>
-            </a:r>
-            <a:r>
-              <a:rPr lang="en-GB" sz="2200" dirty="0" smtClean="0"/>
-              <a:t>either </a:t>
-            </a:r>
-            <a:r>
-              <a:rPr lang="en-GB" sz="2200" dirty="0"/>
-              <a:t>to </a:t>
-            </a:r>
-            <a:r>
-              <a:rPr lang="en-GB" sz="2200" b="1" dirty="0"/>
-              <a:t>play</a:t>
-            </a:r>
-            <a:r>
-              <a:rPr lang="en-GB" sz="2200" dirty="0"/>
-              <a:t> the slot machine or to </a:t>
-            </a:r>
-            <a:r>
-              <a:rPr lang="en-GB" sz="2200" b="1" dirty="0"/>
-              <a:t>reject</a:t>
-            </a:r>
-            <a:r>
-              <a:rPr lang="en-GB" sz="2200" dirty="0"/>
-              <a:t> </a:t>
-            </a:r>
-            <a:r>
-              <a:rPr lang="en-GB" sz="2200" dirty="0" smtClean="0"/>
-              <a:t>it.</a:t>
-            </a:r>
-          </a:p>
-          <a:p>
-            <a:pPr algn="just"/>
-            <a:r>
-              <a:rPr lang="en-GB" sz="2200" b="1" dirty="0"/>
-              <a:t>P</a:t>
-            </a:r>
-            <a:r>
-              <a:rPr lang="en-GB" sz="2200" b="1" dirty="0" smtClean="0"/>
-              <a:t>laying</a:t>
-            </a:r>
-            <a:r>
-              <a:rPr lang="en-GB" sz="2200" dirty="0" smtClean="0"/>
-              <a:t> (key 1) a </a:t>
-            </a:r>
-            <a:r>
-              <a:rPr lang="en-GB" sz="2200" dirty="0"/>
-              <a:t>slot </a:t>
-            </a:r>
-            <a:r>
-              <a:rPr lang="en-GB" sz="2200" dirty="0" smtClean="0"/>
-              <a:t>machine will produce either the </a:t>
-            </a:r>
-            <a:r>
-              <a:rPr lang="en-GB" sz="2200" b="1" dirty="0" smtClean="0"/>
-              <a:t>SCISSORS</a:t>
-            </a:r>
-            <a:r>
-              <a:rPr lang="en-GB" sz="2200" dirty="0" smtClean="0"/>
-              <a:t> or </a:t>
-            </a:r>
-            <a:r>
-              <a:rPr lang="en-GB" sz="2200" b="1" dirty="0" smtClean="0"/>
-              <a:t>GIRL</a:t>
-            </a:r>
-            <a:r>
-              <a:rPr lang="en-GB" sz="2200" dirty="0" smtClean="0"/>
-              <a:t> banknote.</a:t>
-            </a:r>
-          </a:p>
-          <a:p>
-            <a:pPr algn="just"/>
-            <a:r>
-              <a:rPr lang="en-GB" sz="2200" dirty="0" smtClean="0"/>
-              <a:t>The </a:t>
-            </a:r>
-            <a:r>
-              <a:rPr lang="en-GB" sz="2200" b="1" dirty="0"/>
-              <a:t>chances</a:t>
-            </a:r>
-            <a:r>
-              <a:rPr lang="en-GB" sz="2200" dirty="0"/>
-              <a:t> of </a:t>
-            </a:r>
-            <a:r>
-              <a:rPr lang="en-GB" sz="2200" dirty="0" smtClean="0"/>
-              <a:t>a given </a:t>
-            </a:r>
-            <a:r>
-              <a:rPr lang="en-GB" sz="2200" dirty="0"/>
-              <a:t>slot machine producing either of these two banknotes will be the </a:t>
-            </a:r>
-            <a:r>
-              <a:rPr lang="en-GB" sz="2200" b="1" dirty="0"/>
-              <a:t>same as it was in the previous task</a:t>
-            </a:r>
-            <a:r>
-              <a:rPr lang="en-GB" sz="2200" dirty="0" smtClean="0"/>
-              <a:t>. These chances will </a:t>
-            </a:r>
-            <a:r>
-              <a:rPr lang="en-GB" sz="2200" b="1" dirty="0" smtClean="0"/>
-              <a:t>not change </a:t>
-            </a:r>
-            <a:r>
-              <a:rPr lang="en-GB" sz="2200" dirty="0" smtClean="0"/>
-              <a:t>over the course of the task.</a:t>
-            </a:r>
-          </a:p>
-          <a:p>
-            <a:pPr algn="just"/>
-            <a:r>
-              <a:rPr lang="en-GB" sz="2200" dirty="0" smtClean="0"/>
-              <a:t>You can also reject </a:t>
-            </a:r>
-            <a:r>
-              <a:rPr lang="en-GB" sz="2200" dirty="0"/>
-              <a:t>a slot </a:t>
-            </a:r>
-            <a:r>
-              <a:rPr lang="en-GB" sz="2200" dirty="0" smtClean="0"/>
-              <a:t>machine (key 2). </a:t>
-            </a:r>
-            <a:r>
-              <a:rPr lang="en-GB" sz="2200" dirty="0"/>
-              <a:t>If you reject a slot machine, you will always get the </a:t>
-            </a:r>
-            <a:r>
-              <a:rPr lang="en-GB" sz="2200" b="1" dirty="0" smtClean="0"/>
-              <a:t>HOUSE</a:t>
-            </a:r>
-            <a:r>
-              <a:rPr lang="en-GB" sz="2200" dirty="0" smtClean="0"/>
-              <a:t> banknote.</a:t>
-            </a:r>
-            <a:endParaRPr lang="en-GB" sz="2200" dirty="0"/>
-          </a:p>
-        </p:txBody>
-      </p:sp>
-      <p:sp>
-        <p:nvSpPr>
-          <p:cNvPr id="4" name="Rectangle 3"/>
-          <p:cNvSpPr/>
-          <p:nvPr/>
-        </p:nvSpPr>
-        <p:spPr>
-          <a:xfrm>
-            <a:off x="5940819" y="4988140"/>
-            <a:ext cx="1512000" cy="828000"/>
-          </a:xfrm>
-          <a:prstGeom prst="rect">
-            <a:avLst/>
-          </a:prstGeom>
-          <a:solidFill>
-            <a:srgbClr val="635C52"/>
-          </a:solidFill>
-        </p:spPr>
-        <p:style>
-          <a:lnRef idx="1">
-            <a:schemeClr val="accent1"/>
-          </a:lnRef>
-          <a:fillRef idx="3">
-            <a:schemeClr val="accent1"/>
-          </a:fillRef>
-          <a:effectRef idx="2">
-            <a:schemeClr val="accent1"/>
-          </a:effectRef>
-          <a:fontRef idx="minor">
-            <a:schemeClr val="lt1"/>
-          </a:fontRef>
-        </p:style>
-        <p:txBody>
-          <a:bodyPr rtlCol="0" anchor="ctr"/>
-          <a:lstStyle/>
-          <a:p>
-            <a:pPr algn="ctr"/>
-            <a:endParaRPr lang="en-GB"/>
-          </a:p>
-        </p:txBody>
-      </p:sp>
-      <p:pic>
-        <p:nvPicPr>
-          <p:cNvPr id="5" name="Picture 4"/>
-          <p:cNvPicPr>
-            <a:picLocks noChangeAspect="1"/>
-          </p:cNvPicPr>
-          <p:nvPr/>
-        </p:nvPicPr>
-        <p:blipFill>
-          <a:blip r:embed="rId2">
-            <a:extLst>
-              <a:ext uri="{28A0092B-C50C-407E-A947-70E740481C1C}">
-                <a14:useLocalDpi xmlns:a14="http://schemas.microsoft.com/office/drawing/2010/main" val="0"/>
-              </a:ext>
-            </a:extLst>
-          </a:blip>
-          <a:stretch>
-            <a:fillRect/>
-          </a:stretch>
-        </p:blipFill>
-        <p:spPr>
-          <a:xfrm>
-            <a:off x="6041759" y="5057362"/>
-            <a:ext cx="684000" cy="684000"/>
-          </a:xfrm>
-          <a:prstGeom prst="rect">
-            <a:avLst/>
-          </a:prstGeom>
-        </p:spPr>
-      </p:pic>
-      <p:sp>
-        <p:nvSpPr>
-          <p:cNvPr id="6" name="TextBox 5"/>
-          <p:cNvSpPr txBox="1"/>
-          <p:nvPr/>
-        </p:nvSpPr>
-        <p:spPr>
-          <a:xfrm>
-            <a:off x="6800720" y="5223200"/>
-            <a:ext cx="577929" cy="369332"/>
-          </a:xfrm>
-          <a:prstGeom prst="rect">
-            <a:avLst/>
-          </a:prstGeom>
-          <a:noFill/>
-        </p:spPr>
-        <p:txBody>
-          <a:bodyPr wrap="square" rtlCol="0">
-            <a:spAutoFit/>
-          </a:bodyPr>
-          <a:lstStyle/>
-          <a:p>
-            <a:r>
-              <a:rPr lang="en-GB" dirty="0" smtClean="0">
-                <a:solidFill>
-                  <a:srgbClr val="FFFF00"/>
-                </a:solidFill>
-              </a:rPr>
-              <a:t>XX</a:t>
-            </a:r>
-            <a:endParaRPr lang="en-GB" dirty="0">
-              <a:solidFill>
-                <a:srgbClr val="FFFF00"/>
-              </a:solidFill>
-            </a:endParaRPr>
-          </a:p>
-        </p:txBody>
-      </p:sp>
-      <p:sp>
-        <p:nvSpPr>
-          <p:cNvPr id="7" name="Rectangle 6"/>
-          <p:cNvSpPr/>
-          <p:nvPr/>
-        </p:nvSpPr>
-        <p:spPr>
-          <a:xfrm>
-            <a:off x="5590209" y="4102344"/>
-            <a:ext cx="1363578" cy="369332"/>
-          </a:xfrm>
-          <a:prstGeom prst="rect">
-            <a:avLst/>
-          </a:prstGeom>
-        </p:spPr>
-        <p:txBody>
-          <a:bodyPr wrap="none">
-            <a:spAutoFit/>
-          </a:bodyPr>
-          <a:lstStyle/>
-          <a:p>
-            <a:r>
-              <a:rPr lang="en-GB" dirty="0" smtClean="0"/>
-              <a:t>If you </a:t>
-            </a:r>
-            <a:r>
-              <a:rPr lang="en-GB" b="1" dirty="0" smtClean="0"/>
-              <a:t>reject</a:t>
-            </a:r>
-            <a:r>
-              <a:rPr lang="en-GB" dirty="0" smtClean="0"/>
-              <a:t>:</a:t>
-            </a:r>
-            <a:endParaRPr lang="en-GB" dirty="0"/>
-          </a:p>
-        </p:txBody>
-      </p:sp>
-      <p:sp>
-        <p:nvSpPr>
-          <p:cNvPr id="15" name="Rectangle 14"/>
-          <p:cNvSpPr/>
-          <p:nvPr/>
-        </p:nvSpPr>
-        <p:spPr>
-          <a:xfrm>
-            <a:off x="7561362" y="2221280"/>
-            <a:ext cx="1512000" cy="828000"/>
-          </a:xfrm>
-          <a:prstGeom prst="rect">
-            <a:avLst/>
-          </a:prstGeom>
-          <a:solidFill>
-            <a:srgbClr val="635C52"/>
-          </a:solidFill>
-        </p:spPr>
-        <p:style>
-          <a:lnRef idx="1">
-            <a:schemeClr val="accent1"/>
-          </a:lnRef>
-          <a:fillRef idx="3">
-            <a:schemeClr val="accent1"/>
-          </a:fillRef>
-          <a:effectRef idx="2">
-            <a:schemeClr val="accent1"/>
-          </a:effectRef>
-          <a:fontRef idx="minor">
-            <a:schemeClr val="lt1"/>
-          </a:fontRef>
-        </p:style>
-        <p:txBody>
-          <a:bodyPr rtlCol="0" anchor="ctr"/>
-          <a:lstStyle/>
-          <a:p>
-            <a:pPr algn="ctr"/>
-            <a:endParaRPr lang="en-GB"/>
-          </a:p>
-        </p:txBody>
-      </p:sp>
-      <p:sp>
-        <p:nvSpPr>
-          <p:cNvPr id="16" name="Rectangle 15"/>
-          <p:cNvSpPr/>
-          <p:nvPr/>
-        </p:nvSpPr>
-        <p:spPr>
-          <a:xfrm>
-            <a:off x="5523858" y="2182679"/>
-            <a:ext cx="1512000" cy="828000"/>
-          </a:xfrm>
-          <a:prstGeom prst="rect">
-            <a:avLst/>
-          </a:prstGeom>
-          <a:solidFill>
-            <a:srgbClr val="635C52"/>
-          </a:solidFill>
-        </p:spPr>
-        <p:style>
-          <a:lnRef idx="1">
-            <a:schemeClr val="accent1"/>
-          </a:lnRef>
-          <a:fillRef idx="3">
-            <a:schemeClr val="accent1"/>
-          </a:fillRef>
-          <a:effectRef idx="2">
-            <a:schemeClr val="accent1"/>
-          </a:effectRef>
-          <a:fontRef idx="minor">
-            <a:schemeClr val="lt1"/>
-          </a:fontRef>
-        </p:style>
-        <p:txBody>
-          <a:bodyPr rtlCol="0" anchor="ctr"/>
-          <a:lstStyle/>
-          <a:p>
-            <a:pPr algn="ctr"/>
-            <a:endParaRPr lang="en-GB"/>
-          </a:p>
-        </p:txBody>
-      </p:sp>
-      <p:sp>
-        <p:nvSpPr>
-          <p:cNvPr id="17" name="TextBox 16"/>
-          <p:cNvSpPr txBox="1"/>
-          <p:nvPr/>
-        </p:nvSpPr>
-        <p:spPr>
-          <a:xfrm>
-            <a:off x="8448225" y="2449809"/>
-            <a:ext cx="577929" cy="369332"/>
-          </a:xfrm>
-          <a:prstGeom prst="rect">
-            <a:avLst/>
-          </a:prstGeom>
-          <a:noFill/>
-        </p:spPr>
-        <p:txBody>
-          <a:bodyPr wrap="square" rtlCol="0">
-            <a:spAutoFit/>
-          </a:bodyPr>
-          <a:lstStyle/>
-          <a:p>
-            <a:r>
-              <a:rPr lang="en-GB" dirty="0" smtClean="0">
-                <a:solidFill>
-                  <a:srgbClr val="FFFF00"/>
-                </a:solidFill>
-              </a:rPr>
-              <a:t>XX</a:t>
-            </a:r>
-            <a:endParaRPr lang="en-GB" dirty="0">
-              <a:solidFill>
-                <a:srgbClr val="FFFF00"/>
-              </a:solidFill>
-            </a:endParaRPr>
-          </a:p>
-        </p:txBody>
-      </p:sp>
-      <p:sp>
-        <p:nvSpPr>
-          <p:cNvPr id="18" name="TextBox 17"/>
-          <p:cNvSpPr txBox="1"/>
-          <p:nvPr/>
-        </p:nvSpPr>
-        <p:spPr>
-          <a:xfrm>
-            <a:off x="6383759" y="2417739"/>
-            <a:ext cx="577929" cy="369332"/>
-          </a:xfrm>
-          <a:prstGeom prst="rect">
-            <a:avLst/>
-          </a:prstGeom>
-          <a:noFill/>
-        </p:spPr>
-        <p:txBody>
-          <a:bodyPr wrap="square" rtlCol="0">
-            <a:spAutoFit/>
-          </a:bodyPr>
-          <a:lstStyle/>
-          <a:p>
-            <a:r>
-              <a:rPr lang="en-GB" dirty="0" smtClean="0">
-                <a:solidFill>
-                  <a:srgbClr val="FFFF00"/>
-                </a:solidFill>
-              </a:rPr>
-              <a:t>XX</a:t>
-            </a:r>
-            <a:endParaRPr lang="en-GB" dirty="0">
-              <a:solidFill>
-                <a:srgbClr val="FFFF00"/>
-              </a:solidFill>
-            </a:endParaRPr>
-          </a:p>
-        </p:txBody>
-      </p:sp>
-      <p:sp>
-        <p:nvSpPr>
-          <p:cNvPr id="19" name="TextBox 18"/>
-          <p:cNvSpPr txBox="1"/>
-          <p:nvPr/>
-        </p:nvSpPr>
-        <p:spPr>
-          <a:xfrm>
-            <a:off x="7119041" y="1822715"/>
-            <a:ext cx="2065048" cy="369332"/>
-          </a:xfrm>
-          <a:prstGeom prst="rect">
-            <a:avLst/>
-          </a:prstGeom>
-          <a:noFill/>
-        </p:spPr>
-        <p:txBody>
-          <a:bodyPr wrap="square" rtlCol="0">
-            <a:spAutoFit/>
-          </a:bodyPr>
-          <a:lstStyle/>
-          <a:p>
-            <a:r>
-              <a:rPr lang="en-GB" dirty="0" smtClean="0"/>
-              <a:t>SCISSORS Banknote</a:t>
-            </a:r>
-            <a:endParaRPr lang="en-GB" dirty="0"/>
-          </a:p>
-        </p:txBody>
-      </p:sp>
-      <p:sp>
-        <p:nvSpPr>
-          <p:cNvPr id="20" name="TextBox 19"/>
-          <p:cNvSpPr txBox="1"/>
-          <p:nvPr/>
-        </p:nvSpPr>
-        <p:spPr>
-          <a:xfrm>
-            <a:off x="5404028" y="1788322"/>
-            <a:ext cx="1850065" cy="369332"/>
-          </a:xfrm>
-          <a:prstGeom prst="rect">
-            <a:avLst/>
-          </a:prstGeom>
-          <a:noFill/>
-        </p:spPr>
-        <p:txBody>
-          <a:bodyPr wrap="square" rtlCol="0">
-            <a:spAutoFit/>
-          </a:bodyPr>
-          <a:lstStyle/>
-          <a:p>
-            <a:r>
-              <a:rPr lang="en-GB" dirty="0" smtClean="0"/>
-              <a:t>GIRL Banknote</a:t>
-            </a:r>
-            <a:endParaRPr lang="en-GB" dirty="0"/>
-          </a:p>
-        </p:txBody>
-      </p:sp>
-      <p:pic>
-        <p:nvPicPr>
-          <p:cNvPr id="21" name="Picture 20"/>
-          <p:cNvPicPr>
-            <a:picLocks noChangeAspect="1"/>
-          </p:cNvPicPr>
-          <p:nvPr/>
-        </p:nvPicPr>
-        <p:blipFill>
-          <a:blip r:embed="rId3">
-            <a:extLst>
-              <a:ext uri="{28A0092B-C50C-407E-A947-70E740481C1C}">
-                <a14:useLocalDpi xmlns:a14="http://schemas.microsoft.com/office/drawing/2010/main" val="0"/>
-              </a:ext>
-            </a:extLst>
-          </a:blip>
-          <a:stretch>
-            <a:fillRect/>
-          </a:stretch>
-        </p:blipFill>
-        <p:spPr>
-          <a:xfrm>
-            <a:off x="7684455" y="2298058"/>
-            <a:ext cx="684000" cy="684000"/>
-          </a:xfrm>
-          <a:prstGeom prst="rect">
-            <a:avLst/>
-          </a:prstGeom>
-        </p:spPr>
-      </p:pic>
-      <p:pic>
-        <p:nvPicPr>
-          <p:cNvPr id="22" name="Picture 21"/>
-          <p:cNvPicPr>
-            <a:picLocks noChangeAspect="1"/>
-          </p:cNvPicPr>
-          <p:nvPr/>
-        </p:nvPicPr>
-        <p:blipFill>
-          <a:blip r:embed="rId4">
-            <a:extLst>
-              <a:ext uri="{28A0092B-C50C-407E-A947-70E740481C1C}">
-                <a14:useLocalDpi xmlns:a14="http://schemas.microsoft.com/office/drawing/2010/main" val="0"/>
-              </a:ext>
-            </a:extLst>
-          </a:blip>
-          <a:stretch>
-            <a:fillRect/>
-          </a:stretch>
-        </p:blipFill>
-        <p:spPr>
-          <a:xfrm>
-            <a:off x="5625589" y="2246796"/>
-            <a:ext cx="684000" cy="684000"/>
-          </a:xfrm>
-          <a:prstGeom prst="rect">
-            <a:avLst/>
-          </a:prstGeom>
-        </p:spPr>
-      </p:pic>
-      <p:sp>
-        <p:nvSpPr>
-          <p:cNvPr id="23" name="Rectangle 22"/>
-          <p:cNvSpPr/>
-          <p:nvPr/>
-        </p:nvSpPr>
-        <p:spPr>
-          <a:xfrm>
-            <a:off x="5326576" y="1454877"/>
-            <a:ext cx="1224566" cy="369332"/>
-          </a:xfrm>
-          <a:prstGeom prst="rect">
-            <a:avLst/>
-          </a:prstGeom>
-        </p:spPr>
-        <p:txBody>
-          <a:bodyPr wrap="none">
-            <a:spAutoFit/>
-          </a:bodyPr>
-          <a:lstStyle/>
-          <a:p>
-            <a:r>
-              <a:rPr lang="en-GB" dirty="0" smtClean="0"/>
-              <a:t>If </a:t>
-            </a:r>
-            <a:r>
-              <a:rPr lang="en-GB" dirty="0"/>
-              <a:t>you</a:t>
-            </a:r>
-            <a:r>
-              <a:rPr lang="en-GB" dirty="0" smtClean="0"/>
-              <a:t> </a:t>
-            </a:r>
-            <a:r>
-              <a:rPr lang="en-GB" b="1" dirty="0" smtClean="0"/>
-              <a:t>play</a:t>
-            </a:r>
-            <a:r>
-              <a:rPr lang="en-GB" dirty="0" smtClean="0"/>
-              <a:t>:</a:t>
-            </a:r>
-            <a:endParaRPr lang="en-GB" dirty="0"/>
-          </a:p>
-        </p:txBody>
-      </p:sp>
-      <p:sp>
-        <p:nvSpPr>
-          <p:cNvPr id="24" name="Rectangle 23"/>
-          <p:cNvSpPr/>
-          <p:nvPr/>
-        </p:nvSpPr>
-        <p:spPr>
-          <a:xfrm>
-            <a:off x="7053756" y="2403387"/>
-            <a:ext cx="461986" cy="369332"/>
-          </a:xfrm>
-          <a:prstGeom prst="rect">
-            <a:avLst/>
-          </a:prstGeom>
-        </p:spPr>
-        <p:txBody>
-          <a:bodyPr wrap="none">
-            <a:spAutoFit/>
-          </a:bodyPr>
-          <a:lstStyle/>
-          <a:p>
-            <a:r>
-              <a:rPr lang="en-GB" dirty="0" smtClean="0"/>
-              <a:t>OR</a:t>
-            </a:r>
-            <a:endParaRPr lang="en-GB" dirty="0"/>
-          </a:p>
-        </p:txBody>
-      </p:sp>
-      <p:sp>
-        <p:nvSpPr>
-          <p:cNvPr id="25" name="Rectangle 24"/>
-          <p:cNvSpPr/>
-          <p:nvPr/>
-        </p:nvSpPr>
-        <p:spPr>
-          <a:xfrm>
-            <a:off x="5229890" y="1086598"/>
-            <a:ext cx="2331472" cy="369332"/>
-          </a:xfrm>
-          <a:prstGeom prst="rect">
-            <a:avLst/>
-          </a:prstGeom>
-        </p:spPr>
-        <p:txBody>
-          <a:bodyPr wrap="none">
-            <a:spAutoFit/>
-          </a:bodyPr>
-          <a:lstStyle/>
-          <a:p>
-            <a:r>
-              <a:rPr lang="en-GB" b="1" dirty="0" smtClean="0"/>
-              <a:t>For each slot machine:</a:t>
-            </a:r>
-            <a:endParaRPr lang="en-GB" b="1" dirty="0"/>
-          </a:p>
-        </p:txBody>
-      </p:sp>
-      <p:sp>
-        <p:nvSpPr>
-          <p:cNvPr id="26" name="Rectangle 25"/>
-          <p:cNvSpPr/>
-          <p:nvPr/>
-        </p:nvSpPr>
-        <p:spPr>
-          <a:xfrm>
-            <a:off x="5670859" y="3145843"/>
-            <a:ext cx="2971431" cy="923330"/>
-          </a:xfrm>
-          <a:prstGeom prst="rect">
-            <a:avLst/>
-          </a:prstGeom>
-        </p:spPr>
-        <p:txBody>
-          <a:bodyPr wrap="square">
-            <a:spAutoFit/>
-          </a:bodyPr>
-          <a:lstStyle/>
-          <a:p>
-            <a:r>
-              <a:rPr lang="en-GB" dirty="0" smtClean="0"/>
-              <a:t>Chances of GIRL or SCISSORS depend on </a:t>
-            </a:r>
-            <a:r>
-              <a:rPr lang="en-GB" b="1" dirty="0" smtClean="0"/>
-              <a:t>which</a:t>
-            </a:r>
-            <a:r>
-              <a:rPr lang="en-GB" dirty="0" smtClean="0"/>
-              <a:t> slot machine is played.</a:t>
-            </a:r>
-            <a:endParaRPr lang="en-GB" dirty="0"/>
-          </a:p>
-        </p:txBody>
-      </p:sp>
-      <p:sp>
-        <p:nvSpPr>
-          <p:cNvPr id="27" name="Rectangle 26"/>
-          <p:cNvSpPr/>
-          <p:nvPr/>
-        </p:nvSpPr>
-        <p:spPr>
-          <a:xfrm>
-            <a:off x="5597001" y="5990346"/>
-            <a:ext cx="3571615" cy="646331"/>
-          </a:xfrm>
-          <a:prstGeom prst="rect">
-            <a:avLst/>
-          </a:prstGeom>
-        </p:spPr>
-        <p:txBody>
-          <a:bodyPr wrap="square">
-            <a:spAutoFit/>
-          </a:bodyPr>
-          <a:lstStyle/>
-          <a:p>
-            <a:r>
-              <a:rPr lang="en-GB" dirty="0" smtClean="0"/>
-              <a:t>Rejecting always leads to the HOUSE banknote.</a:t>
-            </a:r>
-            <a:endParaRPr lang="en-GB" dirty="0"/>
-          </a:p>
-        </p:txBody>
-      </p:sp>
-      <p:sp>
-        <p:nvSpPr>
-          <p:cNvPr id="28" name="TextBox 27"/>
-          <p:cNvSpPr txBox="1"/>
-          <p:nvPr/>
-        </p:nvSpPr>
-        <p:spPr>
-          <a:xfrm>
-            <a:off x="5800726" y="4501278"/>
-            <a:ext cx="1850065" cy="369332"/>
-          </a:xfrm>
-          <a:prstGeom prst="rect">
-            <a:avLst/>
-          </a:prstGeom>
-          <a:noFill/>
-        </p:spPr>
-        <p:txBody>
-          <a:bodyPr wrap="square" rtlCol="0">
-            <a:spAutoFit/>
-          </a:bodyPr>
-          <a:lstStyle/>
-          <a:p>
-            <a:r>
-              <a:rPr lang="en-GB" dirty="0" smtClean="0"/>
-              <a:t>HOUSE Banknote</a:t>
-            </a:r>
-            <a:endParaRPr lang="en-GB" dirty="0"/>
+            <a:r>
+              <a:rPr lang="en-GB" sz="2400" dirty="0" smtClean="0"/>
+              <a:t>Great. As an attention check, there will be a few games like this in the task. For these, you’ll have to report the point value of a given banknote.</a:t>
+            </a:r>
+          </a:p>
+          <a:p>
+            <a:r>
+              <a:rPr lang="en-GB" sz="2400" dirty="0" smtClean="0"/>
+              <a:t>Let’s now practice a few actual task games. For these, after seeing the point value of each banknote, you will be presented with a slot machine. </a:t>
+            </a:r>
+          </a:p>
+          <a:p>
+            <a:r>
+              <a:rPr lang="en-GB" sz="2400" dirty="0" smtClean="0"/>
+              <a:t>Press ‘1’ to play the slot machine or ‘2’ to reject it. </a:t>
+            </a:r>
+          </a:p>
+          <a:p>
+            <a:r>
+              <a:rPr lang="en-GB" sz="2400" dirty="0" smtClean="0"/>
+              <a:t>After this, based on your choice, you’ll get a banknote and either collect or lose points.</a:t>
+            </a:r>
+            <a:endParaRPr lang="en-GB" sz="2400" dirty="0"/>
           </a:p>
         </p:txBody>
       </p:sp>
     </p:spTree>
     <p:extLst>
       <p:ext uri="{BB962C8B-B14F-4D97-AF65-F5344CB8AC3E}">
-        <p14:creationId xmlns:p14="http://schemas.microsoft.com/office/powerpoint/2010/main" val="1898958812"/>
+        <p14:creationId xmlns:p14="http://schemas.microsoft.com/office/powerpoint/2010/main" val="1337657335"/>
       </p:ext>
     </p:extLst>
   </p:cSld>
@@ -4654,6 +3819,29 @@
       </p:grpSpPr>
       <p:sp>
         <p:nvSpPr>
+          <p:cNvPr id="2" name="Title 1"/>
+          <p:cNvSpPr>
+            <a:spLocks noGrp="1"/>
+          </p:cNvSpPr>
+          <p:nvPr>
+            <p:ph type="title"/>
+          </p:nvPr>
+        </p:nvSpPr>
+        <p:spPr/>
+        <p:txBody>
+          <a:bodyPr/>
+          <a:lstStyle/>
+          <a:p>
+            <a:r>
+              <a:rPr lang="en-GB" dirty="0" smtClean="0"/>
+              <a:t>Practice real choice trials</a:t>
+            </a:r>
+            <a:endParaRPr lang="en-GB" dirty="0"/>
+          </a:p>
+        </p:txBody>
+      </p:sp>
+      <p:sp>
+        <p:nvSpPr>
           <p:cNvPr id="3" name="Content Placeholder 2"/>
           <p:cNvSpPr>
             <a:spLocks noGrp="1"/>
@@ -4662,502 +3850,19 @@
             <p:ph idx="1"/>
           </p:nvPr>
         </p:nvSpPr>
-        <p:spPr>
-          <a:xfrm>
-            <a:off x="457200" y="414528"/>
-            <a:ext cx="4297680" cy="6266688"/>
-          </a:xfrm>
-        </p:spPr>
-        <p:txBody>
-          <a:bodyPr>
-            <a:normAutofit/>
-          </a:bodyPr>
-          <a:lstStyle/>
-          <a:p>
-            <a:r>
-              <a:rPr lang="en-GB" sz="2000" dirty="0"/>
-              <a:t>Before each decision to play or reject a slot machine, you will be shown the point value of each banknote for that </a:t>
-            </a:r>
-            <a:r>
-              <a:rPr lang="en-GB" sz="2000" dirty="0" smtClean="0"/>
-              <a:t>game</a:t>
-            </a:r>
-            <a:r>
-              <a:rPr lang="en-GB" sz="2000" dirty="0"/>
-              <a:t> </a:t>
-            </a:r>
-            <a:r>
-              <a:rPr lang="en-GB" sz="2000" dirty="0" smtClean="0"/>
-              <a:t>(example on the right).</a:t>
-            </a:r>
-          </a:p>
-          <a:p>
-            <a:r>
-              <a:rPr lang="en-GB" sz="2000" dirty="0" smtClean="0"/>
-              <a:t>You </a:t>
-            </a:r>
-            <a:r>
-              <a:rPr lang="en-GB" sz="2000" dirty="0"/>
-              <a:t>must pay attention to </a:t>
-            </a:r>
-            <a:r>
-              <a:rPr lang="en-GB" sz="2000" dirty="0" smtClean="0"/>
-              <a:t>these screens </a:t>
-            </a:r>
-            <a:r>
-              <a:rPr lang="en-GB" sz="2000" dirty="0"/>
-              <a:t>in order to make choices that lead you to </a:t>
-            </a:r>
-            <a:r>
-              <a:rPr lang="en-GB" sz="2000" dirty="0" smtClean="0"/>
-              <a:t>maximize collection of positive points and minimize collection of negative points.</a:t>
-            </a:r>
-          </a:p>
-          <a:p>
-            <a:r>
-              <a:rPr lang="en-GB" sz="2000" dirty="0"/>
-              <a:t>To get used to the timing, let’s just practice a few presentations of the point values of each </a:t>
-            </a:r>
-            <a:r>
-              <a:rPr lang="en-GB" sz="2000" dirty="0" smtClean="0"/>
-              <a:t>banknote. Here</a:t>
-            </a:r>
-            <a:r>
-              <a:rPr lang="en-GB" sz="2000" dirty="0"/>
-              <a:t>, you’ll just be presented with the point values of each bank note and then you’ll be asked what one of their point values is.</a:t>
-            </a:r>
-          </a:p>
-        </p:txBody>
-      </p:sp>
-      <p:sp>
-        <p:nvSpPr>
-          <p:cNvPr id="4" name="Rectangle 3"/>
-          <p:cNvSpPr/>
-          <p:nvPr/>
-        </p:nvSpPr>
-        <p:spPr>
-          <a:xfrm>
-            <a:off x="5327904" y="694944"/>
-            <a:ext cx="3438144" cy="2852928"/>
-          </a:xfrm>
-          <a:prstGeom prst="rect">
-            <a:avLst/>
-          </a:prstGeom>
-          <a:solidFill>
-            <a:srgbClr val="252533"/>
-          </a:solidFill>
-        </p:spPr>
-        <p:style>
-          <a:lnRef idx="1">
-            <a:schemeClr val="accent1"/>
-          </a:lnRef>
-          <a:fillRef idx="3">
-            <a:schemeClr val="accent1"/>
-          </a:fillRef>
-          <a:effectRef idx="2">
-            <a:schemeClr val="accent1"/>
-          </a:effectRef>
-          <a:fontRef idx="minor">
-            <a:schemeClr val="lt1"/>
-          </a:fontRef>
-        </p:style>
-        <p:txBody>
-          <a:bodyPr rtlCol="0" anchor="ctr"/>
-          <a:lstStyle/>
-          <a:p>
-            <a:pPr algn="ctr"/>
+        <p:spPr/>
+        <p:txBody>
+          <a:bodyPr/>
+          <a:lstStyle/>
+          <a:p>
             <a:endParaRPr lang="en-GB"/>
           </a:p>
         </p:txBody>
       </p:sp>
-      <p:sp>
-        <p:nvSpPr>
-          <p:cNvPr id="5" name="Rectangle 4"/>
-          <p:cNvSpPr/>
-          <p:nvPr/>
-        </p:nvSpPr>
-        <p:spPr>
-          <a:xfrm>
-            <a:off x="5478831" y="1200680"/>
-            <a:ext cx="1512000" cy="828000"/>
-          </a:xfrm>
-          <a:prstGeom prst="rect">
-            <a:avLst/>
-          </a:prstGeom>
-          <a:solidFill>
-            <a:srgbClr val="635C52"/>
-          </a:solidFill>
-        </p:spPr>
-        <p:style>
-          <a:lnRef idx="1">
-            <a:schemeClr val="accent1"/>
-          </a:lnRef>
-          <a:fillRef idx="3">
-            <a:schemeClr val="accent1"/>
-          </a:fillRef>
-          <a:effectRef idx="2">
-            <a:schemeClr val="accent1"/>
-          </a:effectRef>
-          <a:fontRef idx="minor">
-            <a:schemeClr val="lt1"/>
-          </a:fontRef>
-        </p:style>
-        <p:txBody>
-          <a:bodyPr rtlCol="0" anchor="ctr"/>
-          <a:lstStyle/>
-          <a:p>
-            <a:pPr algn="ctr"/>
-            <a:endParaRPr lang="en-GB"/>
-          </a:p>
-        </p:txBody>
-      </p:sp>
-      <p:sp>
-        <p:nvSpPr>
-          <p:cNvPr id="6" name="TextBox 5"/>
-          <p:cNvSpPr txBox="1"/>
-          <p:nvPr/>
-        </p:nvSpPr>
-        <p:spPr>
-          <a:xfrm>
-            <a:off x="6365694" y="1517581"/>
-            <a:ext cx="577929" cy="369332"/>
-          </a:xfrm>
-          <a:prstGeom prst="rect">
-            <a:avLst/>
-          </a:prstGeom>
-          <a:noFill/>
-        </p:spPr>
-        <p:txBody>
-          <a:bodyPr wrap="square" rtlCol="0">
-            <a:spAutoFit/>
-          </a:bodyPr>
-          <a:lstStyle/>
-          <a:p>
-            <a:r>
-              <a:rPr lang="en-GB" dirty="0" smtClean="0">
-                <a:solidFill>
-                  <a:srgbClr val="FFFF00"/>
-                </a:solidFill>
-              </a:rPr>
-              <a:t>72</a:t>
-            </a:r>
-            <a:endParaRPr lang="en-GB" dirty="0">
-              <a:solidFill>
-                <a:srgbClr val="FFFF00"/>
-              </a:solidFill>
-            </a:endParaRPr>
-          </a:p>
-        </p:txBody>
-      </p:sp>
-      <p:pic>
-        <p:nvPicPr>
-          <p:cNvPr id="7" name="Picture 6"/>
-          <p:cNvPicPr>
-            <a:picLocks noChangeAspect="1"/>
-          </p:cNvPicPr>
-          <p:nvPr/>
-        </p:nvPicPr>
-        <p:blipFill>
-          <a:blip r:embed="rId2">
-            <a:extLst>
-              <a:ext uri="{28A0092B-C50C-407E-A947-70E740481C1C}">
-                <a14:useLocalDpi xmlns:a14="http://schemas.microsoft.com/office/drawing/2010/main" val="0"/>
-              </a:ext>
-            </a:extLst>
-          </a:blip>
-          <a:stretch>
-            <a:fillRect/>
-          </a:stretch>
-        </p:blipFill>
-        <p:spPr>
-          <a:xfrm>
-            <a:off x="5601924" y="1288830"/>
-            <a:ext cx="684000" cy="684000"/>
-          </a:xfrm>
-          <a:prstGeom prst="rect">
-            <a:avLst/>
-          </a:prstGeom>
-        </p:spPr>
-      </p:pic>
-      <p:sp>
-        <p:nvSpPr>
-          <p:cNvPr id="8" name="Rectangle 7"/>
-          <p:cNvSpPr/>
-          <p:nvPr/>
-        </p:nvSpPr>
-        <p:spPr>
-          <a:xfrm>
-            <a:off x="6132829" y="313330"/>
-            <a:ext cx="1848391" cy="338554"/>
-          </a:xfrm>
-          <a:prstGeom prst="rect">
-            <a:avLst/>
-          </a:prstGeom>
-        </p:spPr>
-        <p:txBody>
-          <a:bodyPr wrap="none">
-            <a:spAutoFit/>
-          </a:bodyPr>
-          <a:lstStyle/>
-          <a:p>
-            <a:r>
-              <a:rPr lang="en-GB" sz="1600" dirty="0" smtClean="0"/>
-              <a:t>Hypothetical game :</a:t>
-            </a:r>
-            <a:endParaRPr lang="en-GB" sz="1600" dirty="0"/>
-          </a:p>
-        </p:txBody>
-      </p:sp>
-      <p:sp>
-        <p:nvSpPr>
-          <p:cNvPr id="9" name="Rectangle 8"/>
-          <p:cNvSpPr/>
-          <p:nvPr/>
-        </p:nvSpPr>
-        <p:spPr>
-          <a:xfrm>
-            <a:off x="5502635" y="2233681"/>
-            <a:ext cx="1512000" cy="828000"/>
-          </a:xfrm>
-          <a:prstGeom prst="rect">
-            <a:avLst/>
-          </a:prstGeom>
-          <a:solidFill>
-            <a:srgbClr val="635C52"/>
-          </a:solidFill>
-        </p:spPr>
-        <p:style>
-          <a:lnRef idx="1">
-            <a:schemeClr val="accent1"/>
-          </a:lnRef>
-          <a:fillRef idx="3">
-            <a:schemeClr val="accent1"/>
-          </a:fillRef>
-          <a:effectRef idx="2">
-            <a:schemeClr val="accent1"/>
-          </a:effectRef>
-          <a:fontRef idx="minor">
-            <a:schemeClr val="lt1"/>
-          </a:fontRef>
-        </p:style>
-        <p:txBody>
-          <a:bodyPr rtlCol="0" anchor="ctr"/>
-          <a:lstStyle/>
-          <a:p>
-            <a:pPr algn="ctr"/>
-            <a:endParaRPr lang="en-GB"/>
-          </a:p>
-        </p:txBody>
-      </p:sp>
-      <p:sp>
-        <p:nvSpPr>
-          <p:cNvPr id="10" name="TextBox 9"/>
-          <p:cNvSpPr txBox="1"/>
-          <p:nvPr/>
-        </p:nvSpPr>
-        <p:spPr>
-          <a:xfrm>
-            <a:off x="6412902" y="2448489"/>
-            <a:ext cx="577929" cy="369332"/>
-          </a:xfrm>
-          <a:prstGeom prst="rect">
-            <a:avLst/>
-          </a:prstGeom>
-          <a:noFill/>
-        </p:spPr>
-        <p:txBody>
-          <a:bodyPr wrap="square" rtlCol="0">
-            <a:spAutoFit/>
-          </a:bodyPr>
-          <a:lstStyle/>
-          <a:p>
-            <a:r>
-              <a:rPr lang="en-GB" dirty="0" smtClean="0">
-                <a:solidFill>
-                  <a:srgbClr val="FFFF00"/>
-                </a:solidFill>
-              </a:rPr>
-              <a:t>8</a:t>
-            </a:r>
-            <a:endParaRPr lang="en-GB" dirty="0">
-              <a:solidFill>
-                <a:srgbClr val="FFFF00"/>
-              </a:solidFill>
-            </a:endParaRPr>
-          </a:p>
-        </p:txBody>
-      </p:sp>
-      <p:pic>
-        <p:nvPicPr>
-          <p:cNvPr id="11" name="Picture 10"/>
-          <p:cNvPicPr>
-            <a:picLocks noChangeAspect="1"/>
-          </p:cNvPicPr>
-          <p:nvPr/>
-        </p:nvPicPr>
-        <p:blipFill>
-          <a:blip r:embed="rId3">
-            <a:extLst>
-              <a:ext uri="{28A0092B-C50C-407E-A947-70E740481C1C}">
-                <a14:useLocalDpi xmlns:a14="http://schemas.microsoft.com/office/drawing/2010/main" val="0"/>
-              </a:ext>
-            </a:extLst>
-          </a:blip>
-          <a:stretch>
-            <a:fillRect/>
-          </a:stretch>
-        </p:blipFill>
-        <p:spPr>
-          <a:xfrm>
-            <a:off x="5640664" y="2305681"/>
-            <a:ext cx="684000" cy="684000"/>
-          </a:xfrm>
-          <a:prstGeom prst="rect">
-            <a:avLst/>
-          </a:prstGeom>
-        </p:spPr>
-      </p:pic>
-      <p:sp>
-        <p:nvSpPr>
-          <p:cNvPr id="12" name="Rectangle 11"/>
-          <p:cNvSpPr/>
-          <p:nvPr/>
-        </p:nvSpPr>
-        <p:spPr>
-          <a:xfrm>
-            <a:off x="5578260" y="3844423"/>
-            <a:ext cx="2825141" cy="1569660"/>
-          </a:xfrm>
-          <a:prstGeom prst="rect">
-            <a:avLst/>
-          </a:prstGeom>
-        </p:spPr>
-        <p:txBody>
-          <a:bodyPr wrap="square">
-            <a:spAutoFit/>
-          </a:bodyPr>
-          <a:lstStyle/>
-          <a:p>
-            <a:r>
-              <a:rPr lang="en-GB" sz="1200" dirty="0" smtClean="0"/>
-              <a:t>This screen from a hypothetical game shows that for this game, if you PLAY the slot machine, you will either get the SCISSORS banknote and collect 72 points or the GIRL banknote and collect 8 points. If you reject the slot machine, you’ll get the HOUSE banknote and collect 48 points.</a:t>
-            </a:r>
-          </a:p>
-        </p:txBody>
-      </p:sp>
-      <p:sp>
-        <p:nvSpPr>
-          <p:cNvPr id="13" name="Rectangle 12"/>
-          <p:cNvSpPr/>
-          <p:nvPr/>
-        </p:nvSpPr>
-        <p:spPr>
-          <a:xfrm>
-            <a:off x="7080290" y="1662018"/>
-            <a:ext cx="1512000" cy="828000"/>
-          </a:xfrm>
-          <a:prstGeom prst="rect">
-            <a:avLst/>
-          </a:prstGeom>
-          <a:solidFill>
-            <a:srgbClr val="635C52"/>
-          </a:solidFill>
-        </p:spPr>
-        <p:style>
-          <a:lnRef idx="1">
-            <a:schemeClr val="accent1"/>
-          </a:lnRef>
-          <a:fillRef idx="3">
-            <a:schemeClr val="accent1"/>
-          </a:fillRef>
-          <a:effectRef idx="2">
-            <a:schemeClr val="accent1"/>
-          </a:effectRef>
-          <a:fontRef idx="minor">
-            <a:schemeClr val="lt1"/>
-          </a:fontRef>
-        </p:style>
-        <p:txBody>
-          <a:bodyPr rtlCol="0" anchor="ctr"/>
-          <a:lstStyle/>
-          <a:p>
-            <a:pPr algn="ctr"/>
-            <a:endParaRPr lang="en-GB"/>
-          </a:p>
-        </p:txBody>
-      </p:sp>
-      <p:sp>
-        <p:nvSpPr>
-          <p:cNvPr id="14" name="TextBox 13"/>
-          <p:cNvSpPr txBox="1"/>
-          <p:nvPr/>
-        </p:nvSpPr>
-        <p:spPr>
-          <a:xfrm>
-            <a:off x="7940191" y="1897078"/>
-            <a:ext cx="577929" cy="369332"/>
-          </a:xfrm>
-          <a:prstGeom prst="rect">
-            <a:avLst/>
-          </a:prstGeom>
-          <a:noFill/>
-        </p:spPr>
-        <p:txBody>
-          <a:bodyPr wrap="square" rtlCol="0">
-            <a:spAutoFit/>
-          </a:bodyPr>
-          <a:lstStyle/>
-          <a:p>
-            <a:r>
-              <a:rPr lang="en-GB" dirty="0" smtClean="0">
-                <a:solidFill>
-                  <a:srgbClr val="FFFF00"/>
-                </a:solidFill>
-              </a:rPr>
-              <a:t>48</a:t>
-            </a:r>
-            <a:endParaRPr lang="en-GB" dirty="0">
-              <a:solidFill>
-                <a:srgbClr val="FFFF00"/>
-              </a:solidFill>
-            </a:endParaRPr>
-          </a:p>
-        </p:txBody>
-      </p:sp>
-      <p:pic>
-        <p:nvPicPr>
-          <p:cNvPr id="16" name="Picture 15"/>
-          <p:cNvPicPr>
-            <a:picLocks noChangeAspect="1"/>
-          </p:cNvPicPr>
-          <p:nvPr/>
-        </p:nvPicPr>
-        <p:blipFill>
-          <a:blip r:embed="rId4">
-            <a:extLst>
-              <a:ext uri="{28A0092B-C50C-407E-A947-70E740481C1C}">
-                <a14:useLocalDpi xmlns:a14="http://schemas.microsoft.com/office/drawing/2010/main" val="0"/>
-              </a:ext>
-            </a:extLst>
-          </a:blip>
-          <a:stretch>
-            <a:fillRect/>
-          </a:stretch>
-        </p:blipFill>
-        <p:spPr>
-          <a:xfrm>
-            <a:off x="7152664" y="1740073"/>
-            <a:ext cx="684000" cy="684000"/>
-          </a:xfrm>
-          <a:prstGeom prst="rect">
-            <a:avLst/>
-          </a:prstGeom>
-        </p:spPr>
-      </p:pic>
     </p:spTree>
     <p:extLst>
       <p:ext uri="{BB962C8B-B14F-4D97-AF65-F5344CB8AC3E}">
-        <p14:creationId xmlns:p14="http://schemas.microsoft.com/office/powerpoint/2010/main" val="2194924183"/>
+        <p14:creationId xmlns:p14="http://schemas.microsoft.com/office/powerpoint/2010/main" val="936147330"/>
       </p:ext>
     </p:extLst>
   </p:cSld>
@@ -5186,29 +3891,6 @@
       </p:grpSpPr>
       <p:sp>
         <p:nvSpPr>
-          <p:cNvPr id="2" name="Title 1"/>
-          <p:cNvSpPr>
-            <a:spLocks noGrp="1"/>
-          </p:cNvSpPr>
-          <p:nvPr>
-            <p:ph type="title"/>
-          </p:nvPr>
-        </p:nvSpPr>
-        <p:spPr/>
-        <p:txBody>
-          <a:bodyPr/>
-          <a:lstStyle/>
-          <a:p>
-            <a:r>
-              <a:rPr lang="en-GB" dirty="0" smtClean="0"/>
-              <a:t>Practice</a:t>
-            </a:r>
-            <a:endParaRPr lang="en-GB" dirty="0"/>
-          </a:p>
-        </p:txBody>
-      </p:sp>
-      <p:sp>
-        <p:nvSpPr>
           <p:cNvPr id="3" name="Content Placeholder 2"/>
           <p:cNvSpPr>
             <a:spLocks noGrp="1"/>
@@ -5217,205 +3899,6 @@
             <p:ph idx="1"/>
           </p:nvPr>
         </p:nvSpPr>
-        <p:spPr/>
-        <p:txBody>
-          <a:bodyPr/>
-          <a:lstStyle/>
-          <a:p>
-            <a:endParaRPr lang="en-GB"/>
-          </a:p>
-        </p:txBody>
-      </p:sp>
-    </p:spTree>
-    <p:extLst>
-      <p:ext uri="{BB962C8B-B14F-4D97-AF65-F5344CB8AC3E}">
-        <p14:creationId xmlns:p14="http://schemas.microsoft.com/office/powerpoint/2010/main" val="3886244481"/>
-      </p:ext>
-    </p:extLst>
-  </p:cSld>
-  <p:clrMapOvr>
-    <a:masterClrMapping/>
-  </p:clrMapOvr>
-</p:sld>
-</file>
-
-<file path=ppt/slides/slide13.xml><?xml version="1.0" encoding="utf-8"?>
-<p:sld xmlns:a="http://schemas.openxmlformats.org/drawingml/2006/main" xmlns:r="http://schemas.openxmlformats.org/officeDocument/2006/relationships" xmlns:p="http://schemas.openxmlformats.org/presentationml/2006/main">
-  <p:cSld>
-    <p:spTree>
-      <p:nvGrpSpPr>
-        <p:cNvPr id="1" name=""/>
-        <p:cNvGrpSpPr/>
-        <p:nvPr/>
-      </p:nvGrpSpPr>
-      <p:grpSpPr>
-        <a:xfrm>
-          <a:off x="0" y="0"/>
-          <a:ext cx="0" cy="0"/>
-          <a:chOff x="0" y="0"/>
-          <a:chExt cx="0" cy="0"/>
-        </a:xfrm>
-      </p:grpSpPr>
-      <p:sp>
-        <p:nvSpPr>
-          <p:cNvPr id="3" name="Content Placeholder 2"/>
-          <p:cNvSpPr>
-            <a:spLocks noGrp="1"/>
-          </p:cNvSpPr>
-          <p:nvPr>
-            <p:ph idx="1"/>
-          </p:nvPr>
-        </p:nvSpPr>
-        <p:spPr>
-          <a:xfrm>
-            <a:off x="457200" y="853440"/>
-            <a:ext cx="8229600" cy="5272723"/>
-          </a:xfrm>
-        </p:spPr>
-        <p:txBody>
-          <a:bodyPr>
-            <a:normAutofit/>
-          </a:bodyPr>
-          <a:lstStyle/>
-          <a:p>
-            <a:r>
-              <a:rPr lang="en-GB" sz="2400" dirty="0" smtClean="0"/>
-              <a:t>Great. As an attention check, there will be a few games like this in the task. For these, you’ll have to report the point value of a given banknote.</a:t>
-            </a:r>
-          </a:p>
-          <a:p>
-            <a:r>
-              <a:rPr lang="en-GB" sz="2400" dirty="0" smtClean="0"/>
-              <a:t>Let’s now practice a few actual task games. For these, after seeing the point value of each banknote, you will be presented with a slot machine. </a:t>
-            </a:r>
-          </a:p>
-          <a:p>
-            <a:r>
-              <a:rPr lang="en-GB" sz="2400" dirty="0" smtClean="0"/>
-              <a:t>Press ‘1’ to play the slot machine or ‘2’ to reject it. </a:t>
-            </a:r>
-          </a:p>
-          <a:p>
-            <a:r>
-              <a:rPr lang="en-GB" sz="2400" dirty="0" smtClean="0"/>
-              <a:t>After this, based on your choice, you’ll get a banknote and either collect or lose points.</a:t>
-            </a:r>
-            <a:endParaRPr lang="en-GB" sz="2400" dirty="0"/>
-          </a:p>
-        </p:txBody>
-      </p:sp>
-    </p:spTree>
-    <p:extLst>
-      <p:ext uri="{BB962C8B-B14F-4D97-AF65-F5344CB8AC3E}">
-        <p14:creationId xmlns:p14="http://schemas.microsoft.com/office/powerpoint/2010/main" val="1337657335"/>
-      </p:ext>
-    </p:extLst>
-  </p:cSld>
-  <p:clrMapOvr>
-    <a:masterClrMapping/>
-  </p:clrMapOvr>
-</p:sld>
-</file>
-
-<file path=ppt/slides/slide14.xml><?xml version="1.0" encoding="utf-8"?>
-<p:sld xmlns:a="http://schemas.openxmlformats.org/drawingml/2006/main" xmlns:r="http://schemas.openxmlformats.org/officeDocument/2006/relationships" xmlns:p="http://schemas.openxmlformats.org/presentationml/2006/main">
-  <p:cSld>
-    <p:spTree>
-      <p:nvGrpSpPr>
-        <p:cNvPr id="1" name=""/>
-        <p:cNvGrpSpPr/>
-        <p:nvPr/>
-      </p:nvGrpSpPr>
-      <p:grpSpPr>
-        <a:xfrm>
-          <a:off x="0" y="0"/>
-          <a:ext cx="0" cy="0"/>
-          <a:chOff x="0" y="0"/>
-          <a:chExt cx="0" cy="0"/>
-        </a:xfrm>
-      </p:grpSpPr>
-      <p:sp>
-        <p:nvSpPr>
-          <p:cNvPr id="2" name="Title 1"/>
-          <p:cNvSpPr>
-            <a:spLocks noGrp="1"/>
-          </p:cNvSpPr>
-          <p:nvPr>
-            <p:ph type="title"/>
-          </p:nvPr>
-        </p:nvSpPr>
-        <p:spPr/>
-        <p:txBody>
-          <a:bodyPr/>
-          <a:lstStyle/>
-          <a:p>
-            <a:r>
-              <a:rPr lang="en-GB" dirty="0" smtClean="0"/>
-              <a:t>Practice real choice trials</a:t>
-            </a:r>
-            <a:endParaRPr lang="en-GB" dirty="0"/>
-          </a:p>
-        </p:txBody>
-      </p:sp>
-      <p:sp>
-        <p:nvSpPr>
-          <p:cNvPr id="3" name="Content Placeholder 2"/>
-          <p:cNvSpPr>
-            <a:spLocks noGrp="1"/>
-          </p:cNvSpPr>
-          <p:nvPr>
-            <p:ph idx="1"/>
-          </p:nvPr>
-        </p:nvSpPr>
-        <p:spPr/>
-        <p:txBody>
-          <a:bodyPr/>
-          <a:lstStyle/>
-          <a:p>
-            <a:endParaRPr lang="en-GB"/>
-          </a:p>
-        </p:txBody>
-      </p:sp>
-    </p:spTree>
-    <p:extLst>
-      <p:ext uri="{BB962C8B-B14F-4D97-AF65-F5344CB8AC3E}">
-        <p14:creationId xmlns:p14="http://schemas.microsoft.com/office/powerpoint/2010/main" val="936147330"/>
-      </p:ext>
-    </p:extLst>
-  </p:cSld>
-  <p:clrMapOvr>
-    <a:masterClrMapping/>
-  </p:clrMapOvr>
-</p:sld>
-</file>
-
-<file path=ppt/slides/slide15.xml><?xml version="1.0" encoding="utf-8"?>
-<p:sld xmlns:a="http://schemas.openxmlformats.org/drawingml/2006/main" xmlns:r="http://schemas.openxmlformats.org/officeDocument/2006/relationships" xmlns:p="http://schemas.openxmlformats.org/presentationml/2006/main">
-  <p:cSld>
-    <p:spTree>
-      <p:nvGrpSpPr>
-        <p:cNvPr id="1" name=""/>
-        <p:cNvGrpSpPr/>
-        <p:nvPr/>
-      </p:nvGrpSpPr>
-      <p:grpSpPr>
-        <a:xfrm>
-          <a:off x="0" y="0"/>
-          <a:ext cx="0" cy="0"/>
-          <a:chOff x="0" y="0"/>
-          <a:chExt cx="0" cy="0"/>
-        </a:xfrm>
-      </p:grpSpPr>
-      <p:sp>
-        <p:nvSpPr>
-          <p:cNvPr id="3" name="Content Placeholder 2"/>
-          <p:cNvSpPr>
-            <a:spLocks noGrp="1"/>
-          </p:cNvSpPr>
-          <p:nvPr>
-            <p:ph idx="1"/>
-          </p:nvPr>
-        </p:nvSpPr>
         <p:spPr>
           <a:xfrm>
             <a:off x="457200" y="548640"/>
@@ -5439,8 +3922,16 @@
           </a:p>
           <a:p>
             <a:r>
+              <a:rPr lang="en-GB" dirty="0"/>
+              <a:t>Y</a:t>
+            </a:r>
+            <a:r>
               <a:rPr lang="en-GB" dirty="0" smtClean="0"/>
-              <a:t>As before, your bonus will be affected both by the total number of points you collect as well as your performance on attention check questions. In terms of collecting banknotes, banknotes with positive point values add their points to your collection. Bank notes with negative point values take away points.</a:t>
+              <a:t>our </a:t>
+            </a:r>
+            <a:r>
+              <a:rPr lang="en-GB" dirty="0" smtClean="0"/>
+              <a:t>bonus will be affected both by the total number of points you collect as well as your performance on attention check questions. In terms of collecting banknotes, banknotes with positive point values add their points to your collection. Bank notes with negative point values take away points.</a:t>
             </a:r>
           </a:p>
           <a:p>
@@ -5570,7 +4061,19 @@
           <a:p>
             <a:r>
               <a:rPr lang="en-US" sz="2400" dirty="0" smtClean="0"/>
-              <a:t>When you play a slot machine you will get one of the two banknotes.</a:t>
+              <a:t>Playing a </a:t>
+            </a:r>
+            <a:r>
+              <a:rPr lang="en-US" sz="2400" dirty="0" smtClean="0"/>
+              <a:t>slot machine </a:t>
+            </a:r>
+            <a:r>
+              <a:rPr lang="en-US" sz="2400" dirty="0" smtClean="0"/>
+              <a:t>provides </a:t>
+            </a:r>
+            <a:r>
+              <a:rPr lang="en-US" sz="2400" dirty="0" smtClean="0"/>
+              <a:t>one of the two banknotes.</a:t>
             </a:r>
           </a:p>
           <a:p>
@@ -6316,838 +4819,6 @@
       </p:grpSpPr>
       <p:sp>
         <p:nvSpPr>
-          <p:cNvPr id="4" name="Rectangle 3"/>
-          <p:cNvSpPr/>
-          <p:nvPr/>
-        </p:nvSpPr>
-        <p:spPr>
-          <a:xfrm>
-            <a:off x="6771052" y="3601737"/>
-            <a:ext cx="1440000" cy="1440000"/>
-          </a:xfrm>
-          <a:prstGeom prst="rect">
-            <a:avLst/>
-          </a:prstGeom>
-          <a:solidFill>
-            <a:srgbClr val="5D566A"/>
-          </a:solidFill>
-        </p:spPr>
-        <p:style>
-          <a:lnRef idx="1">
-            <a:schemeClr val="accent1"/>
-          </a:lnRef>
-          <a:fillRef idx="3">
-            <a:schemeClr val="accent1"/>
-          </a:fillRef>
-          <a:effectRef idx="2">
-            <a:schemeClr val="accent1"/>
-          </a:effectRef>
-          <a:fontRef idx="minor">
-            <a:schemeClr val="lt1"/>
-          </a:fontRef>
-        </p:style>
-        <p:txBody>
-          <a:bodyPr rtlCol="0" anchor="ctr"/>
-          <a:lstStyle/>
-          <a:p>
-            <a:pPr algn="ctr"/>
-            <a:endParaRPr lang="en-GB"/>
-          </a:p>
-        </p:txBody>
-      </p:sp>
-      <p:pic>
-        <p:nvPicPr>
-          <p:cNvPr id="5" name="Picture 4"/>
-          <p:cNvPicPr>
-            <a:picLocks noChangeAspect="1"/>
-          </p:cNvPicPr>
-          <p:nvPr/>
-        </p:nvPicPr>
-        <p:blipFill>
-          <a:blip r:embed="rId3">
-            <a:extLst>
-              <a:ext uri="{28A0092B-C50C-407E-A947-70E740481C1C}">
-                <a14:useLocalDpi xmlns:a14="http://schemas.microsoft.com/office/drawing/2010/main" val="0"/>
-              </a:ext>
-            </a:extLst>
-          </a:blip>
-          <a:stretch>
-            <a:fillRect/>
-          </a:stretch>
-        </p:blipFill>
-        <p:spPr>
-          <a:xfrm>
-            <a:off x="6922924" y="3791404"/>
-            <a:ext cx="1080000" cy="1080000"/>
-          </a:xfrm>
-          <a:prstGeom prst="rect">
-            <a:avLst/>
-          </a:prstGeom>
-        </p:spPr>
-      </p:pic>
-      <p:cxnSp>
-        <p:nvCxnSpPr>
-          <p:cNvPr id="6" name="Straight Arrow Connector 5"/>
-          <p:cNvCxnSpPr/>
-          <p:nvPr/>
-        </p:nvCxnSpPr>
-        <p:spPr>
-          <a:xfrm flipH="1">
-            <a:off x="6627504" y="5092407"/>
-            <a:ext cx="731520" cy="590843"/>
-          </a:xfrm>
-          <a:prstGeom prst="straightConnector1">
-            <a:avLst/>
-          </a:prstGeom>
-          <a:ln>
-            <a:tailEnd type="triangle"/>
-          </a:ln>
-        </p:spPr>
-        <p:style>
-          <a:lnRef idx="2">
-            <a:schemeClr val="accent1"/>
-          </a:lnRef>
-          <a:fillRef idx="0">
-            <a:schemeClr val="accent1"/>
-          </a:fillRef>
-          <a:effectRef idx="1">
-            <a:schemeClr val="accent1"/>
-          </a:effectRef>
-          <a:fontRef idx="minor">
-            <a:schemeClr val="tx1"/>
-          </a:fontRef>
-        </p:style>
-      </p:cxnSp>
-      <p:cxnSp>
-        <p:nvCxnSpPr>
-          <p:cNvPr id="9" name="Straight Arrow Connector 8"/>
-          <p:cNvCxnSpPr/>
-          <p:nvPr/>
-        </p:nvCxnSpPr>
-        <p:spPr>
-          <a:xfrm>
-            <a:off x="7707864" y="5092850"/>
-            <a:ext cx="730800" cy="590400"/>
-          </a:xfrm>
-          <a:prstGeom prst="straightConnector1">
-            <a:avLst/>
-          </a:prstGeom>
-          <a:ln>
-            <a:tailEnd type="triangle"/>
-          </a:ln>
-        </p:spPr>
-        <p:style>
-          <a:lnRef idx="2">
-            <a:schemeClr val="accent1"/>
-          </a:lnRef>
-          <a:fillRef idx="0">
-            <a:schemeClr val="accent1"/>
-          </a:fillRef>
-          <a:effectRef idx="1">
-            <a:schemeClr val="accent1"/>
-          </a:effectRef>
-          <a:fontRef idx="minor">
-            <a:schemeClr val="tx1"/>
-          </a:fontRef>
-        </p:style>
-      </p:cxnSp>
-      <p:sp>
-        <p:nvSpPr>
-          <p:cNvPr id="11" name="Rectangle 10"/>
-          <p:cNvSpPr/>
-          <p:nvPr/>
-        </p:nvSpPr>
-        <p:spPr>
-          <a:xfrm>
-            <a:off x="6495434" y="5111697"/>
-            <a:ext cx="292068" cy="369332"/>
-          </a:xfrm>
-          <a:prstGeom prst="rect">
-            <a:avLst/>
-          </a:prstGeom>
-        </p:spPr>
-        <p:txBody>
-          <a:bodyPr wrap="none">
-            <a:spAutoFit/>
-          </a:bodyPr>
-          <a:lstStyle/>
-          <a:p>
-            <a:r>
-              <a:rPr lang="en-US" dirty="0" smtClean="0"/>
-              <a:t>?</a:t>
-            </a:r>
-            <a:endParaRPr lang="en-GB" dirty="0"/>
-          </a:p>
-        </p:txBody>
-      </p:sp>
-      <p:sp>
-        <p:nvSpPr>
-          <p:cNvPr id="12" name="Rectangle 11"/>
-          <p:cNvSpPr/>
-          <p:nvPr/>
-        </p:nvSpPr>
-        <p:spPr>
-          <a:xfrm>
-            <a:off x="8172272" y="5111697"/>
-            <a:ext cx="292068" cy="369332"/>
-          </a:xfrm>
-          <a:prstGeom prst="rect">
-            <a:avLst/>
-          </a:prstGeom>
-        </p:spPr>
-        <p:txBody>
-          <a:bodyPr wrap="none">
-            <a:spAutoFit/>
-          </a:bodyPr>
-          <a:lstStyle/>
-          <a:p>
-            <a:r>
-              <a:rPr lang="en-US" dirty="0" smtClean="0"/>
-              <a:t>?</a:t>
-            </a:r>
-            <a:endParaRPr lang="en-GB" dirty="0"/>
-          </a:p>
-        </p:txBody>
-      </p:sp>
-      <p:sp>
-        <p:nvSpPr>
-          <p:cNvPr id="13" name="Rectangle 12"/>
-          <p:cNvSpPr/>
-          <p:nvPr/>
-        </p:nvSpPr>
-        <p:spPr>
-          <a:xfrm>
-            <a:off x="5682945" y="5839305"/>
-            <a:ext cx="1512000" cy="828000"/>
-          </a:xfrm>
-          <a:prstGeom prst="rect">
-            <a:avLst/>
-          </a:prstGeom>
-          <a:solidFill>
-            <a:srgbClr val="635C52"/>
-          </a:solidFill>
-        </p:spPr>
-        <p:style>
-          <a:lnRef idx="1">
-            <a:schemeClr val="accent1"/>
-          </a:lnRef>
-          <a:fillRef idx="3">
-            <a:schemeClr val="accent1"/>
-          </a:fillRef>
-          <a:effectRef idx="2">
-            <a:schemeClr val="accent1"/>
-          </a:effectRef>
-          <a:fontRef idx="minor">
-            <a:schemeClr val="lt1"/>
-          </a:fontRef>
-        </p:style>
-        <p:txBody>
-          <a:bodyPr rtlCol="0" anchor="ctr"/>
-          <a:lstStyle/>
-          <a:p>
-            <a:pPr algn="ctr"/>
-            <a:endParaRPr lang="en-GB"/>
-          </a:p>
-        </p:txBody>
-      </p:sp>
-      <p:sp>
-        <p:nvSpPr>
-          <p:cNvPr id="14" name="TextBox 13"/>
-          <p:cNvSpPr txBox="1"/>
-          <p:nvPr/>
-        </p:nvSpPr>
-        <p:spPr>
-          <a:xfrm>
-            <a:off x="6569808" y="6110037"/>
-            <a:ext cx="577929" cy="369332"/>
-          </a:xfrm>
-          <a:prstGeom prst="rect">
-            <a:avLst/>
-          </a:prstGeom>
-          <a:noFill/>
-        </p:spPr>
-        <p:txBody>
-          <a:bodyPr wrap="square" rtlCol="0">
-            <a:spAutoFit/>
-          </a:bodyPr>
-          <a:lstStyle/>
-          <a:p>
-            <a:r>
-              <a:rPr lang="en-GB" dirty="0" smtClean="0">
-                <a:solidFill>
-                  <a:srgbClr val="FFFF00"/>
-                </a:solidFill>
-              </a:rPr>
-              <a:t>XX</a:t>
-            </a:r>
-            <a:endParaRPr lang="en-GB" dirty="0">
-              <a:solidFill>
-                <a:srgbClr val="FFFF00"/>
-              </a:solidFill>
-            </a:endParaRPr>
-          </a:p>
-        </p:txBody>
-      </p:sp>
-      <p:pic>
-        <p:nvPicPr>
-          <p:cNvPr id="15" name="Picture 14"/>
-          <p:cNvPicPr>
-            <a:picLocks noChangeAspect="1"/>
-          </p:cNvPicPr>
-          <p:nvPr/>
-        </p:nvPicPr>
-        <p:blipFill>
-          <a:blip r:embed="rId4">
-            <a:extLst>
-              <a:ext uri="{28A0092B-C50C-407E-A947-70E740481C1C}">
-                <a14:useLocalDpi xmlns:a14="http://schemas.microsoft.com/office/drawing/2010/main" val="0"/>
-              </a:ext>
-            </a:extLst>
-          </a:blip>
-          <a:stretch>
-            <a:fillRect/>
-          </a:stretch>
-        </p:blipFill>
-        <p:spPr>
-          <a:xfrm>
-            <a:off x="5806038" y="5958286"/>
-            <a:ext cx="684000" cy="684000"/>
-          </a:xfrm>
-          <a:prstGeom prst="rect">
-            <a:avLst/>
-          </a:prstGeom>
-        </p:spPr>
-      </p:pic>
-      <p:sp>
-        <p:nvSpPr>
-          <p:cNvPr id="16" name="Rectangle 15"/>
-          <p:cNvSpPr/>
-          <p:nvPr/>
-        </p:nvSpPr>
-        <p:spPr>
-          <a:xfrm>
-            <a:off x="7570732" y="5837898"/>
-            <a:ext cx="1512000" cy="828000"/>
-          </a:xfrm>
-          <a:prstGeom prst="rect">
-            <a:avLst/>
-          </a:prstGeom>
-          <a:solidFill>
-            <a:srgbClr val="635C52"/>
-          </a:solidFill>
-        </p:spPr>
-        <p:style>
-          <a:lnRef idx="1">
-            <a:schemeClr val="accent1"/>
-          </a:lnRef>
-          <a:fillRef idx="3">
-            <a:schemeClr val="accent1"/>
-          </a:fillRef>
-          <a:effectRef idx="2">
-            <a:schemeClr val="accent1"/>
-          </a:effectRef>
-          <a:fontRef idx="minor">
-            <a:schemeClr val="lt1"/>
-          </a:fontRef>
-        </p:style>
-        <p:txBody>
-          <a:bodyPr rtlCol="0" anchor="ctr"/>
-          <a:lstStyle/>
-          <a:p>
-            <a:pPr algn="ctr"/>
-            <a:endParaRPr lang="en-GB"/>
-          </a:p>
-        </p:txBody>
-      </p:sp>
-      <p:sp>
-        <p:nvSpPr>
-          <p:cNvPr id="17" name="TextBox 16"/>
-          <p:cNvSpPr txBox="1"/>
-          <p:nvPr/>
-        </p:nvSpPr>
-        <p:spPr>
-          <a:xfrm>
-            <a:off x="8430633" y="6072958"/>
-            <a:ext cx="577929" cy="369332"/>
-          </a:xfrm>
-          <a:prstGeom prst="rect">
-            <a:avLst/>
-          </a:prstGeom>
-          <a:noFill/>
-        </p:spPr>
-        <p:txBody>
-          <a:bodyPr wrap="square" rtlCol="0">
-            <a:spAutoFit/>
-          </a:bodyPr>
-          <a:lstStyle/>
-          <a:p>
-            <a:r>
-              <a:rPr lang="en-GB" dirty="0" smtClean="0">
-                <a:solidFill>
-                  <a:srgbClr val="FFFF00"/>
-                </a:solidFill>
-              </a:rPr>
-              <a:t>XX</a:t>
-            </a:r>
-            <a:endParaRPr lang="en-GB" dirty="0">
-              <a:solidFill>
-                <a:srgbClr val="FFFF00"/>
-              </a:solidFill>
-            </a:endParaRPr>
-          </a:p>
-        </p:txBody>
-      </p:sp>
-      <p:pic>
-        <p:nvPicPr>
-          <p:cNvPr id="18" name="Picture 17"/>
-          <p:cNvPicPr>
-            <a:picLocks noChangeAspect="1"/>
-          </p:cNvPicPr>
-          <p:nvPr/>
-        </p:nvPicPr>
-        <p:blipFill>
-          <a:blip r:embed="rId5">
-            <a:extLst>
-              <a:ext uri="{28A0092B-C50C-407E-A947-70E740481C1C}">
-                <a14:useLocalDpi xmlns:a14="http://schemas.microsoft.com/office/drawing/2010/main" val="0"/>
-              </a:ext>
-            </a:extLst>
-          </a:blip>
-          <a:stretch>
-            <a:fillRect/>
-          </a:stretch>
-        </p:blipFill>
-        <p:spPr>
-          <a:xfrm>
-            <a:off x="7672463" y="5930150"/>
-            <a:ext cx="684000" cy="684000"/>
-          </a:xfrm>
-          <a:prstGeom prst="rect">
-            <a:avLst/>
-          </a:prstGeom>
-        </p:spPr>
-      </p:pic>
-      <p:sp>
-        <p:nvSpPr>
-          <p:cNvPr id="19" name="Rectangle 18"/>
-          <p:cNvSpPr/>
-          <p:nvPr/>
-        </p:nvSpPr>
-        <p:spPr>
-          <a:xfrm>
-            <a:off x="6682185" y="161538"/>
-            <a:ext cx="1440000" cy="1440000"/>
-          </a:xfrm>
-          <a:prstGeom prst="rect">
-            <a:avLst/>
-          </a:prstGeom>
-          <a:solidFill>
-            <a:srgbClr val="5D566A"/>
-          </a:solidFill>
-        </p:spPr>
-        <p:style>
-          <a:lnRef idx="1">
-            <a:schemeClr val="accent1"/>
-          </a:lnRef>
-          <a:fillRef idx="3">
-            <a:schemeClr val="accent1"/>
-          </a:fillRef>
-          <a:effectRef idx="2">
-            <a:schemeClr val="accent1"/>
-          </a:effectRef>
-          <a:fontRef idx="minor">
-            <a:schemeClr val="lt1"/>
-          </a:fontRef>
-        </p:style>
-        <p:txBody>
-          <a:bodyPr rtlCol="0" anchor="ctr"/>
-          <a:lstStyle/>
-          <a:p>
-            <a:pPr algn="ctr"/>
-            <a:endParaRPr lang="en-GB"/>
-          </a:p>
-        </p:txBody>
-      </p:sp>
-      <p:pic>
-        <p:nvPicPr>
-          <p:cNvPr id="20" name="Picture 19"/>
-          <p:cNvPicPr>
-            <a:picLocks noChangeAspect="1"/>
-          </p:cNvPicPr>
-          <p:nvPr/>
-        </p:nvPicPr>
-        <p:blipFill>
-          <a:blip r:embed="rId6">
-            <a:extLst>
-              <a:ext uri="{28A0092B-C50C-407E-A947-70E740481C1C}">
-                <a14:useLocalDpi xmlns:a14="http://schemas.microsoft.com/office/drawing/2010/main" val="0"/>
-              </a:ext>
-            </a:extLst>
-          </a:blip>
-          <a:stretch>
-            <a:fillRect/>
-          </a:stretch>
-        </p:blipFill>
-        <p:spPr>
-          <a:xfrm>
-            <a:off x="6884260" y="346290"/>
-            <a:ext cx="1082913" cy="1082913"/>
-          </a:xfrm>
-          <a:prstGeom prst="rect">
-            <a:avLst/>
-          </a:prstGeom>
-        </p:spPr>
-      </p:pic>
-      <p:cxnSp>
-        <p:nvCxnSpPr>
-          <p:cNvPr id="21" name="Straight Arrow Connector 20"/>
-          <p:cNvCxnSpPr/>
-          <p:nvPr/>
-        </p:nvCxnSpPr>
-        <p:spPr>
-          <a:xfrm flipH="1">
-            <a:off x="6472692" y="1714407"/>
-            <a:ext cx="731520" cy="590843"/>
-          </a:xfrm>
-          <a:prstGeom prst="straightConnector1">
-            <a:avLst/>
-          </a:prstGeom>
-          <a:ln>
-            <a:solidFill>
-              <a:schemeClr val="accent3"/>
-            </a:solidFill>
-            <a:tailEnd type="triangle"/>
-          </a:ln>
-        </p:spPr>
-        <p:style>
-          <a:lnRef idx="2">
-            <a:schemeClr val="accent1"/>
-          </a:lnRef>
-          <a:fillRef idx="0">
-            <a:schemeClr val="accent1"/>
-          </a:fillRef>
-          <a:effectRef idx="1">
-            <a:schemeClr val="accent1"/>
-          </a:effectRef>
-          <a:fontRef idx="minor">
-            <a:schemeClr val="tx1"/>
-          </a:fontRef>
-        </p:style>
-      </p:cxnSp>
-      <p:cxnSp>
-        <p:nvCxnSpPr>
-          <p:cNvPr id="22" name="Straight Arrow Connector 21"/>
-          <p:cNvCxnSpPr/>
-          <p:nvPr/>
-        </p:nvCxnSpPr>
-        <p:spPr>
-          <a:xfrm>
-            <a:off x="7553052" y="1714850"/>
-            <a:ext cx="730800" cy="590400"/>
-          </a:xfrm>
-          <a:prstGeom prst="straightConnector1">
-            <a:avLst/>
-          </a:prstGeom>
-          <a:ln>
-            <a:solidFill>
-              <a:schemeClr val="accent3"/>
-            </a:solidFill>
-            <a:tailEnd type="triangle"/>
-          </a:ln>
-        </p:spPr>
-        <p:style>
-          <a:lnRef idx="2">
-            <a:schemeClr val="accent1"/>
-          </a:lnRef>
-          <a:fillRef idx="0">
-            <a:schemeClr val="accent1"/>
-          </a:fillRef>
-          <a:effectRef idx="1">
-            <a:schemeClr val="accent1"/>
-          </a:effectRef>
-          <a:fontRef idx="minor">
-            <a:schemeClr val="tx1"/>
-          </a:fontRef>
-        </p:style>
-      </p:cxnSp>
-      <p:sp>
-        <p:nvSpPr>
-          <p:cNvPr id="23" name="Rectangle 22"/>
-          <p:cNvSpPr/>
-          <p:nvPr/>
-        </p:nvSpPr>
-        <p:spPr>
-          <a:xfrm>
-            <a:off x="6453164" y="1705562"/>
-            <a:ext cx="292068" cy="369332"/>
-          </a:xfrm>
-          <a:prstGeom prst="rect">
-            <a:avLst/>
-          </a:prstGeom>
-        </p:spPr>
-        <p:txBody>
-          <a:bodyPr wrap="none">
-            <a:spAutoFit/>
-          </a:bodyPr>
-          <a:lstStyle/>
-          <a:p>
-            <a:r>
-              <a:rPr lang="en-US" dirty="0" smtClean="0"/>
-              <a:t>?</a:t>
-            </a:r>
-            <a:endParaRPr lang="en-GB" dirty="0"/>
-          </a:p>
-        </p:txBody>
-      </p:sp>
-      <p:sp>
-        <p:nvSpPr>
-          <p:cNvPr id="24" name="Rectangle 23"/>
-          <p:cNvSpPr/>
-          <p:nvPr/>
-        </p:nvSpPr>
-        <p:spPr>
-          <a:xfrm>
-            <a:off x="7947120" y="1719629"/>
-            <a:ext cx="292068" cy="369332"/>
-          </a:xfrm>
-          <a:prstGeom prst="rect">
-            <a:avLst/>
-          </a:prstGeom>
-        </p:spPr>
-        <p:txBody>
-          <a:bodyPr wrap="none">
-            <a:spAutoFit/>
-          </a:bodyPr>
-          <a:lstStyle/>
-          <a:p>
-            <a:r>
-              <a:rPr lang="en-US" dirty="0" smtClean="0"/>
-              <a:t>?</a:t>
-            </a:r>
-            <a:endParaRPr lang="en-GB" dirty="0"/>
-          </a:p>
-        </p:txBody>
-      </p:sp>
-      <p:sp>
-        <p:nvSpPr>
-          <p:cNvPr id="29" name="Rectangle 28"/>
-          <p:cNvSpPr/>
-          <p:nvPr/>
-        </p:nvSpPr>
-        <p:spPr>
-          <a:xfrm>
-            <a:off x="5991700" y="2419268"/>
-            <a:ext cx="1512000" cy="828000"/>
-          </a:xfrm>
-          <a:prstGeom prst="rect">
-            <a:avLst/>
-          </a:prstGeom>
-          <a:solidFill>
-            <a:srgbClr val="635C52"/>
-          </a:solidFill>
-        </p:spPr>
-        <p:style>
-          <a:lnRef idx="1">
-            <a:schemeClr val="accent1"/>
-          </a:lnRef>
-          <a:fillRef idx="3">
-            <a:schemeClr val="accent1"/>
-          </a:fillRef>
-          <a:effectRef idx="2">
-            <a:schemeClr val="accent1"/>
-          </a:effectRef>
-          <a:fontRef idx="minor">
-            <a:schemeClr val="lt1"/>
-          </a:fontRef>
-        </p:style>
-        <p:txBody>
-          <a:bodyPr rtlCol="0" anchor="ctr"/>
-          <a:lstStyle/>
-          <a:p>
-            <a:pPr algn="ctr"/>
-            <a:endParaRPr lang="en-GB"/>
-          </a:p>
-        </p:txBody>
-      </p:sp>
-      <p:sp>
-        <p:nvSpPr>
-          <p:cNvPr id="30" name="TextBox 29"/>
-          <p:cNvSpPr txBox="1"/>
-          <p:nvPr/>
-        </p:nvSpPr>
-        <p:spPr>
-          <a:xfrm>
-            <a:off x="6878563" y="2690000"/>
-            <a:ext cx="577929" cy="369332"/>
-          </a:xfrm>
-          <a:prstGeom prst="rect">
-            <a:avLst/>
-          </a:prstGeom>
-          <a:noFill/>
-        </p:spPr>
-        <p:txBody>
-          <a:bodyPr wrap="square" rtlCol="0">
-            <a:spAutoFit/>
-          </a:bodyPr>
-          <a:lstStyle/>
-          <a:p>
-            <a:r>
-              <a:rPr lang="en-GB" dirty="0" smtClean="0">
-                <a:solidFill>
-                  <a:srgbClr val="FFFF00"/>
-                </a:solidFill>
-              </a:rPr>
-              <a:t>XX</a:t>
-            </a:r>
-            <a:endParaRPr lang="en-GB" dirty="0">
-              <a:solidFill>
-                <a:srgbClr val="FFFF00"/>
-              </a:solidFill>
-            </a:endParaRPr>
-          </a:p>
-        </p:txBody>
-      </p:sp>
-      <p:pic>
-        <p:nvPicPr>
-          <p:cNvPr id="31" name="Picture 30"/>
-          <p:cNvPicPr>
-            <a:picLocks noChangeAspect="1"/>
-          </p:cNvPicPr>
-          <p:nvPr/>
-        </p:nvPicPr>
-        <p:blipFill>
-          <a:blip r:embed="rId4">
-            <a:extLst>
-              <a:ext uri="{28A0092B-C50C-407E-A947-70E740481C1C}">
-                <a14:useLocalDpi xmlns:a14="http://schemas.microsoft.com/office/drawing/2010/main" val="0"/>
-              </a:ext>
-            </a:extLst>
-          </a:blip>
-          <a:stretch>
-            <a:fillRect/>
-          </a:stretch>
-        </p:blipFill>
-        <p:spPr>
-          <a:xfrm>
-            <a:off x="6114793" y="2538249"/>
-            <a:ext cx="684000" cy="684000"/>
-          </a:xfrm>
-          <a:prstGeom prst="rect">
-            <a:avLst/>
-          </a:prstGeom>
-        </p:spPr>
-      </p:pic>
-      <p:sp>
-        <p:nvSpPr>
-          <p:cNvPr id="34" name="Rectangle 33"/>
-          <p:cNvSpPr/>
-          <p:nvPr/>
-        </p:nvSpPr>
-        <p:spPr>
-          <a:xfrm>
-            <a:off x="7653398" y="2422314"/>
-            <a:ext cx="1512000" cy="828000"/>
-          </a:xfrm>
-          <a:prstGeom prst="rect">
-            <a:avLst/>
-          </a:prstGeom>
-          <a:solidFill>
-            <a:srgbClr val="635C52"/>
-          </a:solidFill>
-        </p:spPr>
-        <p:style>
-          <a:lnRef idx="1">
-            <a:schemeClr val="accent1"/>
-          </a:lnRef>
-          <a:fillRef idx="3">
-            <a:schemeClr val="accent1"/>
-          </a:fillRef>
-          <a:effectRef idx="2">
-            <a:schemeClr val="accent1"/>
-          </a:effectRef>
-          <a:fontRef idx="minor">
-            <a:schemeClr val="lt1"/>
-          </a:fontRef>
-        </p:style>
-        <p:txBody>
-          <a:bodyPr rtlCol="0" anchor="ctr"/>
-          <a:lstStyle/>
-          <a:p>
-            <a:pPr algn="ctr"/>
-            <a:endParaRPr lang="en-GB"/>
-          </a:p>
-        </p:txBody>
-      </p:sp>
-      <p:sp>
-        <p:nvSpPr>
-          <p:cNvPr id="35" name="TextBox 34"/>
-          <p:cNvSpPr txBox="1"/>
-          <p:nvPr/>
-        </p:nvSpPr>
-        <p:spPr>
-          <a:xfrm>
-            <a:off x="8563665" y="2637122"/>
-            <a:ext cx="577929" cy="369332"/>
-          </a:xfrm>
-          <a:prstGeom prst="rect">
-            <a:avLst/>
-          </a:prstGeom>
-          <a:noFill/>
-        </p:spPr>
-        <p:txBody>
-          <a:bodyPr wrap="square" rtlCol="0">
-            <a:spAutoFit/>
-          </a:bodyPr>
-          <a:lstStyle/>
-          <a:p>
-            <a:r>
-              <a:rPr lang="en-GB" dirty="0" smtClean="0">
-                <a:solidFill>
-                  <a:srgbClr val="FFFF00"/>
-                </a:solidFill>
-              </a:rPr>
-              <a:t>XX</a:t>
-            </a:r>
-            <a:endParaRPr lang="en-GB" dirty="0">
-              <a:solidFill>
-                <a:srgbClr val="FFFF00"/>
-              </a:solidFill>
-            </a:endParaRPr>
-          </a:p>
-        </p:txBody>
-      </p:sp>
-      <p:pic>
-        <p:nvPicPr>
-          <p:cNvPr id="36" name="Picture 35"/>
-          <p:cNvPicPr>
-            <a:picLocks noChangeAspect="1"/>
-          </p:cNvPicPr>
-          <p:nvPr/>
-        </p:nvPicPr>
-        <p:blipFill>
-          <a:blip r:embed="rId5">
-            <a:extLst>
-              <a:ext uri="{28A0092B-C50C-407E-A947-70E740481C1C}">
-                <a14:useLocalDpi xmlns:a14="http://schemas.microsoft.com/office/drawing/2010/main" val="0"/>
-              </a:ext>
-            </a:extLst>
-          </a:blip>
-          <a:stretch>
-            <a:fillRect/>
-          </a:stretch>
-        </p:blipFill>
-        <p:spPr>
-          <a:xfrm>
-            <a:off x="7791427" y="2494314"/>
-            <a:ext cx="684000" cy="684000"/>
-          </a:xfrm>
-          <a:prstGeom prst="rect">
-            <a:avLst/>
-          </a:prstGeom>
-        </p:spPr>
-      </p:pic>
-      <p:sp>
-        <p:nvSpPr>
           <p:cNvPr id="28" name="Content Placeholder 2"/>
           <p:cNvSpPr txBox="1">
             <a:spLocks/>
@@ -7156,8 +4827,8 @@
         </p:nvSpPr>
         <p:spPr>
           <a:xfrm>
-            <a:off x="457200" y="322283"/>
-            <a:ext cx="5305487" cy="6810037"/>
+            <a:off x="408561" y="79091"/>
+            <a:ext cx="8550613" cy="6810037"/>
           </a:xfrm>
           <a:prstGeom prst="rect">
             <a:avLst/>
@@ -7307,13 +4978,11 @@
           <a:p>
             <a:r>
               <a:rPr lang="en-US" sz="2400" dirty="0" smtClean="0"/>
-              <a:t>The purpose of this task is for you to learn which slot machines tend to lead to which banknotes.</a:t>
-            </a:r>
-          </a:p>
-          <a:p>
+              <a:t>Each </a:t>
+            </a:r>
             <a:r>
               <a:rPr lang="en-US" sz="2400" dirty="0" smtClean="0"/>
-              <a:t>Each slot machine can lead to either of the two banknotes, however, the </a:t>
+              <a:t>slot machine can lead to either of the two banknotes, however, the </a:t>
             </a:r>
             <a:r>
               <a:rPr lang="en-US" sz="2400" b="1" dirty="0" smtClean="0"/>
@@ -7337,17 +5006,48 @@
             </a:r>
             <a:r>
               <a:rPr lang="en-US" sz="2400" dirty="0" smtClean="0"/>
-              <a:t> are different for the different slot machines.</a:t>
-            </a:r>
-          </a:p>
-          <a:p>
+              <a:t> are different for the different slot machines</a:t>
+            </a:r>
             <a:r>
               <a:rPr lang="en-US" sz="2400" dirty="0" smtClean="0"/>
-              <a:t>The chances that a given slot machine provides a given banknote will </a:t>
+              <a:t>.</a:t>
+            </a:r>
+          </a:p>
+          <a:p>
+            <a:r>
+              <a:rPr lang="en-US" sz="2400" dirty="0"/>
+              <a:t>The purpose of this </a:t>
+            </a:r>
+            <a:r>
+              <a:rPr lang="en-US" sz="2400" dirty="0" smtClean="0"/>
+              <a:t>first task </a:t>
+            </a:r>
+            <a:r>
+              <a:rPr lang="en-US" sz="2400" dirty="0"/>
+              <a:t>is for you to learn </a:t>
+            </a:r>
+            <a:r>
+              <a:rPr lang="en-US" sz="2400" dirty="0" smtClean="0"/>
+              <a:t>the chances each slot machine provides either of the banknotes.</a:t>
+            </a:r>
+            <a:endParaRPr lang="en-US" sz="2400" dirty="0"/>
+          </a:p>
+          <a:p>
+            <a:r>
+              <a:rPr lang="en-US" sz="2400" dirty="0" smtClean="0"/>
+              <a:t>On the next slide we will show you a schematic that displays the </a:t>
             </a:r>
             <a:r>
               <a:rPr lang="en-US" sz="2400" b="1" dirty="0" smtClean="0"/>
-              <a:t>not</a:t>
+              <a:t>chances</a:t>
+            </a:r>
+            <a:r>
+              <a:rPr lang="en-US" sz="2400" dirty="0" smtClean="0"/>
+              <a:t> of </a:t>
+            </a:r>
+            <a:r>
+              <a:rPr lang="en-US" sz="2400" b="1" dirty="0" smtClean="0"/>
+              <a:t>each</a:t>
             </a:r>
             <a:r>
               <a:rPr lang="en-US" sz="2400" dirty="0" smtClean="0"/>
@@ -7355,11 +5055,23 @@
             </a:r>
             <a:r>
               <a:rPr lang="en-US" sz="2400" b="1" dirty="0" smtClean="0"/>
-              <a:t>change</a:t>
+              <a:t>slot machine providing either banknote</a:t>
             </a:r>
             <a:r>
               <a:rPr lang="en-US" sz="2400" dirty="0" smtClean="0"/>
-              <a:t> over the course of the task.</a:t>
+              <a:t>. Please study this schematic.</a:t>
+            </a:r>
+          </a:p>
+          <a:p>
+            <a:r>
+              <a:rPr lang="en-US" sz="2400" dirty="0" smtClean="0"/>
+              <a:t>You will then take a quiz in which you will be shown a given slot machine and a given banknote. You will be required to press a number key to indicate the chances that that slot machine would provide that banknote.</a:t>
+            </a:r>
+          </a:p>
+          <a:p>
+            <a:r>
+              <a:rPr lang="en-US" sz="2400" dirty="0" smtClean="0"/>
+              <a:t>We will repeat this quiz 10 times so that you will be able to fully learn the chance of each slot machine providing either banknote.  Your bonus for this task will be proportional to the total number of quiz questions you answer correctly. Please try to get as many questions correct as you can.</a:t>
             </a:r>
             <a:endParaRPr lang="en-US" sz="2400" dirty="0"/>
           </a:p>
@@ -7404,87 +5116,1409 @@
       </p:grpSpPr>
       <p:sp>
         <p:nvSpPr>
-          <p:cNvPr id="3" name="Content Placeholder 2"/>
-          <p:cNvSpPr>
-            <a:spLocks noGrp="1"/>
-          </p:cNvSpPr>
-          <p:nvPr>
-            <p:ph idx="1"/>
-          </p:nvPr>
-        </p:nvSpPr>
-        <p:spPr>
-          <a:xfrm>
-            <a:off x="611944" y="323558"/>
-            <a:ext cx="8264770" cy="6414868"/>
-          </a:xfrm>
-        </p:spPr>
-        <p:txBody>
-          <a:bodyPr>
-            <a:normAutofit/>
+          <p:cNvPr id="18" name="Rectangle 17"/>
+          <p:cNvSpPr/>
+          <p:nvPr/>
+        </p:nvSpPr>
+        <p:spPr>
+          <a:xfrm>
+            <a:off x="6454307" y="3899593"/>
+            <a:ext cx="1332000" cy="1332000"/>
+          </a:xfrm>
+          <a:prstGeom prst="rect">
+            <a:avLst/>
+          </a:prstGeom>
+          <a:solidFill>
+            <a:srgbClr val="5D566A"/>
+          </a:solidFill>
+        </p:spPr>
+        <p:style>
+          <a:lnRef idx="1">
+            <a:schemeClr val="accent1"/>
+          </a:lnRef>
+          <a:fillRef idx="3">
+            <a:schemeClr val="accent1"/>
+          </a:fillRef>
+          <a:effectRef idx="2">
+            <a:schemeClr val="accent1"/>
+          </a:effectRef>
+          <a:fontRef idx="minor">
+            <a:schemeClr val="lt1"/>
+          </a:fontRef>
+        </p:style>
+        <p:txBody>
+          <a:bodyPr rtlCol="0" anchor="ctr"/>
+          <a:lstStyle/>
+          <a:p>
+            <a:pPr algn="ctr"/>
+            <a:endParaRPr lang="en-GB"/>
+          </a:p>
+        </p:txBody>
+      </p:sp>
+      <p:pic>
+        <p:nvPicPr>
+          <p:cNvPr id="19" name="Picture 18"/>
+          <p:cNvPicPr>
+            <a:picLocks noChangeAspect="1"/>
+          </p:cNvPicPr>
+          <p:nvPr/>
+        </p:nvPicPr>
+        <p:blipFill>
+          <a:blip r:embed="rId2">
+            <a:extLst>
+              <a:ext uri="{28A0092B-C50C-407E-A947-70E740481C1C}">
+                <a14:useLocalDpi xmlns:a14="http://schemas.microsoft.com/office/drawing/2010/main" val="0"/>
+              </a:ext>
+            </a:extLst>
+          </a:blip>
+          <a:stretch>
+            <a:fillRect/>
+          </a:stretch>
+        </p:blipFill>
+        <p:spPr>
+          <a:xfrm>
+            <a:off x="6583877" y="4078110"/>
+            <a:ext cx="1080000" cy="1080000"/>
+          </a:xfrm>
+          <a:prstGeom prst="rect">
+            <a:avLst/>
+          </a:prstGeom>
+        </p:spPr>
+      </p:pic>
+      <p:cxnSp>
+        <p:nvCxnSpPr>
+          <p:cNvPr id="20" name="Straight Arrow Connector 19"/>
+          <p:cNvCxnSpPr/>
+          <p:nvPr/>
+        </p:nvCxnSpPr>
+        <p:spPr>
+          <a:xfrm flipH="1">
+            <a:off x="6277306" y="5234149"/>
+            <a:ext cx="731520" cy="590843"/>
+          </a:xfrm>
+          <a:prstGeom prst="straightConnector1">
+            <a:avLst/>
+          </a:prstGeom>
+          <a:ln>
+            <a:tailEnd type="triangle"/>
+          </a:ln>
+        </p:spPr>
+        <p:style>
+          <a:lnRef idx="2">
+            <a:schemeClr val="accent1"/>
+          </a:lnRef>
+          <a:fillRef idx="0">
+            <a:schemeClr val="accent1"/>
+          </a:fillRef>
+          <a:effectRef idx="1">
+            <a:schemeClr val="accent1"/>
+          </a:effectRef>
+          <a:fontRef idx="minor">
+            <a:schemeClr val="tx1"/>
+          </a:fontRef>
+        </p:style>
+      </p:cxnSp>
+      <p:cxnSp>
+        <p:nvCxnSpPr>
+          <p:cNvPr id="21" name="Straight Arrow Connector 20"/>
+          <p:cNvCxnSpPr/>
+          <p:nvPr/>
+        </p:nvCxnSpPr>
+        <p:spPr>
+          <a:xfrm>
+            <a:off x="7357666" y="5234592"/>
+            <a:ext cx="730800" cy="590400"/>
+          </a:xfrm>
+          <a:prstGeom prst="straightConnector1">
+            <a:avLst/>
+          </a:prstGeom>
+          <a:ln>
+            <a:tailEnd type="triangle"/>
+          </a:ln>
+        </p:spPr>
+        <p:style>
+          <a:lnRef idx="2">
+            <a:schemeClr val="accent1"/>
+          </a:lnRef>
+          <a:fillRef idx="0">
+            <a:schemeClr val="accent1"/>
+          </a:fillRef>
+          <a:effectRef idx="1">
+            <a:schemeClr val="accent1"/>
+          </a:effectRef>
+          <a:fontRef idx="minor">
+            <a:schemeClr val="tx1"/>
+          </a:fontRef>
+        </p:style>
+      </p:cxnSp>
+      <p:sp>
+        <p:nvSpPr>
+          <p:cNvPr id="22" name="Rectangle 21"/>
+          <p:cNvSpPr/>
+          <p:nvPr/>
+        </p:nvSpPr>
+        <p:spPr>
+          <a:xfrm>
+            <a:off x="6145236" y="5253439"/>
+            <a:ext cx="583814" cy="369332"/>
+          </a:xfrm>
+          <a:prstGeom prst="rect">
+            <a:avLst/>
+          </a:prstGeom>
+        </p:spPr>
+        <p:txBody>
+          <a:bodyPr wrap="none">
+            <a:spAutoFit/>
           </a:bodyPr>
           <a:lstStyle/>
           <a:p>
             <a:r>
-              <a:rPr lang="en-GB" dirty="0" smtClean="0"/>
-              <a:t>The task will have two types of games.</a:t>
-            </a:r>
-          </a:p>
-          <a:p>
-            <a:r>
-              <a:rPr lang="en-GB" dirty="0" smtClean="0"/>
-              <a:t>For the first type of game, you’ll be presented with a slot machine. You must press </a:t>
-            </a:r>
-            <a:r>
-              <a:rPr lang="en-GB" b="1" dirty="0" smtClean="0"/>
-              <a:t>1</a:t>
-            </a:r>
-            <a:r>
-              <a:rPr lang="en-GB" dirty="0" smtClean="0"/>
-              <a:t> to play the machine. Then the machine will provide you with a bank note. </a:t>
-            </a:r>
-          </a:p>
-          <a:p>
-            <a:r>
-              <a:rPr lang="en-GB" dirty="0" smtClean="0"/>
-              <a:t>As an attention check, you will sometimes be asked to report which slot machine you just played or which banknote you just received. To do this you will use the number keys (1,2,3 or 4). </a:t>
-            </a:r>
-            <a:r>
-              <a:rPr lang="en-GB" b="1" dirty="0" smtClean="0"/>
-              <a:t>Your correctness on these questions will affect your bonus payment</a:t>
-            </a:r>
-            <a:r>
-              <a:rPr lang="en-GB" dirty="0" smtClean="0"/>
-              <a:t>.</a:t>
-            </a:r>
-          </a:p>
-          <a:p>
-            <a:r>
-              <a:rPr lang="en-GB" dirty="0" smtClean="0"/>
-              <a:t>Let’s practice a few of these games.</a:t>
-            </a:r>
-          </a:p>
-          <a:p>
+              <a:rPr lang="en-US" dirty="0" smtClean="0"/>
+              <a:t>80%</a:t>
+            </a:r>
             <a:endParaRPr lang="en-GB" dirty="0"/>
+          </a:p>
+        </p:txBody>
+      </p:sp>
+      <p:sp>
+        <p:nvSpPr>
+          <p:cNvPr id="23" name="Rectangle 22"/>
+          <p:cNvSpPr/>
+          <p:nvPr/>
+        </p:nvSpPr>
+        <p:spPr>
+          <a:xfrm>
+            <a:off x="7822074" y="5253439"/>
+            <a:ext cx="583814" cy="369332"/>
+          </a:xfrm>
+          <a:prstGeom prst="rect">
+            <a:avLst/>
+          </a:prstGeom>
+        </p:spPr>
+        <p:txBody>
+          <a:bodyPr wrap="none">
+            <a:spAutoFit/>
+          </a:bodyPr>
+          <a:lstStyle/>
+          <a:p>
+            <a:r>
+              <a:rPr lang="en-US" dirty="0" smtClean="0"/>
+              <a:t>20%</a:t>
+            </a:r>
+            <a:endParaRPr lang="en-GB" dirty="0"/>
+          </a:p>
+        </p:txBody>
+      </p:sp>
+      <p:sp>
+        <p:nvSpPr>
+          <p:cNvPr id="24" name="Rectangle 23"/>
+          <p:cNvSpPr/>
+          <p:nvPr/>
+        </p:nvSpPr>
+        <p:spPr>
+          <a:xfrm>
+            <a:off x="5332747" y="5981047"/>
+            <a:ext cx="1512000" cy="828000"/>
+          </a:xfrm>
+          <a:prstGeom prst="rect">
+            <a:avLst/>
+          </a:prstGeom>
+          <a:solidFill>
+            <a:srgbClr val="635C52"/>
+          </a:solidFill>
+        </p:spPr>
+        <p:style>
+          <a:lnRef idx="1">
+            <a:schemeClr val="accent1"/>
+          </a:lnRef>
+          <a:fillRef idx="3">
+            <a:schemeClr val="accent1"/>
+          </a:fillRef>
+          <a:effectRef idx="2">
+            <a:schemeClr val="accent1"/>
+          </a:effectRef>
+          <a:fontRef idx="minor">
+            <a:schemeClr val="lt1"/>
+          </a:fontRef>
+        </p:style>
+        <p:txBody>
+          <a:bodyPr rtlCol="0" anchor="ctr"/>
+          <a:lstStyle/>
+          <a:p>
+            <a:pPr algn="ctr"/>
+            <a:endParaRPr lang="en-GB"/>
+          </a:p>
+        </p:txBody>
+      </p:sp>
+      <p:pic>
+        <p:nvPicPr>
+          <p:cNvPr id="26" name="Picture 25"/>
+          <p:cNvPicPr>
+            <a:picLocks noChangeAspect="1"/>
+          </p:cNvPicPr>
+          <p:nvPr/>
+        </p:nvPicPr>
+        <p:blipFill>
+          <a:blip r:embed="rId3">
+            <a:extLst>
+              <a:ext uri="{28A0092B-C50C-407E-A947-70E740481C1C}">
+                <a14:useLocalDpi xmlns:a14="http://schemas.microsoft.com/office/drawing/2010/main" val="0"/>
+              </a:ext>
+            </a:extLst>
+          </a:blip>
+          <a:stretch>
+            <a:fillRect/>
+          </a:stretch>
+        </p:blipFill>
+        <p:spPr>
+          <a:xfrm>
+            <a:off x="5455840" y="6100028"/>
+            <a:ext cx="684000" cy="684000"/>
+          </a:xfrm>
+          <a:prstGeom prst="rect">
+            <a:avLst/>
+          </a:prstGeom>
+        </p:spPr>
+      </p:pic>
+      <p:sp>
+        <p:nvSpPr>
+          <p:cNvPr id="27" name="Rectangle 26"/>
+          <p:cNvSpPr/>
+          <p:nvPr/>
+        </p:nvSpPr>
+        <p:spPr>
+          <a:xfrm>
+            <a:off x="7220534" y="5979640"/>
+            <a:ext cx="1512000" cy="828000"/>
+          </a:xfrm>
+          <a:prstGeom prst="rect">
+            <a:avLst/>
+          </a:prstGeom>
+          <a:solidFill>
+            <a:srgbClr val="635C52"/>
+          </a:solidFill>
+        </p:spPr>
+        <p:style>
+          <a:lnRef idx="1">
+            <a:schemeClr val="accent1"/>
+          </a:lnRef>
+          <a:fillRef idx="3">
+            <a:schemeClr val="accent1"/>
+          </a:fillRef>
+          <a:effectRef idx="2">
+            <a:schemeClr val="accent1"/>
+          </a:effectRef>
+          <a:fontRef idx="minor">
+            <a:schemeClr val="lt1"/>
+          </a:fontRef>
+        </p:style>
+        <p:txBody>
+          <a:bodyPr rtlCol="0" anchor="ctr"/>
+          <a:lstStyle/>
+          <a:p>
+            <a:pPr algn="ctr"/>
+            <a:endParaRPr lang="en-GB"/>
+          </a:p>
+        </p:txBody>
+      </p:sp>
+      <p:pic>
+        <p:nvPicPr>
+          <p:cNvPr id="29" name="Picture 28"/>
+          <p:cNvPicPr>
+            <a:picLocks noChangeAspect="1"/>
+          </p:cNvPicPr>
+          <p:nvPr/>
+        </p:nvPicPr>
+        <p:blipFill>
+          <a:blip r:embed="rId4">
+            <a:extLst>
+              <a:ext uri="{28A0092B-C50C-407E-A947-70E740481C1C}">
+                <a14:useLocalDpi xmlns:a14="http://schemas.microsoft.com/office/drawing/2010/main" val="0"/>
+              </a:ext>
+            </a:extLst>
+          </a:blip>
+          <a:stretch>
+            <a:fillRect/>
+          </a:stretch>
+        </p:blipFill>
+        <p:spPr>
+          <a:xfrm>
+            <a:off x="7322265" y="6071892"/>
+            <a:ext cx="684000" cy="684000"/>
+          </a:xfrm>
+          <a:prstGeom prst="rect">
+            <a:avLst/>
+          </a:prstGeom>
+        </p:spPr>
+      </p:pic>
+      <p:sp>
+        <p:nvSpPr>
+          <p:cNvPr id="30" name="Rectangle 29"/>
+          <p:cNvSpPr/>
+          <p:nvPr/>
+        </p:nvSpPr>
+        <p:spPr>
+          <a:xfrm>
+            <a:off x="1161595" y="3910779"/>
+            <a:ext cx="1332000" cy="1332000"/>
+          </a:xfrm>
+          <a:prstGeom prst="rect">
+            <a:avLst/>
+          </a:prstGeom>
+          <a:solidFill>
+            <a:srgbClr val="5D566A"/>
+          </a:solidFill>
+        </p:spPr>
+        <p:style>
+          <a:lnRef idx="1">
+            <a:schemeClr val="accent1"/>
+          </a:lnRef>
+          <a:fillRef idx="3">
+            <a:schemeClr val="accent1"/>
+          </a:fillRef>
+          <a:effectRef idx="2">
+            <a:schemeClr val="accent1"/>
+          </a:effectRef>
+          <a:fontRef idx="minor">
+            <a:schemeClr val="lt1"/>
+          </a:fontRef>
+        </p:style>
+        <p:txBody>
+          <a:bodyPr rtlCol="0" anchor="ctr"/>
+          <a:lstStyle/>
+          <a:p>
+            <a:pPr algn="ctr"/>
+            <a:endParaRPr lang="en-GB"/>
+          </a:p>
+        </p:txBody>
+      </p:sp>
+      <p:pic>
+        <p:nvPicPr>
+          <p:cNvPr id="31" name="Picture 30"/>
+          <p:cNvPicPr>
+            <a:picLocks noChangeAspect="1"/>
+          </p:cNvPicPr>
+          <p:nvPr/>
+        </p:nvPicPr>
+        <p:blipFill>
+          <a:blip r:embed="rId5">
+            <a:extLst>
+              <a:ext uri="{28A0092B-C50C-407E-A947-70E740481C1C}">
+                <a14:useLocalDpi xmlns:a14="http://schemas.microsoft.com/office/drawing/2010/main" val="0"/>
+              </a:ext>
+            </a:extLst>
+          </a:blip>
+          <a:stretch>
+            <a:fillRect/>
+          </a:stretch>
+        </p:blipFill>
+        <p:spPr>
+          <a:xfrm>
+            <a:off x="1312186" y="4064923"/>
+            <a:ext cx="1082913" cy="1082913"/>
+          </a:xfrm>
+          <a:prstGeom prst="rect">
+            <a:avLst/>
+          </a:prstGeom>
+        </p:spPr>
+      </p:pic>
+      <p:cxnSp>
+        <p:nvCxnSpPr>
+          <p:cNvPr id="32" name="Straight Arrow Connector 31"/>
+          <p:cNvCxnSpPr/>
+          <p:nvPr/>
+        </p:nvCxnSpPr>
+        <p:spPr>
+          <a:xfrm flipH="1">
+            <a:off x="879739" y="5229708"/>
+            <a:ext cx="731520" cy="590843"/>
+          </a:xfrm>
+          <a:prstGeom prst="straightConnector1">
+            <a:avLst/>
+          </a:prstGeom>
+          <a:ln>
+            <a:solidFill>
+              <a:schemeClr val="accent3"/>
+            </a:solidFill>
+            <a:tailEnd type="triangle"/>
+          </a:ln>
+        </p:spPr>
+        <p:style>
+          <a:lnRef idx="2">
+            <a:schemeClr val="accent1"/>
+          </a:lnRef>
+          <a:fillRef idx="0">
+            <a:schemeClr val="accent1"/>
+          </a:fillRef>
+          <a:effectRef idx="1">
+            <a:schemeClr val="accent1"/>
+          </a:effectRef>
+          <a:fontRef idx="minor">
+            <a:schemeClr val="tx1"/>
+          </a:fontRef>
+        </p:style>
+      </p:cxnSp>
+      <p:cxnSp>
+        <p:nvCxnSpPr>
+          <p:cNvPr id="33" name="Straight Arrow Connector 32"/>
+          <p:cNvCxnSpPr/>
+          <p:nvPr/>
+        </p:nvCxnSpPr>
+        <p:spPr>
+          <a:xfrm>
+            <a:off x="1960099" y="5230151"/>
+            <a:ext cx="730800" cy="590400"/>
+          </a:xfrm>
+          <a:prstGeom prst="straightConnector1">
+            <a:avLst/>
+          </a:prstGeom>
+          <a:ln>
+            <a:solidFill>
+              <a:schemeClr val="accent3"/>
+            </a:solidFill>
+            <a:tailEnd type="triangle"/>
+          </a:ln>
+        </p:spPr>
+        <p:style>
+          <a:lnRef idx="2">
+            <a:schemeClr val="accent1"/>
+          </a:lnRef>
+          <a:fillRef idx="0">
+            <a:schemeClr val="accent1"/>
+          </a:fillRef>
+          <a:effectRef idx="1">
+            <a:schemeClr val="accent1"/>
+          </a:effectRef>
+          <a:fontRef idx="minor">
+            <a:schemeClr val="tx1"/>
+          </a:fontRef>
+        </p:style>
+      </p:cxnSp>
+      <p:sp>
+        <p:nvSpPr>
+          <p:cNvPr id="34" name="Rectangle 33"/>
+          <p:cNvSpPr/>
+          <p:nvPr/>
+        </p:nvSpPr>
+        <p:spPr>
+          <a:xfrm>
+            <a:off x="597563" y="5220863"/>
+            <a:ext cx="583814" cy="369332"/>
+          </a:xfrm>
+          <a:prstGeom prst="rect">
+            <a:avLst/>
+          </a:prstGeom>
+        </p:spPr>
+        <p:txBody>
+          <a:bodyPr wrap="none">
+            <a:spAutoFit/>
+          </a:bodyPr>
+          <a:lstStyle/>
+          <a:p>
+            <a:r>
+              <a:rPr lang="en-US" dirty="0" smtClean="0"/>
+              <a:t>60%</a:t>
+            </a:r>
+            <a:endParaRPr lang="en-GB" dirty="0"/>
+          </a:p>
+        </p:txBody>
+      </p:sp>
+      <p:sp>
+        <p:nvSpPr>
+          <p:cNvPr id="35" name="Rectangle 34"/>
+          <p:cNvSpPr/>
+          <p:nvPr/>
+        </p:nvSpPr>
+        <p:spPr>
+          <a:xfrm>
+            <a:off x="2354167" y="5234930"/>
+            <a:ext cx="583814" cy="369332"/>
+          </a:xfrm>
+          <a:prstGeom prst="rect">
+            <a:avLst/>
+          </a:prstGeom>
+        </p:spPr>
+        <p:txBody>
+          <a:bodyPr wrap="none">
+            <a:spAutoFit/>
+          </a:bodyPr>
+          <a:lstStyle/>
+          <a:p>
+            <a:r>
+              <a:rPr lang="en-US" dirty="0" smtClean="0"/>
+              <a:t>40%</a:t>
+            </a:r>
+            <a:endParaRPr lang="en-GB" dirty="0"/>
+          </a:p>
+        </p:txBody>
+      </p:sp>
+      <p:sp>
+        <p:nvSpPr>
+          <p:cNvPr id="36" name="Rectangle 35"/>
+          <p:cNvSpPr/>
+          <p:nvPr/>
+        </p:nvSpPr>
+        <p:spPr>
+          <a:xfrm>
+            <a:off x="398747" y="5934569"/>
+            <a:ext cx="1512000" cy="828000"/>
+          </a:xfrm>
+          <a:prstGeom prst="rect">
+            <a:avLst/>
+          </a:prstGeom>
+          <a:solidFill>
+            <a:srgbClr val="635C52"/>
+          </a:solidFill>
+        </p:spPr>
+        <p:style>
+          <a:lnRef idx="1">
+            <a:schemeClr val="accent1"/>
+          </a:lnRef>
+          <a:fillRef idx="3">
+            <a:schemeClr val="accent1"/>
+          </a:fillRef>
+          <a:effectRef idx="2">
+            <a:schemeClr val="accent1"/>
+          </a:effectRef>
+          <a:fontRef idx="minor">
+            <a:schemeClr val="lt1"/>
+          </a:fontRef>
+        </p:style>
+        <p:txBody>
+          <a:bodyPr rtlCol="0" anchor="ctr"/>
+          <a:lstStyle/>
+          <a:p>
+            <a:pPr algn="ctr"/>
+            <a:endParaRPr lang="en-GB"/>
+          </a:p>
+        </p:txBody>
+      </p:sp>
+      <p:pic>
+        <p:nvPicPr>
+          <p:cNvPr id="38" name="Picture 37"/>
+          <p:cNvPicPr>
+            <a:picLocks noChangeAspect="1"/>
+          </p:cNvPicPr>
+          <p:nvPr/>
+        </p:nvPicPr>
+        <p:blipFill>
+          <a:blip r:embed="rId3">
+            <a:extLst>
+              <a:ext uri="{28A0092B-C50C-407E-A947-70E740481C1C}">
+                <a14:useLocalDpi xmlns:a14="http://schemas.microsoft.com/office/drawing/2010/main" val="0"/>
+              </a:ext>
+            </a:extLst>
+          </a:blip>
+          <a:stretch>
+            <a:fillRect/>
+          </a:stretch>
+        </p:blipFill>
+        <p:spPr>
+          <a:xfrm>
+            <a:off x="521840" y="6053550"/>
+            <a:ext cx="684000" cy="684000"/>
+          </a:xfrm>
+          <a:prstGeom prst="rect">
+            <a:avLst/>
+          </a:prstGeom>
+        </p:spPr>
+      </p:pic>
+      <p:sp>
+        <p:nvSpPr>
+          <p:cNvPr id="39" name="Rectangle 38"/>
+          <p:cNvSpPr/>
+          <p:nvPr/>
+        </p:nvSpPr>
+        <p:spPr>
+          <a:xfrm>
+            <a:off x="2060445" y="5937615"/>
+            <a:ext cx="1512000" cy="828000"/>
+          </a:xfrm>
+          <a:prstGeom prst="rect">
+            <a:avLst/>
+          </a:prstGeom>
+          <a:solidFill>
+            <a:srgbClr val="635C52"/>
+          </a:solidFill>
+        </p:spPr>
+        <p:style>
+          <a:lnRef idx="1">
+            <a:schemeClr val="accent1"/>
+          </a:lnRef>
+          <a:fillRef idx="3">
+            <a:schemeClr val="accent1"/>
+          </a:fillRef>
+          <a:effectRef idx="2">
+            <a:schemeClr val="accent1"/>
+          </a:effectRef>
+          <a:fontRef idx="minor">
+            <a:schemeClr val="lt1"/>
+          </a:fontRef>
+        </p:style>
+        <p:txBody>
+          <a:bodyPr rtlCol="0" anchor="ctr"/>
+          <a:lstStyle/>
+          <a:p>
+            <a:pPr algn="ctr"/>
+            <a:endParaRPr lang="en-GB"/>
+          </a:p>
+        </p:txBody>
+      </p:sp>
+      <p:pic>
+        <p:nvPicPr>
+          <p:cNvPr id="41" name="Picture 40"/>
+          <p:cNvPicPr>
+            <a:picLocks noChangeAspect="1"/>
+          </p:cNvPicPr>
+          <p:nvPr/>
+        </p:nvPicPr>
+        <p:blipFill>
+          <a:blip r:embed="rId4">
+            <a:extLst>
+              <a:ext uri="{28A0092B-C50C-407E-A947-70E740481C1C}">
+                <a14:useLocalDpi xmlns:a14="http://schemas.microsoft.com/office/drawing/2010/main" val="0"/>
+              </a:ext>
+            </a:extLst>
+          </a:blip>
+          <a:stretch>
+            <a:fillRect/>
+          </a:stretch>
+        </p:blipFill>
+        <p:spPr>
+          <a:xfrm>
+            <a:off x="2198474" y="6009615"/>
+            <a:ext cx="684000" cy="684000"/>
+          </a:xfrm>
+          <a:prstGeom prst="rect">
+            <a:avLst/>
+          </a:prstGeom>
+        </p:spPr>
+      </p:pic>
+      <p:sp>
+        <p:nvSpPr>
+          <p:cNvPr id="42" name="Rectangle 41"/>
+          <p:cNvSpPr/>
+          <p:nvPr/>
+        </p:nvSpPr>
+        <p:spPr>
+          <a:xfrm>
+            <a:off x="6619029" y="740116"/>
+            <a:ext cx="1332000" cy="1332000"/>
+          </a:xfrm>
+          <a:prstGeom prst="rect">
+            <a:avLst/>
+          </a:prstGeom>
+          <a:solidFill>
+            <a:srgbClr val="5D566A"/>
+          </a:solidFill>
+        </p:spPr>
+        <p:style>
+          <a:lnRef idx="1">
+            <a:schemeClr val="accent1"/>
+          </a:lnRef>
+          <a:fillRef idx="3">
+            <a:schemeClr val="accent1"/>
+          </a:fillRef>
+          <a:effectRef idx="2">
+            <a:schemeClr val="accent1"/>
+          </a:effectRef>
+          <a:fontRef idx="minor">
+            <a:schemeClr val="lt1"/>
+          </a:fontRef>
+        </p:style>
+        <p:txBody>
+          <a:bodyPr rtlCol="0" anchor="ctr"/>
+          <a:lstStyle/>
+          <a:p>
+            <a:pPr algn="ctr"/>
+            <a:endParaRPr lang="en-GB"/>
+          </a:p>
+        </p:txBody>
+      </p:sp>
+      <p:cxnSp>
+        <p:nvCxnSpPr>
+          <p:cNvPr id="44" name="Straight Arrow Connector 43"/>
+          <p:cNvCxnSpPr/>
+          <p:nvPr/>
+        </p:nvCxnSpPr>
+        <p:spPr>
+          <a:xfrm flipH="1">
+            <a:off x="6442028" y="2074672"/>
+            <a:ext cx="731520" cy="590843"/>
+          </a:xfrm>
+          <a:prstGeom prst="straightConnector1">
+            <a:avLst/>
+          </a:prstGeom>
+          <a:ln>
+            <a:tailEnd type="triangle"/>
+          </a:ln>
+        </p:spPr>
+        <p:style>
+          <a:lnRef idx="2">
+            <a:schemeClr val="accent1"/>
+          </a:lnRef>
+          <a:fillRef idx="0">
+            <a:schemeClr val="accent1"/>
+          </a:fillRef>
+          <a:effectRef idx="1">
+            <a:schemeClr val="accent1"/>
+          </a:effectRef>
+          <a:fontRef idx="minor">
+            <a:schemeClr val="tx1"/>
+          </a:fontRef>
+        </p:style>
+      </p:cxnSp>
+      <p:cxnSp>
+        <p:nvCxnSpPr>
+          <p:cNvPr id="45" name="Straight Arrow Connector 44"/>
+          <p:cNvCxnSpPr/>
+          <p:nvPr/>
+        </p:nvCxnSpPr>
+        <p:spPr>
+          <a:xfrm>
+            <a:off x="7522388" y="2075115"/>
+            <a:ext cx="730800" cy="590400"/>
+          </a:xfrm>
+          <a:prstGeom prst="straightConnector1">
+            <a:avLst/>
+          </a:prstGeom>
+          <a:ln>
+            <a:tailEnd type="triangle"/>
+          </a:ln>
+        </p:spPr>
+        <p:style>
+          <a:lnRef idx="2">
+            <a:schemeClr val="accent1"/>
+          </a:lnRef>
+          <a:fillRef idx="0">
+            <a:schemeClr val="accent1"/>
+          </a:fillRef>
+          <a:effectRef idx="1">
+            <a:schemeClr val="accent1"/>
+          </a:effectRef>
+          <a:fontRef idx="minor">
+            <a:schemeClr val="tx1"/>
+          </a:fontRef>
+        </p:style>
+      </p:cxnSp>
+      <p:sp>
+        <p:nvSpPr>
+          <p:cNvPr id="46" name="Rectangle 45"/>
+          <p:cNvSpPr/>
+          <p:nvPr/>
+        </p:nvSpPr>
+        <p:spPr>
+          <a:xfrm>
+            <a:off x="6309958" y="2093962"/>
+            <a:ext cx="583814" cy="369332"/>
+          </a:xfrm>
+          <a:prstGeom prst="rect">
+            <a:avLst/>
+          </a:prstGeom>
+        </p:spPr>
+        <p:txBody>
+          <a:bodyPr wrap="none">
+            <a:spAutoFit/>
+          </a:bodyPr>
+          <a:lstStyle/>
+          <a:p>
+            <a:r>
+              <a:rPr lang="en-US" dirty="0" smtClean="0"/>
+              <a:t>40%</a:t>
+            </a:r>
+            <a:endParaRPr lang="en-GB" dirty="0"/>
+          </a:p>
+        </p:txBody>
+      </p:sp>
+      <p:sp>
+        <p:nvSpPr>
+          <p:cNvPr id="47" name="Rectangle 46"/>
+          <p:cNvSpPr/>
+          <p:nvPr/>
+        </p:nvSpPr>
+        <p:spPr>
+          <a:xfrm>
+            <a:off x="7986796" y="2093962"/>
+            <a:ext cx="583814" cy="369332"/>
+          </a:xfrm>
+          <a:prstGeom prst="rect">
+            <a:avLst/>
+          </a:prstGeom>
+        </p:spPr>
+        <p:txBody>
+          <a:bodyPr wrap="none">
+            <a:spAutoFit/>
+          </a:bodyPr>
+          <a:lstStyle/>
+          <a:p>
+            <a:r>
+              <a:rPr lang="en-US" dirty="0" smtClean="0"/>
+              <a:t>60%</a:t>
+            </a:r>
+            <a:endParaRPr lang="en-GB" dirty="0"/>
+          </a:p>
+        </p:txBody>
+      </p:sp>
+      <p:sp>
+        <p:nvSpPr>
+          <p:cNvPr id="48" name="Rectangle 47"/>
+          <p:cNvSpPr/>
+          <p:nvPr/>
+        </p:nvSpPr>
+        <p:spPr>
+          <a:xfrm>
+            <a:off x="5497469" y="2821570"/>
+            <a:ext cx="1512000" cy="828000"/>
+          </a:xfrm>
+          <a:prstGeom prst="rect">
+            <a:avLst/>
+          </a:prstGeom>
+          <a:solidFill>
+            <a:srgbClr val="635C52"/>
+          </a:solidFill>
+        </p:spPr>
+        <p:style>
+          <a:lnRef idx="1">
+            <a:schemeClr val="accent1"/>
+          </a:lnRef>
+          <a:fillRef idx="3">
+            <a:schemeClr val="accent1"/>
+          </a:fillRef>
+          <a:effectRef idx="2">
+            <a:schemeClr val="accent1"/>
+          </a:effectRef>
+          <a:fontRef idx="minor">
+            <a:schemeClr val="lt1"/>
+          </a:fontRef>
+        </p:style>
+        <p:txBody>
+          <a:bodyPr rtlCol="0" anchor="ctr"/>
+          <a:lstStyle/>
+          <a:p>
+            <a:pPr algn="ctr"/>
+            <a:endParaRPr lang="en-GB"/>
+          </a:p>
+        </p:txBody>
+      </p:sp>
+      <p:pic>
+        <p:nvPicPr>
+          <p:cNvPr id="50" name="Picture 49"/>
+          <p:cNvPicPr>
+            <a:picLocks noChangeAspect="1"/>
+          </p:cNvPicPr>
+          <p:nvPr/>
+        </p:nvPicPr>
+        <p:blipFill>
+          <a:blip r:embed="rId3">
+            <a:extLst>
+              <a:ext uri="{28A0092B-C50C-407E-A947-70E740481C1C}">
+                <a14:useLocalDpi xmlns:a14="http://schemas.microsoft.com/office/drawing/2010/main" val="0"/>
+              </a:ext>
+            </a:extLst>
+          </a:blip>
+          <a:stretch>
+            <a:fillRect/>
+          </a:stretch>
+        </p:blipFill>
+        <p:spPr>
+          <a:xfrm>
+            <a:off x="5620562" y="2940551"/>
+            <a:ext cx="684000" cy="684000"/>
+          </a:xfrm>
+          <a:prstGeom prst="rect">
+            <a:avLst/>
+          </a:prstGeom>
+        </p:spPr>
+      </p:pic>
+      <p:sp>
+        <p:nvSpPr>
+          <p:cNvPr id="51" name="Rectangle 50"/>
+          <p:cNvSpPr/>
+          <p:nvPr/>
+        </p:nvSpPr>
+        <p:spPr>
+          <a:xfrm>
+            <a:off x="7385256" y="2820163"/>
+            <a:ext cx="1512000" cy="828000"/>
+          </a:xfrm>
+          <a:prstGeom prst="rect">
+            <a:avLst/>
+          </a:prstGeom>
+          <a:solidFill>
+            <a:srgbClr val="635C52"/>
+          </a:solidFill>
+        </p:spPr>
+        <p:style>
+          <a:lnRef idx="1">
+            <a:schemeClr val="accent1"/>
+          </a:lnRef>
+          <a:fillRef idx="3">
+            <a:schemeClr val="accent1"/>
+          </a:fillRef>
+          <a:effectRef idx="2">
+            <a:schemeClr val="accent1"/>
+          </a:effectRef>
+          <a:fontRef idx="minor">
+            <a:schemeClr val="lt1"/>
+          </a:fontRef>
+        </p:style>
+        <p:txBody>
+          <a:bodyPr rtlCol="0" anchor="ctr"/>
+          <a:lstStyle/>
+          <a:p>
+            <a:pPr algn="ctr"/>
+            <a:endParaRPr lang="en-GB"/>
+          </a:p>
+        </p:txBody>
+      </p:sp>
+      <p:pic>
+        <p:nvPicPr>
+          <p:cNvPr id="53" name="Picture 52"/>
+          <p:cNvPicPr>
+            <a:picLocks noChangeAspect="1"/>
+          </p:cNvPicPr>
+          <p:nvPr/>
+        </p:nvPicPr>
+        <p:blipFill>
+          <a:blip r:embed="rId4">
+            <a:extLst>
+              <a:ext uri="{28A0092B-C50C-407E-A947-70E740481C1C}">
+                <a14:useLocalDpi xmlns:a14="http://schemas.microsoft.com/office/drawing/2010/main" val="0"/>
+              </a:ext>
+            </a:extLst>
+          </a:blip>
+          <a:stretch>
+            <a:fillRect/>
+          </a:stretch>
+        </p:blipFill>
+        <p:spPr>
+          <a:xfrm>
+            <a:off x="7486987" y="2912415"/>
+            <a:ext cx="684000" cy="684000"/>
+          </a:xfrm>
+          <a:prstGeom prst="rect">
+            <a:avLst/>
+          </a:prstGeom>
+        </p:spPr>
+      </p:pic>
+      <p:sp>
+        <p:nvSpPr>
+          <p:cNvPr id="54" name="Rectangle 53"/>
+          <p:cNvSpPr/>
+          <p:nvPr/>
+        </p:nvSpPr>
+        <p:spPr>
+          <a:xfrm>
+            <a:off x="1170675" y="692940"/>
+            <a:ext cx="1332000" cy="1332000"/>
+          </a:xfrm>
+          <a:prstGeom prst="rect">
+            <a:avLst/>
+          </a:prstGeom>
+          <a:solidFill>
+            <a:srgbClr val="5D566A"/>
+          </a:solidFill>
+        </p:spPr>
+        <p:style>
+          <a:lnRef idx="1">
+            <a:schemeClr val="accent1"/>
+          </a:lnRef>
+          <a:fillRef idx="3">
+            <a:schemeClr val="accent1"/>
+          </a:fillRef>
+          <a:effectRef idx="2">
+            <a:schemeClr val="accent1"/>
+          </a:effectRef>
+          <a:fontRef idx="minor">
+            <a:schemeClr val="lt1"/>
+          </a:fontRef>
+        </p:style>
+        <p:txBody>
+          <a:bodyPr rtlCol="0" anchor="ctr"/>
+          <a:lstStyle/>
+          <a:p>
+            <a:pPr algn="ctr"/>
+            <a:endParaRPr lang="en-GB"/>
+          </a:p>
+        </p:txBody>
+      </p:sp>
+      <p:cxnSp>
+        <p:nvCxnSpPr>
+          <p:cNvPr id="56" name="Straight Arrow Connector 55"/>
+          <p:cNvCxnSpPr/>
+          <p:nvPr/>
+        </p:nvCxnSpPr>
+        <p:spPr>
+          <a:xfrm flipH="1">
+            <a:off x="927729" y="2089695"/>
+            <a:ext cx="731520" cy="590843"/>
+          </a:xfrm>
+          <a:prstGeom prst="straightConnector1">
+            <a:avLst/>
+          </a:prstGeom>
+          <a:ln>
+            <a:solidFill>
+              <a:schemeClr val="accent3"/>
+            </a:solidFill>
+            <a:tailEnd type="triangle"/>
+          </a:ln>
+        </p:spPr>
+        <p:style>
+          <a:lnRef idx="2">
+            <a:schemeClr val="accent1"/>
+          </a:lnRef>
+          <a:fillRef idx="0">
+            <a:schemeClr val="accent1"/>
+          </a:fillRef>
+          <a:effectRef idx="1">
+            <a:schemeClr val="accent1"/>
+          </a:effectRef>
+          <a:fontRef idx="minor">
+            <a:schemeClr val="tx1"/>
+          </a:fontRef>
+        </p:style>
+      </p:cxnSp>
+      <p:cxnSp>
+        <p:nvCxnSpPr>
+          <p:cNvPr id="57" name="Straight Arrow Connector 56"/>
+          <p:cNvCxnSpPr/>
+          <p:nvPr/>
+        </p:nvCxnSpPr>
+        <p:spPr>
+          <a:xfrm>
+            <a:off x="2008089" y="2090138"/>
+            <a:ext cx="730800" cy="590400"/>
+          </a:xfrm>
+          <a:prstGeom prst="straightConnector1">
+            <a:avLst/>
+          </a:prstGeom>
+          <a:ln>
+            <a:solidFill>
+              <a:schemeClr val="accent3"/>
+            </a:solidFill>
+            <a:tailEnd type="triangle"/>
+          </a:ln>
+        </p:spPr>
+        <p:style>
+          <a:lnRef idx="2">
+            <a:schemeClr val="accent1"/>
+          </a:lnRef>
+          <a:fillRef idx="0">
+            <a:schemeClr val="accent1"/>
+          </a:fillRef>
+          <a:effectRef idx="1">
+            <a:schemeClr val="accent1"/>
+          </a:effectRef>
+          <a:fontRef idx="minor">
+            <a:schemeClr val="tx1"/>
+          </a:fontRef>
+        </p:style>
+      </p:cxnSp>
+      <p:sp>
+        <p:nvSpPr>
+          <p:cNvPr id="58" name="Rectangle 57"/>
+          <p:cNvSpPr/>
+          <p:nvPr/>
+        </p:nvSpPr>
+        <p:spPr>
+          <a:xfrm>
+            <a:off x="645553" y="2080850"/>
+            <a:ext cx="583814" cy="369332"/>
+          </a:xfrm>
+          <a:prstGeom prst="rect">
+            <a:avLst/>
+          </a:prstGeom>
+        </p:spPr>
+        <p:txBody>
+          <a:bodyPr wrap="none">
+            <a:spAutoFit/>
+          </a:bodyPr>
+          <a:lstStyle/>
+          <a:p>
+            <a:r>
+              <a:rPr lang="en-US" dirty="0" smtClean="0"/>
+              <a:t>20%</a:t>
+            </a:r>
+            <a:endParaRPr lang="en-GB" dirty="0"/>
+          </a:p>
+        </p:txBody>
+      </p:sp>
+      <p:sp>
+        <p:nvSpPr>
+          <p:cNvPr id="59" name="Rectangle 58"/>
+          <p:cNvSpPr/>
+          <p:nvPr/>
+        </p:nvSpPr>
+        <p:spPr>
+          <a:xfrm>
+            <a:off x="2402157" y="2094917"/>
+            <a:ext cx="583814" cy="369332"/>
+          </a:xfrm>
+          <a:prstGeom prst="rect">
+            <a:avLst/>
+          </a:prstGeom>
+        </p:spPr>
+        <p:txBody>
+          <a:bodyPr wrap="none">
+            <a:spAutoFit/>
+          </a:bodyPr>
+          <a:lstStyle/>
+          <a:p>
+            <a:r>
+              <a:rPr lang="en-US" dirty="0" smtClean="0"/>
+              <a:t>80%</a:t>
+            </a:r>
+            <a:endParaRPr lang="en-GB" dirty="0"/>
+          </a:p>
+        </p:txBody>
+      </p:sp>
+      <p:sp>
+        <p:nvSpPr>
+          <p:cNvPr id="60" name="Rectangle 59"/>
+          <p:cNvSpPr/>
+          <p:nvPr/>
+        </p:nvSpPr>
+        <p:spPr>
+          <a:xfrm>
+            <a:off x="446737" y="2784829"/>
+            <a:ext cx="1512000" cy="828000"/>
+          </a:xfrm>
+          <a:prstGeom prst="rect">
+            <a:avLst/>
+          </a:prstGeom>
+          <a:solidFill>
+            <a:srgbClr val="635C52"/>
+          </a:solidFill>
+        </p:spPr>
+        <p:style>
+          <a:lnRef idx="1">
+            <a:schemeClr val="accent1"/>
+          </a:lnRef>
+          <a:fillRef idx="3">
+            <a:schemeClr val="accent1"/>
+          </a:fillRef>
+          <a:effectRef idx="2">
+            <a:schemeClr val="accent1"/>
+          </a:effectRef>
+          <a:fontRef idx="minor">
+            <a:schemeClr val="lt1"/>
+          </a:fontRef>
+        </p:style>
+        <p:txBody>
+          <a:bodyPr rtlCol="0" anchor="ctr"/>
+          <a:lstStyle/>
+          <a:p>
+            <a:pPr algn="ctr"/>
+            <a:endParaRPr lang="en-GB"/>
+          </a:p>
+        </p:txBody>
+      </p:sp>
+      <p:pic>
+        <p:nvPicPr>
+          <p:cNvPr id="62" name="Picture 61"/>
+          <p:cNvPicPr>
+            <a:picLocks noChangeAspect="1"/>
+          </p:cNvPicPr>
+          <p:nvPr/>
+        </p:nvPicPr>
+        <p:blipFill>
+          <a:blip r:embed="rId3">
+            <a:extLst>
+              <a:ext uri="{28A0092B-C50C-407E-A947-70E740481C1C}">
+                <a14:useLocalDpi xmlns:a14="http://schemas.microsoft.com/office/drawing/2010/main" val="0"/>
+              </a:ext>
+            </a:extLst>
+          </a:blip>
+          <a:stretch>
+            <a:fillRect/>
+          </a:stretch>
+        </p:blipFill>
+        <p:spPr>
+          <a:xfrm>
+            <a:off x="569830" y="2913537"/>
+            <a:ext cx="684000" cy="684000"/>
+          </a:xfrm>
+          <a:prstGeom prst="rect">
+            <a:avLst/>
+          </a:prstGeom>
+        </p:spPr>
+      </p:pic>
+      <p:sp>
+        <p:nvSpPr>
+          <p:cNvPr id="63" name="Rectangle 62"/>
+          <p:cNvSpPr/>
+          <p:nvPr/>
+        </p:nvSpPr>
+        <p:spPr>
+          <a:xfrm>
+            <a:off x="2108435" y="2787875"/>
+            <a:ext cx="1512000" cy="828000"/>
+          </a:xfrm>
+          <a:prstGeom prst="rect">
+            <a:avLst/>
+          </a:prstGeom>
+          <a:solidFill>
+            <a:srgbClr val="635C52"/>
+          </a:solidFill>
+        </p:spPr>
+        <p:style>
+          <a:lnRef idx="1">
+            <a:schemeClr val="accent1"/>
+          </a:lnRef>
+          <a:fillRef idx="3">
+            <a:schemeClr val="accent1"/>
+          </a:fillRef>
+          <a:effectRef idx="2">
+            <a:schemeClr val="accent1"/>
+          </a:effectRef>
+          <a:fontRef idx="minor">
+            <a:schemeClr val="lt1"/>
+          </a:fontRef>
+        </p:style>
+        <p:txBody>
+          <a:bodyPr rtlCol="0" anchor="ctr"/>
+          <a:lstStyle/>
+          <a:p>
+            <a:pPr algn="ctr"/>
+            <a:endParaRPr lang="en-GB"/>
+          </a:p>
+        </p:txBody>
+      </p:sp>
+      <p:pic>
+        <p:nvPicPr>
+          <p:cNvPr id="65" name="Picture 64"/>
+          <p:cNvPicPr>
+            <a:picLocks noChangeAspect="1"/>
+          </p:cNvPicPr>
+          <p:nvPr/>
+        </p:nvPicPr>
+        <p:blipFill>
+          <a:blip r:embed="rId4">
+            <a:extLst>
+              <a:ext uri="{28A0092B-C50C-407E-A947-70E740481C1C}">
+                <a14:useLocalDpi xmlns:a14="http://schemas.microsoft.com/office/drawing/2010/main" val="0"/>
+              </a:ext>
+            </a:extLst>
+          </a:blip>
+          <a:stretch>
+            <a:fillRect/>
+          </a:stretch>
+        </p:blipFill>
+        <p:spPr>
+          <a:xfrm>
+            <a:off x="2246464" y="2869602"/>
+            <a:ext cx="684000" cy="684000"/>
+          </a:xfrm>
+          <a:prstGeom prst="rect">
+            <a:avLst/>
+          </a:prstGeom>
+        </p:spPr>
+      </p:pic>
+      <p:pic>
+        <p:nvPicPr>
+          <p:cNvPr id="66" name="Picture 65"/>
+          <p:cNvPicPr>
+            <a:picLocks noChangeAspect="1"/>
+          </p:cNvPicPr>
+          <p:nvPr/>
+        </p:nvPicPr>
+        <p:blipFill>
+          <a:blip r:embed="rId6">
+            <a:extLst>
+              <a:ext uri="{28A0092B-C50C-407E-A947-70E740481C1C}">
+                <a14:useLocalDpi xmlns:a14="http://schemas.microsoft.com/office/drawing/2010/main" val="0"/>
+              </a:ext>
+            </a:extLst>
+          </a:blip>
+          <a:stretch>
+            <a:fillRect/>
+          </a:stretch>
+        </p:blipFill>
+        <p:spPr>
+          <a:xfrm>
+            <a:off x="6776727" y="886422"/>
+            <a:ext cx="1080000" cy="1080000"/>
+          </a:xfrm>
+          <a:prstGeom prst="rect">
+            <a:avLst/>
+          </a:prstGeom>
+        </p:spPr>
+      </p:pic>
+      <p:pic>
+        <p:nvPicPr>
+          <p:cNvPr id="67" name="Picture 66"/>
+          <p:cNvPicPr>
+            <a:picLocks noChangeAspect="1"/>
+          </p:cNvPicPr>
+          <p:nvPr/>
+        </p:nvPicPr>
+        <p:blipFill>
+          <a:blip r:embed="rId7">
+            <a:extLst>
+              <a:ext uri="{28A0092B-C50C-407E-A947-70E740481C1C}">
+                <a14:useLocalDpi xmlns:a14="http://schemas.microsoft.com/office/drawing/2010/main" val="0"/>
+              </a:ext>
+            </a:extLst>
+          </a:blip>
+          <a:stretch>
+            <a:fillRect/>
+          </a:stretch>
+        </p:blipFill>
+        <p:spPr>
+          <a:xfrm>
+            <a:off x="1321572" y="857503"/>
+            <a:ext cx="1080000" cy="1080000"/>
+          </a:xfrm>
+          <a:prstGeom prst="rect">
+            <a:avLst/>
+          </a:prstGeom>
+        </p:spPr>
+      </p:pic>
+      <p:sp>
+        <p:nvSpPr>
+          <p:cNvPr id="68" name="Rectangle 67"/>
+          <p:cNvSpPr/>
+          <p:nvPr/>
+        </p:nvSpPr>
+        <p:spPr>
+          <a:xfrm>
+            <a:off x="336407" y="17295"/>
+            <a:ext cx="8239594" cy="646331"/>
+          </a:xfrm>
+          <a:prstGeom prst="rect">
+            <a:avLst/>
+          </a:prstGeom>
+        </p:spPr>
+        <p:txBody>
+          <a:bodyPr wrap="square">
+            <a:spAutoFit/>
+          </a:bodyPr>
+          <a:lstStyle/>
+          <a:p>
+            <a:r>
+              <a:rPr lang="en-US" dirty="0" smtClean="0"/>
+              <a:t>This schematic shows the chances that each slot machine provides either banknote.</a:t>
+            </a:r>
+          </a:p>
+          <a:p>
+            <a:r>
+              <a:rPr lang="en-US" dirty="0" smtClean="0"/>
+              <a:t>Please study it. When you are ready press Next to take a quiz.</a:t>
+            </a:r>
+            <a:endParaRPr lang="en-US" dirty="0"/>
           </a:p>
         </p:txBody>
       </p:sp>
     </p:spTree>
     <p:extLst>
       <p:ext uri="{BB962C8B-B14F-4D97-AF65-F5344CB8AC3E}">
-        <p14:creationId xmlns:p14="http://schemas.microsoft.com/office/powerpoint/2010/main" val="3144730703"/>
+        <p14:creationId xmlns:p14="http://schemas.microsoft.com/office/powerpoint/2010/main" val="1517627751"/>
       </p:ext>
     </p:extLst>
   </p:cSld>
   <p:clrMapOvr>
     <a:masterClrMapping/>
   </p:clrMapOvr>
-  <p:timing>
-    <p:tnLst>
-      <p:par>
-        <p:cTn id="1" dur="indefinite" restart="never" nodeType="tmRoot"/>
-      </p:par>
-    </p:tnLst>
-  </p:timing>
 </p:sld>
 </file>
 
@@ -7507,29 +6541,6 @@
       </p:grpSpPr>
       <p:sp>
         <p:nvSpPr>
-          <p:cNvPr id="2" name="Title 1"/>
-          <p:cNvSpPr>
-            <a:spLocks noGrp="1"/>
-          </p:cNvSpPr>
-          <p:nvPr>
-            <p:ph type="title"/>
-          </p:nvPr>
-        </p:nvSpPr>
-        <p:spPr/>
-        <p:txBody>
-          <a:bodyPr/>
-          <a:lstStyle/>
-          <a:p>
-            <a:r>
-              <a:rPr lang="en-GB" dirty="0" smtClean="0"/>
-              <a:t>PRACTICE</a:t>
-            </a:r>
-            <a:endParaRPr lang="en-GB" dirty="0"/>
-          </a:p>
-        </p:txBody>
-      </p:sp>
-      <p:sp>
-        <p:nvSpPr>
           <p:cNvPr id="3" name="Content Placeholder 2"/>
           <p:cNvSpPr>
             <a:spLocks noGrp="1"/>
@@ -7538,36 +6549,540 @@
             <p:ph idx="1"/>
           </p:nvPr>
         </p:nvSpPr>
-        <p:spPr/>
-        <p:txBody>
-          <a:bodyPr/>
+        <p:spPr>
+          <a:xfrm>
+            <a:off x="457201" y="337626"/>
+            <a:ext cx="4438356" cy="5788538"/>
+          </a:xfrm>
+        </p:spPr>
+        <p:txBody>
+          <a:bodyPr>
+            <a:normAutofit/>
+          </a:bodyPr>
+          <a:lstStyle/>
+          <a:p>
+            <a:pPr algn="just"/>
+            <a:r>
+              <a:rPr lang="en-GB" sz="2200" dirty="0"/>
+              <a:t>Great work! We’ll now continue to the second task. </a:t>
+            </a:r>
+            <a:endParaRPr lang="en-GB" sz="2200" dirty="0" smtClean="0"/>
+          </a:p>
+          <a:p>
+            <a:pPr algn="just"/>
+            <a:r>
+              <a:rPr lang="en-GB" sz="2200" dirty="0"/>
+              <a:t>In this task you’ll play </a:t>
+            </a:r>
+            <a:r>
+              <a:rPr lang="en-GB" sz="2200" dirty="0" smtClean="0"/>
+              <a:t>a game at the casino.</a:t>
+            </a:r>
+            <a:endParaRPr lang="en-GB" sz="2200" dirty="0" smtClean="0"/>
+          </a:p>
+          <a:p>
+            <a:pPr algn="just"/>
+            <a:r>
+              <a:rPr lang="en-GB" sz="2200" dirty="0" smtClean="0"/>
+              <a:t>This </a:t>
+            </a:r>
+            <a:r>
+              <a:rPr lang="en-GB" sz="2200" dirty="0"/>
+              <a:t>game will use the same two banknotes </a:t>
+            </a:r>
+            <a:r>
+              <a:rPr lang="en-GB" sz="2200" dirty="0" smtClean="0"/>
+              <a:t>you just saw </a:t>
+            </a:r>
+            <a:r>
+              <a:rPr lang="en-GB" sz="2200" dirty="0"/>
+              <a:t>before but </a:t>
+            </a:r>
+            <a:r>
+              <a:rPr lang="en-GB" sz="2200" b="1" dirty="0"/>
+              <a:t>will also have a third type of banknote </a:t>
+            </a:r>
+            <a:r>
+              <a:rPr lang="en-GB" sz="2200" dirty="0"/>
+              <a:t>(shown on the right</a:t>
+            </a:r>
+            <a:r>
+              <a:rPr lang="en-GB" sz="2200" dirty="0" smtClean="0"/>
+              <a:t>).</a:t>
+            </a:r>
+          </a:p>
+          <a:p>
+            <a:pPr algn="just"/>
+            <a:r>
+              <a:rPr lang="en-GB" sz="2200" dirty="0" smtClean="0"/>
+              <a:t>It will use the same four slot machines as the last task.</a:t>
+            </a:r>
+          </a:p>
+          <a:p>
+            <a:pPr algn="just"/>
+            <a:r>
+              <a:rPr lang="en-GB" sz="2200" dirty="0" smtClean="0"/>
+              <a:t>On each decision, you’ll collect one of these banknotes.</a:t>
+            </a:r>
+          </a:p>
+        </p:txBody>
+      </p:sp>
+      <p:sp>
+        <p:nvSpPr>
+          <p:cNvPr id="4" name="Rectangle 3"/>
+          <p:cNvSpPr/>
+          <p:nvPr/>
+        </p:nvSpPr>
+        <p:spPr>
+          <a:xfrm>
+            <a:off x="5847217" y="2584152"/>
+            <a:ext cx="1512000" cy="828000"/>
+          </a:xfrm>
+          <a:prstGeom prst="rect">
+            <a:avLst/>
+          </a:prstGeom>
+          <a:solidFill>
+            <a:srgbClr val="635C52"/>
+          </a:solidFill>
+        </p:spPr>
+        <p:style>
+          <a:lnRef idx="1">
+            <a:schemeClr val="accent1"/>
+          </a:lnRef>
+          <a:fillRef idx="3">
+            <a:schemeClr val="accent1"/>
+          </a:fillRef>
+          <a:effectRef idx="2">
+            <a:schemeClr val="accent1"/>
+          </a:effectRef>
+          <a:fontRef idx="minor">
+            <a:schemeClr val="lt1"/>
+          </a:fontRef>
+        </p:style>
+        <p:txBody>
+          <a:bodyPr rtlCol="0" anchor="ctr"/>
+          <a:lstStyle/>
+          <a:p>
+            <a:pPr algn="ctr"/>
+            <a:endParaRPr lang="en-GB"/>
+          </a:p>
+        </p:txBody>
+      </p:sp>
+      <p:sp>
+        <p:nvSpPr>
+          <p:cNvPr id="5" name="Rectangle 4"/>
+          <p:cNvSpPr/>
+          <p:nvPr/>
+        </p:nvSpPr>
+        <p:spPr>
+          <a:xfrm>
+            <a:off x="5820461" y="1355007"/>
+            <a:ext cx="1512000" cy="828000"/>
+          </a:xfrm>
+          <a:prstGeom prst="rect">
+            <a:avLst/>
+          </a:prstGeom>
+          <a:solidFill>
+            <a:srgbClr val="635C52"/>
+          </a:solidFill>
+        </p:spPr>
+        <p:style>
+          <a:lnRef idx="1">
+            <a:schemeClr val="accent1"/>
+          </a:lnRef>
+          <a:fillRef idx="3">
+            <a:schemeClr val="accent1"/>
+          </a:fillRef>
+          <a:effectRef idx="2">
+            <a:schemeClr val="accent1"/>
+          </a:effectRef>
+          <a:fontRef idx="minor">
+            <a:schemeClr val="lt1"/>
+          </a:fontRef>
+        </p:style>
+        <p:txBody>
+          <a:bodyPr rtlCol="0" anchor="ctr"/>
+          <a:lstStyle/>
+          <a:p>
+            <a:pPr algn="ctr"/>
+            <a:endParaRPr lang="en-GB"/>
+          </a:p>
+        </p:txBody>
+      </p:sp>
+      <p:sp>
+        <p:nvSpPr>
+          <p:cNvPr id="6" name="TextBox 5"/>
+          <p:cNvSpPr txBox="1"/>
+          <p:nvPr/>
+        </p:nvSpPr>
+        <p:spPr>
+          <a:xfrm>
+            <a:off x="6734080" y="2812681"/>
+            <a:ext cx="577929" cy="369332"/>
+          </a:xfrm>
+          <a:prstGeom prst="rect">
+            <a:avLst/>
+          </a:prstGeom>
+          <a:noFill/>
+        </p:spPr>
+        <p:txBody>
+          <a:bodyPr wrap="square" rtlCol="0">
+            <a:spAutoFit/>
+          </a:bodyPr>
+          <a:lstStyle/>
+          <a:p>
+            <a:r>
+              <a:rPr lang="en-GB" dirty="0" smtClean="0">
+                <a:solidFill>
+                  <a:srgbClr val="FFFF00"/>
+                </a:solidFill>
+              </a:rPr>
+              <a:t>XX</a:t>
+            </a:r>
+            <a:endParaRPr lang="en-GB" dirty="0">
+              <a:solidFill>
+                <a:srgbClr val="FFFF00"/>
+              </a:solidFill>
+            </a:endParaRPr>
+          </a:p>
+        </p:txBody>
+      </p:sp>
+      <p:sp>
+        <p:nvSpPr>
+          <p:cNvPr id="7" name="TextBox 6"/>
+          <p:cNvSpPr txBox="1"/>
+          <p:nvPr/>
+        </p:nvSpPr>
+        <p:spPr>
+          <a:xfrm>
+            <a:off x="6680362" y="1590067"/>
+            <a:ext cx="577929" cy="369332"/>
+          </a:xfrm>
+          <a:prstGeom prst="rect">
+            <a:avLst/>
+          </a:prstGeom>
+          <a:noFill/>
+        </p:spPr>
+        <p:txBody>
+          <a:bodyPr wrap="square" rtlCol="0">
+            <a:spAutoFit/>
+          </a:bodyPr>
+          <a:lstStyle/>
+          <a:p>
+            <a:r>
+              <a:rPr lang="en-GB" dirty="0" smtClean="0">
+                <a:solidFill>
+                  <a:srgbClr val="FFFF00"/>
+                </a:solidFill>
+              </a:rPr>
+              <a:t>XX</a:t>
+            </a:r>
+            <a:endParaRPr lang="en-GB" dirty="0">
+              <a:solidFill>
+                <a:srgbClr val="FFFF00"/>
+              </a:solidFill>
+            </a:endParaRPr>
+          </a:p>
+        </p:txBody>
+      </p:sp>
+      <p:sp>
+        <p:nvSpPr>
+          <p:cNvPr id="8" name="TextBox 7"/>
+          <p:cNvSpPr txBox="1"/>
+          <p:nvPr/>
+        </p:nvSpPr>
+        <p:spPr>
+          <a:xfrm>
+            <a:off x="5666769" y="2171511"/>
+            <a:ext cx="2065048" cy="369332"/>
+          </a:xfrm>
+          <a:prstGeom prst="rect">
+            <a:avLst/>
+          </a:prstGeom>
+          <a:noFill/>
+        </p:spPr>
+        <p:txBody>
+          <a:bodyPr wrap="square" rtlCol="0">
+            <a:spAutoFit/>
+          </a:bodyPr>
           <a:lstStyle/>
           <a:p>
             <a:r>
               <a:rPr lang="en-GB" dirty="0" smtClean="0"/>
-              <a:t>Some trials starting with some slot machine. Ask some quiz questions about what was just seen.</a:t>
+              <a:t>SCISSORS Banknote</a:t>
             </a:r>
             <a:endParaRPr lang="en-GB" dirty="0"/>
+          </a:p>
+        </p:txBody>
+      </p:sp>
+      <p:sp>
+        <p:nvSpPr>
+          <p:cNvPr id="9" name="TextBox 8"/>
+          <p:cNvSpPr txBox="1"/>
+          <p:nvPr/>
+        </p:nvSpPr>
+        <p:spPr>
+          <a:xfrm>
+            <a:off x="5694839" y="984556"/>
+            <a:ext cx="1850065" cy="369332"/>
+          </a:xfrm>
+          <a:prstGeom prst="rect">
+            <a:avLst/>
+          </a:prstGeom>
+          <a:noFill/>
+        </p:spPr>
+        <p:txBody>
+          <a:bodyPr wrap="square" rtlCol="0">
+            <a:spAutoFit/>
+          </a:bodyPr>
+          <a:lstStyle/>
+          <a:p>
+            <a:r>
+              <a:rPr lang="en-GB" dirty="0" smtClean="0"/>
+              <a:t>GIRL Banknote</a:t>
+            </a:r>
+            <a:endParaRPr lang="en-GB" dirty="0"/>
+          </a:p>
+        </p:txBody>
+      </p:sp>
+      <p:pic>
+        <p:nvPicPr>
+          <p:cNvPr id="10" name="Picture 9"/>
+          <p:cNvPicPr>
+            <a:picLocks noChangeAspect="1"/>
+          </p:cNvPicPr>
+          <p:nvPr/>
+        </p:nvPicPr>
+        <p:blipFill>
+          <a:blip r:embed="rId2">
+            <a:extLst>
+              <a:ext uri="{28A0092B-C50C-407E-A947-70E740481C1C}">
+                <a14:useLocalDpi xmlns:a14="http://schemas.microsoft.com/office/drawing/2010/main" val="0"/>
+              </a:ext>
+            </a:extLst>
+          </a:blip>
+          <a:stretch>
+            <a:fillRect/>
+          </a:stretch>
+        </p:blipFill>
+        <p:spPr>
+          <a:xfrm>
+            <a:off x="5970310" y="2660930"/>
+            <a:ext cx="684000" cy="684000"/>
+          </a:xfrm>
+          <a:prstGeom prst="rect">
+            <a:avLst/>
+          </a:prstGeom>
+        </p:spPr>
+      </p:pic>
+      <p:pic>
+        <p:nvPicPr>
+          <p:cNvPr id="11" name="Picture 10"/>
+          <p:cNvPicPr>
+            <a:picLocks noChangeAspect="1"/>
+          </p:cNvPicPr>
+          <p:nvPr/>
+        </p:nvPicPr>
+        <p:blipFill>
+          <a:blip r:embed="rId3">
+            <a:extLst>
+              <a:ext uri="{28A0092B-C50C-407E-A947-70E740481C1C}">
+                <a14:useLocalDpi xmlns:a14="http://schemas.microsoft.com/office/drawing/2010/main" val="0"/>
+              </a:ext>
+            </a:extLst>
+          </a:blip>
+          <a:stretch>
+            <a:fillRect/>
+          </a:stretch>
+        </p:blipFill>
+        <p:spPr>
+          <a:xfrm>
+            <a:off x="5922192" y="1419124"/>
+            <a:ext cx="684000" cy="684000"/>
+          </a:xfrm>
+          <a:prstGeom prst="rect">
+            <a:avLst/>
+          </a:prstGeom>
+        </p:spPr>
+      </p:pic>
+      <p:sp>
+        <p:nvSpPr>
+          <p:cNvPr id="12" name="Rectangle 11"/>
+          <p:cNvSpPr/>
+          <p:nvPr/>
+        </p:nvSpPr>
+        <p:spPr>
+          <a:xfrm>
+            <a:off x="5824494" y="3824829"/>
+            <a:ext cx="1512000" cy="828000"/>
+          </a:xfrm>
+          <a:prstGeom prst="rect">
+            <a:avLst/>
+          </a:prstGeom>
+          <a:solidFill>
+            <a:srgbClr val="635C52"/>
+          </a:solidFill>
+        </p:spPr>
+        <p:style>
+          <a:lnRef idx="1">
+            <a:schemeClr val="accent1"/>
+          </a:lnRef>
+          <a:fillRef idx="3">
+            <a:schemeClr val="accent1"/>
+          </a:fillRef>
+          <a:effectRef idx="2">
+            <a:schemeClr val="accent1"/>
+          </a:effectRef>
+          <a:fontRef idx="minor">
+            <a:schemeClr val="lt1"/>
+          </a:fontRef>
+        </p:style>
+        <p:txBody>
+          <a:bodyPr rtlCol="0" anchor="ctr"/>
+          <a:lstStyle/>
+          <a:p>
+            <a:pPr algn="ctr"/>
+            <a:endParaRPr lang="en-GB"/>
+          </a:p>
+        </p:txBody>
+      </p:sp>
+      <p:pic>
+        <p:nvPicPr>
+          <p:cNvPr id="13" name="Picture 12"/>
+          <p:cNvPicPr>
+            <a:picLocks noChangeAspect="1"/>
+          </p:cNvPicPr>
+          <p:nvPr/>
+        </p:nvPicPr>
+        <p:blipFill>
+          <a:blip r:embed="rId4">
+            <a:extLst>
+              <a:ext uri="{28A0092B-C50C-407E-A947-70E740481C1C}">
+                <a14:useLocalDpi xmlns:a14="http://schemas.microsoft.com/office/drawing/2010/main" val="0"/>
+              </a:ext>
+            </a:extLst>
+          </a:blip>
+          <a:stretch>
+            <a:fillRect/>
+          </a:stretch>
+        </p:blipFill>
+        <p:spPr>
+          <a:xfrm>
+            <a:off x="5925434" y="3894051"/>
+            <a:ext cx="684000" cy="684000"/>
+          </a:xfrm>
+          <a:prstGeom prst="rect">
+            <a:avLst/>
+          </a:prstGeom>
+        </p:spPr>
+      </p:pic>
+      <p:sp>
+        <p:nvSpPr>
+          <p:cNvPr id="14" name="TextBox 13"/>
+          <p:cNvSpPr txBox="1"/>
+          <p:nvPr/>
+        </p:nvSpPr>
+        <p:spPr>
+          <a:xfrm>
+            <a:off x="6684395" y="4059889"/>
+            <a:ext cx="577929" cy="369332"/>
+          </a:xfrm>
+          <a:prstGeom prst="rect">
+            <a:avLst/>
+          </a:prstGeom>
+          <a:noFill/>
+        </p:spPr>
+        <p:txBody>
+          <a:bodyPr wrap="square" rtlCol="0">
+            <a:spAutoFit/>
+          </a:bodyPr>
+          <a:lstStyle/>
+          <a:p>
+            <a:r>
+              <a:rPr lang="en-GB" dirty="0" smtClean="0">
+                <a:solidFill>
+                  <a:srgbClr val="FFFF00"/>
+                </a:solidFill>
+              </a:rPr>
+              <a:t>XX</a:t>
+            </a:r>
+            <a:endParaRPr lang="en-GB" dirty="0">
+              <a:solidFill>
+                <a:srgbClr val="FFFF00"/>
+              </a:solidFill>
+            </a:endParaRPr>
+          </a:p>
+        </p:txBody>
+      </p:sp>
+      <p:sp>
+        <p:nvSpPr>
+          <p:cNvPr id="15" name="TextBox 14"/>
+          <p:cNvSpPr txBox="1"/>
+          <p:nvPr/>
+        </p:nvSpPr>
+        <p:spPr>
+          <a:xfrm>
+            <a:off x="5698872" y="3454378"/>
+            <a:ext cx="1850065" cy="369332"/>
+          </a:xfrm>
+          <a:prstGeom prst="rect">
+            <a:avLst/>
+          </a:prstGeom>
+          <a:noFill/>
+        </p:spPr>
+        <p:txBody>
+          <a:bodyPr wrap="square" rtlCol="0">
+            <a:spAutoFit/>
+          </a:bodyPr>
+          <a:lstStyle/>
+          <a:p>
+            <a:r>
+              <a:rPr lang="en-GB" dirty="0" smtClean="0"/>
+              <a:t>HOUSE Banknote</a:t>
+            </a:r>
+            <a:endParaRPr lang="en-GB" dirty="0"/>
+          </a:p>
+        </p:txBody>
+      </p:sp>
+      <p:sp>
+        <p:nvSpPr>
+          <p:cNvPr id="16" name="TextBox 15"/>
+          <p:cNvSpPr txBox="1"/>
+          <p:nvPr/>
+        </p:nvSpPr>
+        <p:spPr>
+          <a:xfrm>
+            <a:off x="5651428" y="546881"/>
+            <a:ext cx="2761052" cy="369332"/>
+          </a:xfrm>
+          <a:prstGeom prst="rect">
+            <a:avLst/>
+          </a:prstGeom>
+          <a:noFill/>
+        </p:spPr>
+        <p:txBody>
+          <a:bodyPr wrap="square" rtlCol="0">
+            <a:spAutoFit/>
+          </a:bodyPr>
+          <a:lstStyle/>
+          <a:p>
+            <a:r>
+              <a:rPr lang="en-GB" dirty="0" smtClean="0"/>
+              <a:t>Banknotes in this task:</a:t>
+            </a:r>
           </a:p>
         </p:txBody>
       </p:sp>
     </p:spTree>
     <p:extLst>
       <p:ext uri="{BB962C8B-B14F-4D97-AF65-F5344CB8AC3E}">
-        <p14:creationId xmlns:p14="http://schemas.microsoft.com/office/powerpoint/2010/main" val="441219445"/>
+        <p14:creationId xmlns:p14="http://schemas.microsoft.com/office/powerpoint/2010/main" val="2426537474"/>
       </p:ext>
     </p:extLst>
   </p:cSld>
   <p:clrMapOvr>
     <a:masterClrMapping/>
   </p:clrMapOvr>
-  <p:timing>
-    <p:tnLst>
-      <p:par>
-        <p:cTn id="1" dur="indefinite" restart="never" nodeType="tmRoot"/>
-      </p:par>
-    </p:tnLst>
-  </p:timing>
 </p:sld>
 </file>
 
@@ -7590,7 +7105,7 @@
       </p:grpSpPr>
       <p:sp>
         <p:nvSpPr>
-          <p:cNvPr id="28" name="Content Placeholder 2"/>
+          <p:cNvPr id="3" name="Content Placeholder 2"/>
           <p:cNvSpPr>
             <a:spLocks noGrp="1"/>
           </p:cNvSpPr>
@@ -7600,53 +7115,504 @@
         </p:nvSpPr>
         <p:spPr>
           <a:xfrm>
-            <a:off x="248336" y="651884"/>
-            <a:ext cx="8431429" cy="5783666"/>
+            <a:off x="457200" y="946022"/>
+            <a:ext cx="5493434" cy="5496981"/>
           </a:xfrm>
         </p:spPr>
         <p:txBody>
           <a:bodyPr>
-            <a:normAutofit/>
+            <a:normAutofit fontScale="92500" lnSpcReduction="10000"/>
           </a:bodyPr>
           <a:lstStyle/>
           <a:p>
             <a:r>
+              <a:rPr lang="en-US" sz="2400" dirty="0" smtClean="0"/>
+              <a:t>In this task each banknote will have either positive or negative points attached to it (displayed in place of the XX).</a:t>
+            </a:r>
+          </a:p>
+          <a:p>
+            <a:r>
+              <a:rPr lang="en-US" sz="2400" dirty="0" smtClean="0"/>
+              <a:t>Banknotes </a:t>
+            </a:r>
+            <a:r>
+              <a:rPr lang="en-US" sz="2400" dirty="0"/>
+              <a:t>with </a:t>
+            </a:r>
+            <a:r>
+              <a:rPr lang="en-US" sz="2400" b="1" dirty="0"/>
+              <a:t>positive point </a:t>
+            </a:r>
+            <a:r>
+              <a:rPr lang="en-US" sz="2400" dirty="0" smtClean="0"/>
+              <a:t>values will cause you to gain points. Banknotes with </a:t>
+            </a:r>
+            <a:r>
+              <a:rPr lang="en-US" sz="2400" b="1" dirty="0" smtClean="0"/>
+              <a:t>negative point </a:t>
+            </a:r>
+            <a:r>
+              <a:rPr lang="en-US" sz="2400" dirty="0" smtClean="0"/>
+              <a:t>values will cause you to lose points.</a:t>
+            </a:r>
+          </a:p>
+          <a:p>
+            <a:r>
+              <a:rPr lang="en-US" sz="2400" dirty="0" smtClean="0"/>
+              <a:t>At the end of the task, the computer will randomly pick </a:t>
+            </a:r>
+            <a:r>
+              <a:rPr lang="en-US" sz="2400" b="1" dirty="0" smtClean="0"/>
+              <a:t>four</a:t>
+            </a:r>
+            <a:r>
+              <a:rPr lang="en-US" sz="2400" dirty="0" smtClean="0"/>
+              <a:t> decisions that you made. </a:t>
+            </a:r>
+          </a:p>
+          <a:p>
+            <a:r>
+              <a:rPr lang="en-US" sz="2400" dirty="0" smtClean="0"/>
+              <a:t>Your bonus will be proportional to the average number of points received on these decisions.  </a:t>
+            </a:r>
+            <a:r>
+              <a:rPr lang="en-US" sz="2400" dirty="0"/>
+              <a:t>T</a:t>
+            </a:r>
+            <a:r>
+              <a:rPr lang="en-US" sz="2400" dirty="0" smtClean="0"/>
+              <a:t>his average can be either positive or negative. The more negative this average is, the smaller your bonus payment will be. The more positive this average is, the larger your bonus payment will be.</a:t>
+            </a:r>
+          </a:p>
+          <a:p>
+            <a:endParaRPr lang="en-US" sz="2400" dirty="0"/>
+          </a:p>
+          <a:p>
+            <a:endParaRPr lang="en-US" sz="2400" dirty="0"/>
+          </a:p>
+        </p:txBody>
+      </p:sp>
+      <p:sp>
+        <p:nvSpPr>
+          <p:cNvPr id="4" name="Rectangle 3"/>
+          <p:cNvSpPr/>
+          <p:nvPr/>
+        </p:nvSpPr>
+        <p:spPr>
+          <a:xfrm>
+            <a:off x="7253986" y="3032605"/>
+            <a:ext cx="1512000" cy="828000"/>
+          </a:xfrm>
+          <a:prstGeom prst="rect">
+            <a:avLst/>
+          </a:prstGeom>
+          <a:solidFill>
+            <a:srgbClr val="635C52"/>
+          </a:solidFill>
+        </p:spPr>
+        <p:style>
+          <a:lnRef idx="1">
+            <a:schemeClr val="accent1"/>
+          </a:lnRef>
+          <a:fillRef idx="3">
+            <a:schemeClr val="accent1"/>
+          </a:fillRef>
+          <a:effectRef idx="2">
+            <a:schemeClr val="accent1"/>
+          </a:effectRef>
+          <a:fontRef idx="minor">
+            <a:schemeClr val="lt1"/>
+          </a:fontRef>
+        </p:style>
+        <p:txBody>
+          <a:bodyPr rtlCol="0" anchor="ctr"/>
+          <a:lstStyle/>
+          <a:p>
+            <a:pPr algn="ctr"/>
+            <a:endParaRPr lang="en-GB"/>
+          </a:p>
+        </p:txBody>
+      </p:sp>
+      <p:sp>
+        <p:nvSpPr>
+          <p:cNvPr id="5" name="Rectangle 4"/>
+          <p:cNvSpPr/>
+          <p:nvPr/>
+        </p:nvSpPr>
+        <p:spPr>
+          <a:xfrm>
+            <a:off x="7227230" y="1803460"/>
+            <a:ext cx="1512000" cy="828000"/>
+          </a:xfrm>
+          <a:prstGeom prst="rect">
+            <a:avLst/>
+          </a:prstGeom>
+          <a:solidFill>
+            <a:srgbClr val="635C52"/>
+          </a:solidFill>
+        </p:spPr>
+        <p:style>
+          <a:lnRef idx="1">
+            <a:schemeClr val="accent1"/>
+          </a:lnRef>
+          <a:fillRef idx="3">
+            <a:schemeClr val="accent1"/>
+          </a:fillRef>
+          <a:effectRef idx="2">
+            <a:schemeClr val="accent1"/>
+          </a:effectRef>
+          <a:fontRef idx="minor">
+            <a:schemeClr val="lt1"/>
+          </a:fontRef>
+        </p:style>
+        <p:txBody>
+          <a:bodyPr rtlCol="0" anchor="ctr"/>
+          <a:lstStyle/>
+          <a:p>
+            <a:pPr algn="ctr"/>
+            <a:endParaRPr lang="en-GB"/>
+          </a:p>
+        </p:txBody>
+      </p:sp>
+      <p:sp>
+        <p:nvSpPr>
+          <p:cNvPr id="6" name="TextBox 5"/>
+          <p:cNvSpPr txBox="1"/>
+          <p:nvPr/>
+        </p:nvSpPr>
+        <p:spPr>
+          <a:xfrm>
+            <a:off x="8140849" y="3261134"/>
+            <a:ext cx="577929" cy="369332"/>
+          </a:xfrm>
+          <a:prstGeom prst="rect">
+            <a:avLst/>
+          </a:prstGeom>
+          <a:noFill/>
+        </p:spPr>
+        <p:txBody>
+          <a:bodyPr wrap="square" rtlCol="0">
+            <a:spAutoFit/>
+          </a:bodyPr>
+          <a:lstStyle/>
+          <a:p>
+            <a:r>
+              <a:rPr lang="en-GB" dirty="0" smtClean="0">
+                <a:solidFill>
+                  <a:srgbClr val="FFFF00"/>
+                </a:solidFill>
+              </a:rPr>
+              <a:t>XX</a:t>
+            </a:r>
+            <a:endParaRPr lang="en-GB" dirty="0">
+              <a:solidFill>
+                <a:srgbClr val="FFFF00"/>
+              </a:solidFill>
+            </a:endParaRPr>
+          </a:p>
+        </p:txBody>
+      </p:sp>
+      <p:sp>
+        <p:nvSpPr>
+          <p:cNvPr id="7" name="TextBox 6"/>
+          <p:cNvSpPr txBox="1"/>
+          <p:nvPr/>
+        </p:nvSpPr>
+        <p:spPr>
+          <a:xfrm>
+            <a:off x="8087131" y="2038520"/>
+            <a:ext cx="577929" cy="369332"/>
+          </a:xfrm>
+          <a:prstGeom prst="rect">
+            <a:avLst/>
+          </a:prstGeom>
+          <a:noFill/>
+        </p:spPr>
+        <p:txBody>
+          <a:bodyPr wrap="square" rtlCol="0">
+            <a:spAutoFit/>
+          </a:bodyPr>
+          <a:lstStyle/>
+          <a:p>
+            <a:r>
+              <a:rPr lang="en-GB" dirty="0" smtClean="0">
+                <a:solidFill>
+                  <a:srgbClr val="FFFF00"/>
+                </a:solidFill>
+              </a:rPr>
+              <a:t>XX</a:t>
+            </a:r>
+            <a:endParaRPr lang="en-GB" dirty="0">
+              <a:solidFill>
+                <a:srgbClr val="FFFF00"/>
+              </a:solidFill>
+            </a:endParaRPr>
+          </a:p>
+        </p:txBody>
+      </p:sp>
+      <p:sp>
+        <p:nvSpPr>
+          <p:cNvPr id="8" name="TextBox 7"/>
+          <p:cNvSpPr txBox="1"/>
+          <p:nvPr/>
+        </p:nvSpPr>
+        <p:spPr>
+          <a:xfrm>
+            <a:off x="6950706" y="2663273"/>
+            <a:ext cx="2065048" cy="369332"/>
+          </a:xfrm>
+          <a:prstGeom prst="rect">
+            <a:avLst/>
+          </a:prstGeom>
+          <a:noFill/>
+        </p:spPr>
+        <p:txBody>
+          <a:bodyPr wrap="square" rtlCol="0">
+            <a:spAutoFit/>
+          </a:bodyPr>
+          <a:lstStyle/>
+          <a:p>
+            <a:r>
               <a:rPr lang="en-GB" dirty="0" smtClean="0"/>
-              <a:t>Great job!</a:t>
-            </a:r>
-          </a:p>
+              <a:t>SCISSORS Banknote</a:t>
+            </a:r>
+            <a:endParaRPr lang="en-GB" dirty="0"/>
+          </a:p>
+        </p:txBody>
+      </p:sp>
+      <p:sp>
+        <p:nvSpPr>
+          <p:cNvPr id="9" name="TextBox 8"/>
+          <p:cNvSpPr txBox="1"/>
+          <p:nvPr/>
+        </p:nvSpPr>
+        <p:spPr>
+          <a:xfrm>
+            <a:off x="7101608" y="1433009"/>
+            <a:ext cx="1850065" cy="369332"/>
+          </a:xfrm>
+          <a:prstGeom prst="rect">
+            <a:avLst/>
+          </a:prstGeom>
+          <a:noFill/>
+        </p:spPr>
+        <p:txBody>
+          <a:bodyPr wrap="square" rtlCol="0">
+            <a:spAutoFit/>
+          </a:bodyPr>
+          <a:lstStyle/>
           <a:p>
             <a:r>
               <a:rPr lang="en-GB" dirty="0" smtClean="0"/>
-              <a:t>In </a:t>
-            </a:r>
-            <a:r>
-              <a:rPr lang="en-GB" dirty="0"/>
-              <a:t>the second type of game, you’ll </a:t>
-            </a:r>
+              <a:t>GIRL Banknote</a:t>
+            </a:r>
+            <a:endParaRPr lang="en-GB" dirty="0"/>
+          </a:p>
+        </p:txBody>
+      </p:sp>
+      <p:pic>
+        <p:nvPicPr>
+          <p:cNvPr id="10" name="Picture 9"/>
+          <p:cNvPicPr>
+            <a:picLocks noChangeAspect="1"/>
+          </p:cNvPicPr>
+          <p:nvPr/>
+        </p:nvPicPr>
+        <p:blipFill>
+          <a:blip r:embed="rId2">
+            <a:extLst>
+              <a:ext uri="{28A0092B-C50C-407E-A947-70E740481C1C}">
+                <a14:useLocalDpi xmlns:a14="http://schemas.microsoft.com/office/drawing/2010/main" val="0"/>
+              </a:ext>
+            </a:extLst>
+          </a:blip>
+          <a:stretch>
+            <a:fillRect/>
+          </a:stretch>
+        </p:blipFill>
+        <p:spPr>
+          <a:xfrm>
+            <a:off x="7377079" y="3109383"/>
+            <a:ext cx="684000" cy="684000"/>
+          </a:xfrm>
+          <a:prstGeom prst="rect">
+            <a:avLst/>
+          </a:prstGeom>
+        </p:spPr>
+      </p:pic>
+      <p:pic>
+        <p:nvPicPr>
+          <p:cNvPr id="11" name="Picture 10"/>
+          <p:cNvPicPr>
+            <a:picLocks noChangeAspect="1"/>
+          </p:cNvPicPr>
+          <p:nvPr/>
+        </p:nvPicPr>
+        <p:blipFill>
+          <a:blip r:embed="rId3">
+            <a:extLst>
+              <a:ext uri="{28A0092B-C50C-407E-A947-70E740481C1C}">
+                <a14:useLocalDpi xmlns:a14="http://schemas.microsoft.com/office/drawing/2010/main" val="0"/>
+              </a:ext>
+            </a:extLst>
+          </a:blip>
+          <a:stretch>
+            <a:fillRect/>
+          </a:stretch>
+        </p:blipFill>
+        <p:spPr>
+          <a:xfrm>
+            <a:off x="7328961" y="1867577"/>
+            <a:ext cx="684000" cy="684000"/>
+          </a:xfrm>
+          <a:prstGeom prst="rect">
+            <a:avLst/>
+          </a:prstGeom>
+        </p:spPr>
+      </p:pic>
+      <p:sp>
+        <p:nvSpPr>
+          <p:cNvPr id="12" name="Rectangle 11"/>
+          <p:cNvSpPr/>
+          <p:nvPr/>
+        </p:nvSpPr>
+        <p:spPr>
+          <a:xfrm>
+            <a:off x="7231263" y="4273282"/>
+            <a:ext cx="1512000" cy="828000"/>
+          </a:xfrm>
+          <a:prstGeom prst="rect">
+            <a:avLst/>
+          </a:prstGeom>
+          <a:solidFill>
+            <a:srgbClr val="635C52"/>
+          </a:solidFill>
+        </p:spPr>
+        <p:style>
+          <a:lnRef idx="1">
+            <a:schemeClr val="accent1"/>
+          </a:lnRef>
+          <a:fillRef idx="3">
+            <a:schemeClr val="accent1"/>
+          </a:fillRef>
+          <a:effectRef idx="2">
+            <a:schemeClr val="accent1"/>
+          </a:effectRef>
+          <a:fontRef idx="minor">
+            <a:schemeClr val="lt1"/>
+          </a:fontRef>
+        </p:style>
+        <p:txBody>
+          <a:bodyPr rtlCol="0" anchor="ctr"/>
+          <a:lstStyle/>
+          <a:p>
+            <a:pPr algn="ctr"/>
+            <a:endParaRPr lang="en-GB"/>
+          </a:p>
+        </p:txBody>
+      </p:sp>
+      <p:pic>
+        <p:nvPicPr>
+          <p:cNvPr id="13" name="Picture 12"/>
+          <p:cNvPicPr>
+            <a:picLocks noChangeAspect="1"/>
+          </p:cNvPicPr>
+          <p:nvPr/>
+        </p:nvPicPr>
+        <p:blipFill>
+          <a:blip r:embed="rId4">
+            <a:extLst>
+              <a:ext uri="{28A0092B-C50C-407E-A947-70E740481C1C}">
+                <a14:useLocalDpi xmlns:a14="http://schemas.microsoft.com/office/drawing/2010/main" val="0"/>
+              </a:ext>
+            </a:extLst>
+          </a:blip>
+          <a:stretch>
+            <a:fillRect/>
+          </a:stretch>
+        </p:blipFill>
+        <p:spPr>
+          <a:xfrm>
+            <a:off x="7332203" y="4342504"/>
+            <a:ext cx="684000" cy="684000"/>
+          </a:xfrm>
+          <a:prstGeom prst="rect">
+            <a:avLst/>
+          </a:prstGeom>
+        </p:spPr>
+      </p:pic>
+      <p:sp>
+        <p:nvSpPr>
+          <p:cNvPr id="14" name="TextBox 13"/>
+          <p:cNvSpPr txBox="1"/>
+          <p:nvPr/>
+        </p:nvSpPr>
+        <p:spPr>
+          <a:xfrm>
+            <a:off x="8091164" y="4508342"/>
+            <a:ext cx="577929" cy="369332"/>
+          </a:xfrm>
+          <a:prstGeom prst="rect">
+            <a:avLst/>
+          </a:prstGeom>
+          <a:noFill/>
+        </p:spPr>
+        <p:txBody>
+          <a:bodyPr wrap="square" rtlCol="0">
+            <a:spAutoFit/>
+          </a:bodyPr>
+          <a:lstStyle/>
+          <a:p>
+            <a:r>
+              <a:rPr lang="en-GB" dirty="0" smtClean="0">
+                <a:solidFill>
+                  <a:srgbClr val="FFFF00"/>
+                </a:solidFill>
+              </a:rPr>
+              <a:t>XX</a:t>
+            </a:r>
+            <a:endParaRPr lang="en-GB" dirty="0">
+              <a:solidFill>
+                <a:srgbClr val="FFFF00"/>
+              </a:solidFill>
+            </a:endParaRPr>
+          </a:p>
+        </p:txBody>
+      </p:sp>
+      <p:sp>
+        <p:nvSpPr>
+          <p:cNvPr id="15" name="TextBox 14"/>
+          <p:cNvSpPr txBox="1"/>
+          <p:nvPr/>
+        </p:nvSpPr>
+        <p:spPr>
+          <a:xfrm>
+            <a:off x="7105641" y="3902831"/>
+            <a:ext cx="1850065" cy="369332"/>
+          </a:xfrm>
+          <a:prstGeom prst="rect">
+            <a:avLst/>
+          </a:prstGeom>
+          <a:noFill/>
+        </p:spPr>
+        <p:txBody>
+          <a:bodyPr wrap="square" rtlCol="0">
+            <a:spAutoFit/>
+          </a:bodyPr>
+          <a:lstStyle/>
+          <a:p>
             <a:r>
               <a:rPr lang="en-GB" dirty="0" smtClean="0"/>
-              <a:t>be quizzed on which of two slot-machines is more likely to lead to one of the banknotes.</a:t>
-            </a:r>
-          </a:p>
-          <a:p>
-            <a:r>
-              <a:rPr lang="en-GB" dirty="0" smtClean="0"/>
-              <a:t>You’ll be shown one of the banknotes as well as two of the slot machines. You’ll need to use the number keys to answer which of the two slot machine is more likely to lead to the banknote being shown.</a:t>
-            </a:r>
-          </a:p>
-          <a:p>
-            <a:r>
-              <a:rPr lang="en-GB" b="1" dirty="0" smtClean="0"/>
-              <a:t>Your correctness on these questions will also affect your bonus.</a:t>
-            </a:r>
+              <a:t>HOUSE Banknote</a:t>
+            </a:r>
+            <a:endParaRPr lang="en-GB" dirty="0"/>
           </a:p>
         </p:txBody>
       </p:sp>
     </p:spTree>
     <p:extLst>
       <p:ext uri="{BB962C8B-B14F-4D97-AF65-F5344CB8AC3E}">
-        <p14:creationId xmlns:p14="http://schemas.microsoft.com/office/powerpoint/2010/main" val="2462268897"/>
+        <p14:creationId xmlns:p14="http://schemas.microsoft.com/office/powerpoint/2010/main" val="3116549719"/>
       </p:ext>
     </p:extLst>
   </p:cSld>
@@ -7690,26 +7656,818 @@
             <p:ph idx="1"/>
           </p:nvPr>
         </p:nvSpPr>
-        <p:spPr/>
-        <p:txBody>
-          <a:bodyPr/>
+        <p:spPr>
+          <a:xfrm>
+            <a:off x="316521" y="112542"/>
+            <a:ext cx="4850687" cy="5760403"/>
+          </a:xfrm>
+        </p:spPr>
+        <p:txBody>
+          <a:bodyPr>
+            <a:noAutofit/>
+          </a:bodyPr>
+          <a:lstStyle/>
+          <a:p>
+            <a:pPr algn="just"/>
+            <a:r>
+              <a:rPr lang="en-GB" sz="2200" dirty="0" smtClean="0"/>
+              <a:t>On each game in this task you </a:t>
+            </a:r>
+            <a:r>
+              <a:rPr lang="en-GB" sz="2200" dirty="0"/>
+              <a:t>will be presented with one of the slot machines that </a:t>
+            </a:r>
+            <a:r>
+              <a:rPr lang="en-GB" sz="2200" dirty="0" smtClean="0"/>
+              <a:t>were </a:t>
+            </a:r>
+            <a:r>
+              <a:rPr lang="en-GB" sz="2200" dirty="0"/>
+              <a:t>in the previous </a:t>
+            </a:r>
+            <a:r>
+              <a:rPr lang="en-GB" sz="2200" dirty="0" smtClean="0"/>
+              <a:t>task.</a:t>
+            </a:r>
+          </a:p>
+          <a:p>
+            <a:pPr algn="just"/>
+            <a:r>
+              <a:rPr lang="en-GB" sz="2200" dirty="0" smtClean="0"/>
+              <a:t>Now, you </a:t>
+            </a:r>
+            <a:r>
+              <a:rPr lang="en-GB" sz="2200" dirty="0"/>
+              <a:t>can choose </a:t>
+            </a:r>
+            <a:r>
+              <a:rPr lang="en-GB" sz="2200" dirty="0" smtClean="0"/>
+              <a:t>either </a:t>
+            </a:r>
+            <a:r>
+              <a:rPr lang="en-GB" sz="2200" dirty="0"/>
+              <a:t>to </a:t>
+            </a:r>
+            <a:r>
+              <a:rPr lang="en-GB" sz="2200" b="1" dirty="0"/>
+              <a:t>play</a:t>
+            </a:r>
+            <a:r>
+              <a:rPr lang="en-GB" sz="2200" dirty="0"/>
+              <a:t> the slot machine or to </a:t>
+            </a:r>
+            <a:r>
+              <a:rPr lang="en-GB" sz="2200" b="1" dirty="0"/>
+              <a:t>reject</a:t>
+            </a:r>
+            <a:r>
+              <a:rPr lang="en-GB" sz="2200" dirty="0"/>
+              <a:t> </a:t>
+            </a:r>
+            <a:r>
+              <a:rPr lang="en-GB" sz="2200" dirty="0" smtClean="0"/>
+              <a:t>it.</a:t>
+            </a:r>
+          </a:p>
+          <a:p>
+            <a:pPr algn="just"/>
+            <a:r>
+              <a:rPr lang="en-GB" sz="2200" b="1" dirty="0"/>
+              <a:t>P</a:t>
+            </a:r>
+            <a:r>
+              <a:rPr lang="en-GB" sz="2200" b="1" dirty="0" smtClean="0"/>
+              <a:t>laying</a:t>
+            </a:r>
+            <a:r>
+              <a:rPr lang="en-GB" sz="2200" dirty="0" smtClean="0"/>
+              <a:t> (key 1) a </a:t>
+            </a:r>
+            <a:r>
+              <a:rPr lang="en-GB" sz="2200" dirty="0"/>
+              <a:t>slot </a:t>
+            </a:r>
+            <a:r>
+              <a:rPr lang="en-GB" sz="2200" dirty="0" smtClean="0"/>
+              <a:t>machine will produce either the </a:t>
+            </a:r>
+            <a:r>
+              <a:rPr lang="en-GB" sz="2200" b="1" dirty="0" smtClean="0"/>
+              <a:t>SCISSORS</a:t>
+            </a:r>
+            <a:r>
+              <a:rPr lang="en-GB" sz="2200" dirty="0" smtClean="0"/>
+              <a:t> or </a:t>
+            </a:r>
+            <a:r>
+              <a:rPr lang="en-GB" sz="2200" b="1" dirty="0" smtClean="0"/>
+              <a:t>GIRL</a:t>
+            </a:r>
+            <a:r>
+              <a:rPr lang="en-GB" sz="2200" dirty="0" smtClean="0"/>
+              <a:t> banknote.</a:t>
+            </a:r>
+          </a:p>
+          <a:p>
+            <a:pPr algn="just"/>
+            <a:r>
+              <a:rPr lang="en-GB" sz="2200" dirty="0" smtClean="0"/>
+              <a:t>The </a:t>
+            </a:r>
+            <a:r>
+              <a:rPr lang="en-GB" sz="2200" b="1" dirty="0"/>
+              <a:t>chances</a:t>
+            </a:r>
+            <a:r>
+              <a:rPr lang="en-GB" sz="2200" dirty="0"/>
+              <a:t> of </a:t>
+            </a:r>
+            <a:r>
+              <a:rPr lang="en-GB" sz="2200" dirty="0" smtClean="0"/>
+              <a:t>a given </a:t>
+            </a:r>
+            <a:r>
+              <a:rPr lang="en-GB" sz="2200" dirty="0"/>
+              <a:t>slot machine producing either of these two banknotes will be the </a:t>
+            </a:r>
+            <a:r>
+              <a:rPr lang="en-GB" sz="2200" b="1" dirty="0"/>
+              <a:t>same as </a:t>
+            </a:r>
+            <a:r>
+              <a:rPr lang="en-GB" sz="2200" b="1" dirty="0" smtClean="0"/>
+              <a:t>what you were just tested on</a:t>
+            </a:r>
+            <a:r>
+              <a:rPr lang="en-GB" sz="2200" dirty="0" smtClean="0"/>
+              <a:t>. </a:t>
+            </a:r>
+            <a:r>
+              <a:rPr lang="en-GB" sz="2200" dirty="0" smtClean="0"/>
+              <a:t>These chances will </a:t>
+            </a:r>
+            <a:r>
+              <a:rPr lang="en-GB" sz="2200" b="1" dirty="0" smtClean="0"/>
+              <a:t>not change </a:t>
+            </a:r>
+            <a:r>
+              <a:rPr lang="en-GB" sz="2200" dirty="0" smtClean="0"/>
+              <a:t>over the course of the task.</a:t>
+            </a:r>
+          </a:p>
+          <a:p>
+            <a:pPr algn="just"/>
+            <a:r>
+              <a:rPr lang="en-GB" sz="2200" dirty="0" smtClean="0"/>
+              <a:t>You can also reject </a:t>
+            </a:r>
+            <a:r>
+              <a:rPr lang="en-GB" sz="2200" dirty="0"/>
+              <a:t>a slot </a:t>
+            </a:r>
+            <a:r>
+              <a:rPr lang="en-GB" sz="2200" dirty="0" smtClean="0"/>
+              <a:t>machine (key 2). </a:t>
+            </a:r>
+            <a:r>
+              <a:rPr lang="en-GB" sz="2200" dirty="0"/>
+              <a:t>If you reject a slot machine, you will always get the </a:t>
+            </a:r>
+            <a:r>
+              <a:rPr lang="en-GB" sz="2200" b="1" dirty="0" smtClean="0"/>
+              <a:t>HOUSE</a:t>
+            </a:r>
+            <a:r>
+              <a:rPr lang="en-GB" sz="2200" dirty="0" smtClean="0"/>
+              <a:t> banknote.</a:t>
+            </a:r>
+            <a:endParaRPr lang="en-GB" sz="2200" dirty="0"/>
+          </a:p>
+        </p:txBody>
+      </p:sp>
+      <p:sp>
+        <p:nvSpPr>
+          <p:cNvPr id="4" name="Rectangle 3"/>
+          <p:cNvSpPr/>
+          <p:nvPr/>
+        </p:nvSpPr>
+        <p:spPr>
+          <a:xfrm>
+            <a:off x="5940819" y="4988140"/>
+            <a:ext cx="1512000" cy="828000"/>
+          </a:xfrm>
+          <a:prstGeom prst="rect">
+            <a:avLst/>
+          </a:prstGeom>
+          <a:solidFill>
+            <a:srgbClr val="635C52"/>
+          </a:solidFill>
+        </p:spPr>
+        <p:style>
+          <a:lnRef idx="1">
+            <a:schemeClr val="accent1"/>
+          </a:lnRef>
+          <a:fillRef idx="3">
+            <a:schemeClr val="accent1"/>
+          </a:fillRef>
+          <a:effectRef idx="2">
+            <a:schemeClr val="accent1"/>
+          </a:effectRef>
+          <a:fontRef idx="minor">
+            <a:schemeClr val="lt1"/>
+          </a:fontRef>
+        </p:style>
+        <p:txBody>
+          <a:bodyPr rtlCol="0" anchor="ctr"/>
+          <a:lstStyle/>
+          <a:p>
+            <a:pPr algn="ctr"/>
+            <a:endParaRPr lang="en-GB"/>
+          </a:p>
+        </p:txBody>
+      </p:sp>
+      <p:pic>
+        <p:nvPicPr>
+          <p:cNvPr id="5" name="Picture 4"/>
+          <p:cNvPicPr>
+            <a:picLocks noChangeAspect="1"/>
+          </p:cNvPicPr>
+          <p:nvPr/>
+        </p:nvPicPr>
+        <p:blipFill>
+          <a:blip r:embed="rId2">
+            <a:extLst>
+              <a:ext uri="{28A0092B-C50C-407E-A947-70E740481C1C}">
+                <a14:useLocalDpi xmlns:a14="http://schemas.microsoft.com/office/drawing/2010/main" val="0"/>
+              </a:ext>
+            </a:extLst>
+          </a:blip>
+          <a:stretch>
+            <a:fillRect/>
+          </a:stretch>
+        </p:blipFill>
+        <p:spPr>
+          <a:xfrm>
+            <a:off x="6041759" y="5057362"/>
+            <a:ext cx="684000" cy="684000"/>
+          </a:xfrm>
+          <a:prstGeom prst="rect">
+            <a:avLst/>
+          </a:prstGeom>
+        </p:spPr>
+      </p:pic>
+      <p:sp>
+        <p:nvSpPr>
+          <p:cNvPr id="6" name="TextBox 5"/>
+          <p:cNvSpPr txBox="1"/>
+          <p:nvPr/>
+        </p:nvSpPr>
+        <p:spPr>
+          <a:xfrm>
+            <a:off x="6800720" y="5223200"/>
+            <a:ext cx="577929" cy="369332"/>
+          </a:xfrm>
+          <a:prstGeom prst="rect">
+            <a:avLst/>
+          </a:prstGeom>
+          <a:noFill/>
+        </p:spPr>
+        <p:txBody>
+          <a:bodyPr wrap="square" rtlCol="0">
+            <a:spAutoFit/>
+          </a:bodyPr>
+          <a:lstStyle/>
+          <a:p>
+            <a:r>
+              <a:rPr lang="en-GB" dirty="0" smtClean="0">
+                <a:solidFill>
+                  <a:srgbClr val="FFFF00"/>
+                </a:solidFill>
+              </a:rPr>
+              <a:t>XX</a:t>
+            </a:r>
+            <a:endParaRPr lang="en-GB" dirty="0">
+              <a:solidFill>
+                <a:srgbClr val="FFFF00"/>
+              </a:solidFill>
+            </a:endParaRPr>
+          </a:p>
+        </p:txBody>
+      </p:sp>
+      <p:sp>
+        <p:nvSpPr>
+          <p:cNvPr id="7" name="Rectangle 6"/>
+          <p:cNvSpPr/>
+          <p:nvPr/>
+        </p:nvSpPr>
+        <p:spPr>
+          <a:xfrm>
+            <a:off x="5590209" y="4102344"/>
+            <a:ext cx="1363578" cy="369332"/>
+          </a:xfrm>
+          <a:prstGeom prst="rect">
+            <a:avLst/>
+          </a:prstGeom>
+        </p:spPr>
+        <p:txBody>
+          <a:bodyPr wrap="none">
+            <a:spAutoFit/>
+          </a:bodyPr>
           <a:lstStyle/>
           <a:p>
             <a:r>
               <a:rPr lang="en-GB" dirty="0" smtClean="0"/>
-              <a:t>The task will have interleaved blocks between playing the slot machines and the quiz questions.</a:t>
-            </a:r>
-          </a:p>
-          <a:p>
+              <a:t>If you </a:t>
+            </a:r>
+            <a:r>
+              <a:rPr lang="en-GB" b="1" dirty="0" smtClean="0"/>
+              <a:t>reject</a:t>
+            </a:r>
             <a:r>
               <a:rPr lang="en-GB" dirty="0" smtClean="0"/>
-              <a:t>Before we begin, you’ll need to pass a quiz on the instructions. Getting a question wrong will require you to re-start the instructions (you will not have to re-do the practice games though).</a:t>
-            </a:r>
-          </a:p>
-          <a:p>
-            <a:pPr marL="0" indent="0">
-              <a:buNone/>
-            </a:pPr>
+              <a:t>:</a:t>
+            </a:r>
+            <a:endParaRPr lang="en-GB" dirty="0"/>
+          </a:p>
+        </p:txBody>
+      </p:sp>
+      <p:sp>
+        <p:nvSpPr>
+          <p:cNvPr id="15" name="Rectangle 14"/>
+          <p:cNvSpPr/>
+          <p:nvPr/>
+        </p:nvSpPr>
+        <p:spPr>
+          <a:xfrm>
+            <a:off x="7561362" y="2221280"/>
+            <a:ext cx="1512000" cy="828000"/>
+          </a:xfrm>
+          <a:prstGeom prst="rect">
+            <a:avLst/>
+          </a:prstGeom>
+          <a:solidFill>
+            <a:srgbClr val="635C52"/>
+          </a:solidFill>
+        </p:spPr>
+        <p:style>
+          <a:lnRef idx="1">
+            <a:schemeClr val="accent1"/>
+          </a:lnRef>
+          <a:fillRef idx="3">
+            <a:schemeClr val="accent1"/>
+          </a:fillRef>
+          <a:effectRef idx="2">
+            <a:schemeClr val="accent1"/>
+          </a:effectRef>
+          <a:fontRef idx="minor">
+            <a:schemeClr val="lt1"/>
+          </a:fontRef>
+        </p:style>
+        <p:txBody>
+          <a:bodyPr rtlCol="0" anchor="ctr"/>
+          <a:lstStyle/>
+          <a:p>
+            <a:pPr algn="ctr"/>
+            <a:endParaRPr lang="en-GB"/>
+          </a:p>
+        </p:txBody>
+      </p:sp>
+      <p:sp>
+        <p:nvSpPr>
+          <p:cNvPr id="16" name="Rectangle 15"/>
+          <p:cNvSpPr/>
+          <p:nvPr/>
+        </p:nvSpPr>
+        <p:spPr>
+          <a:xfrm>
+            <a:off x="5523858" y="2182679"/>
+            <a:ext cx="1512000" cy="828000"/>
+          </a:xfrm>
+          <a:prstGeom prst="rect">
+            <a:avLst/>
+          </a:prstGeom>
+          <a:solidFill>
+            <a:srgbClr val="635C52"/>
+          </a:solidFill>
+        </p:spPr>
+        <p:style>
+          <a:lnRef idx="1">
+            <a:schemeClr val="accent1"/>
+          </a:lnRef>
+          <a:fillRef idx="3">
+            <a:schemeClr val="accent1"/>
+          </a:fillRef>
+          <a:effectRef idx="2">
+            <a:schemeClr val="accent1"/>
+          </a:effectRef>
+          <a:fontRef idx="minor">
+            <a:schemeClr val="lt1"/>
+          </a:fontRef>
+        </p:style>
+        <p:txBody>
+          <a:bodyPr rtlCol="0" anchor="ctr"/>
+          <a:lstStyle/>
+          <a:p>
+            <a:pPr algn="ctr"/>
+            <a:endParaRPr lang="en-GB"/>
+          </a:p>
+        </p:txBody>
+      </p:sp>
+      <p:sp>
+        <p:nvSpPr>
+          <p:cNvPr id="17" name="TextBox 16"/>
+          <p:cNvSpPr txBox="1"/>
+          <p:nvPr/>
+        </p:nvSpPr>
+        <p:spPr>
+          <a:xfrm>
+            <a:off x="8448225" y="2449809"/>
+            <a:ext cx="577929" cy="369332"/>
+          </a:xfrm>
+          <a:prstGeom prst="rect">
+            <a:avLst/>
+          </a:prstGeom>
+          <a:noFill/>
+        </p:spPr>
+        <p:txBody>
+          <a:bodyPr wrap="square" rtlCol="0">
+            <a:spAutoFit/>
+          </a:bodyPr>
+          <a:lstStyle/>
+          <a:p>
+            <a:r>
+              <a:rPr lang="en-GB" dirty="0" smtClean="0">
+                <a:solidFill>
+                  <a:srgbClr val="FFFF00"/>
+                </a:solidFill>
+              </a:rPr>
+              <a:t>XX</a:t>
+            </a:r>
+            <a:endParaRPr lang="en-GB" dirty="0">
+              <a:solidFill>
+                <a:srgbClr val="FFFF00"/>
+              </a:solidFill>
+            </a:endParaRPr>
+          </a:p>
+        </p:txBody>
+      </p:sp>
+      <p:sp>
+        <p:nvSpPr>
+          <p:cNvPr id="18" name="TextBox 17"/>
+          <p:cNvSpPr txBox="1"/>
+          <p:nvPr/>
+        </p:nvSpPr>
+        <p:spPr>
+          <a:xfrm>
+            <a:off x="6383759" y="2417739"/>
+            <a:ext cx="577929" cy="369332"/>
+          </a:xfrm>
+          <a:prstGeom prst="rect">
+            <a:avLst/>
+          </a:prstGeom>
+          <a:noFill/>
+        </p:spPr>
+        <p:txBody>
+          <a:bodyPr wrap="square" rtlCol="0">
+            <a:spAutoFit/>
+          </a:bodyPr>
+          <a:lstStyle/>
+          <a:p>
+            <a:r>
+              <a:rPr lang="en-GB" dirty="0" smtClean="0">
+                <a:solidFill>
+                  <a:srgbClr val="FFFF00"/>
+                </a:solidFill>
+              </a:rPr>
+              <a:t>XX</a:t>
+            </a:r>
+            <a:endParaRPr lang="en-GB" dirty="0">
+              <a:solidFill>
+                <a:srgbClr val="FFFF00"/>
+              </a:solidFill>
+            </a:endParaRPr>
+          </a:p>
+        </p:txBody>
+      </p:sp>
+      <p:sp>
+        <p:nvSpPr>
+          <p:cNvPr id="19" name="TextBox 18"/>
+          <p:cNvSpPr txBox="1"/>
+          <p:nvPr/>
+        </p:nvSpPr>
+        <p:spPr>
+          <a:xfrm>
+            <a:off x="7119041" y="1822715"/>
+            <a:ext cx="2065048" cy="369332"/>
+          </a:xfrm>
+          <a:prstGeom prst="rect">
+            <a:avLst/>
+          </a:prstGeom>
+          <a:noFill/>
+        </p:spPr>
+        <p:txBody>
+          <a:bodyPr wrap="square" rtlCol="0">
+            <a:spAutoFit/>
+          </a:bodyPr>
+          <a:lstStyle/>
+          <a:p>
+            <a:r>
+              <a:rPr lang="en-GB" dirty="0" smtClean="0"/>
+              <a:t>SCISSORS Banknote</a:t>
+            </a:r>
+            <a:endParaRPr lang="en-GB" dirty="0"/>
+          </a:p>
+        </p:txBody>
+      </p:sp>
+      <p:sp>
+        <p:nvSpPr>
+          <p:cNvPr id="20" name="TextBox 19"/>
+          <p:cNvSpPr txBox="1"/>
+          <p:nvPr/>
+        </p:nvSpPr>
+        <p:spPr>
+          <a:xfrm>
+            <a:off x="5404028" y="1788322"/>
+            <a:ext cx="1850065" cy="369332"/>
+          </a:xfrm>
+          <a:prstGeom prst="rect">
+            <a:avLst/>
+          </a:prstGeom>
+          <a:noFill/>
+        </p:spPr>
+        <p:txBody>
+          <a:bodyPr wrap="square" rtlCol="0">
+            <a:spAutoFit/>
+          </a:bodyPr>
+          <a:lstStyle/>
+          <a:p>
+            <a:r>
+              <a:rPr lang="en-GB" dirty="0" smtClean="0"/>
+              <a:t>GIRL Banknote</a:t>
+            </a:r>
+            <a:endParaRPr lang="en-GB" dirty="0"/>
+          </a:p>
+        </p:txBody>
+      </p:sp>
+      <p:pic>
+        <p:nvPicPr>
+          <p:cNvPr id="21" name="Picture 20"/>
+          <p:cNvPicPr>
+            <a:picLocks noChangeAspect="1"/>
+          </p:cNvPicPr>
+          <p:nvPr/>
+        </p:nvPicPr>
+        <p:blipFill>
+          <a:blip r:embed="rId3">
+            <a:extLst>
+              <a:ext uri="{28A0092B-C50C-407E-A947-70E740481C1C}">
+                <a14:useLocalDpi xmlns:a14="http://schemas.microsoft.com/office/drawing/2010/main" val="0"/>
+              </a:ext>
+            </a:extLst>
+          </a:blip>
+          <a:stretch>
+            <a:fillRect/>
+          </a:stretch>
+        </p:blipFill>
+        <p:spPr>
+          <a:xfrm>
+            <a:off x="7684455" y="2298058"/>
+            <a:ext cx="684000" cy="684000"/>
+          </a:xfrm>
+          <a:prstGeom prst="rect">
+            <a:avLst/>
+          </a:prstGeom>
+        </p:spPr>
+      </p:pic>
+      <p:pic>
+        <p:nvPicPr>
+          <p:cNvPr id="22" name="Picture 21"/>
+          <p:cNvPicPr>
+            <a:picLocks noChangeAspect="1"/>
+          </p:cNvPicPr>
+          <p:nvPr/>
+        </p:nvPicPr>
+        <p:blipFill>
+          <a:blip r:embed="rId4">
+            <a:extLst>
+              <a:ext uri="{28A0092B-C50C-407E-A947-70E740481C1C}">
+                <a14:useLocalDpi xmlns:a14="http://schemas.microsoft.com/office/drawing/2010/main" val="0"/>
+              </a:ext>
+            </a:extLst>
+          </a:blip>
+          <a:stretch>
+            <a:fillRect/>
+          </a:stretch>
+        </p:blipFill>
+        <p:spPr>
+          <a:xfrm>
+            <a:off x="5625589" y="2246796"/>
+            <a:ext cx="684000" cy="684000"/>
+          </a:xfrm>
+          <a:prstGeom prst="rect">
+            <a:avLst/>
+          </a:prstGeom>
+        </p:spPr>
+      </p:pic>
+      <p:sp>
+        <p:nvSpPr>
+          <p:cNvPr id="23" name="Rectangle 22"/>
+          <p:cNvSpPr/>
+          <p:nvPr/>
+        </p:nvSpPr>
+        <p:spPr>
+          <a:xfrm>
+            <a:off x="5326576" y="1454877"/>
+            <a:ext cx="1224566" cy="369332"/>
+          </a:xfrm>
+          <a:prstGeom prst="rect">
+            <a:avLst/>
+          </a:prstGeom>
+        </p:spPr>
+        <p:txBody>
+          <a:bodyPr wrap="none">
+            <a:spAutoFit/>
+          </a:bodyPr>
+          <a:lstStyle/>
+          <a:p>
+            <a:r>
+              <a:rPr lang="en-GB" dirty="0" smtClean="0"/>
+              <a:t>If </a:t>
+            </a:r>
+            <a:r>
+              <a:rPr lang="en-GB" dirty="0"/>
+              <a:t>you</a:t>
+            </a:r>
+            <a:r>
+              <a:rPr lang="en-GB" dirty="0" smtClean="0"/>
+              <a:t> </a:t>
+            </a:r>
+            <a:r>
+              <a:rPr lang="en-GB" b="1" dirty="0" smtClean="0"/>
+              <a:t>play</a:t>
+            </a:r>
+            <a:r>
+              <a:rPr lang="en-GB" dirty="0" smtClean="0"/>
+              <a:t>:</a:t>
+            </a:r>
+            <a:endParaRPr lang="en-GB" dirty="0"/>
+          </a:p>
+        </p:txBody>
+      </p:sp>
+      <p:sp>
+        <p:nvSpPr>
+          <p:cNvPr id="24" name="Rectangle 23"/>
+          <p:cNvSpPr/>
+          <p:nvPr/>
+        </p:nvSpPr>
+        <p:spPr>
+          <a:xfrm>
+            <a:off x="7053756" y="2403387"/>
+            <a:ext cx="461986" cy="369332"/>
+          </a:xfrm>
+          <a:prstGeom prst="rect">
+            <a:avLst/>
+          </a:prstGeom>
+        </p:spPr>
+        <p:txBody>
+          <a:bodyPr wrap="none">
+            <a:spAutoFit/>
+          </a:bodyPr>
+          <a:lstStyle/>
+          <a:p>
+            <a:r>
+              <a:rPr lang="en-GB" dirty="0" smtClean="0"/>
+              <a:t>OR</a:t>
+            </a:r>
+            <a:endParaRPr lang="en-GB" dirty="0"/>
+          </a:p>
+        </p:txBody>
+      </p:sp>
+      <p:sp>
+        <p:nvSpPr>
+          <p:cNvPr id="25" name="Rectangle 24"/>
+          <p:cNvSpPr/>
+          <p:nvPr/>
+        </p:nvSpPr>
+        <p:spPr>
+          <a:xfrm>
+            <a:off x="5229890" y="1086598"/>
+            <a:ext cx="2331472" cy="369332"/>
+          </a:xfrm>
+          <a:prstGeom prst="rect">
+            <a:avLst/>
+          </a:prstGeom>
+        </p:spPr>
+        <p:txBody>
+          <a:bodyPr wrap="none">
+            <a:spAutoFit/>
+          </a:bodyPr>
+          <a:lstStyle/>
+          <a:p>
+            <a:r>
+              <a:rPr lang="en-GB" b="1" dirty="0" smtClean="0"/>
+              <a:t>For each slot machine:</a:t>
+            </a:r>
+            <a:endParaRPr lang="en-GB" b="1" dirty="0"/>
+          </a:p>
+        </p:txBody>
+      </p:sp>
+      <p:sp>
+        <p:nvSpPr>
+          <p:cNvPr id="26" name="Rectangle 25"/>
+          <p:cNvSpPr/>
+          <p:nvPr/>
+        </p:nvSpPr>
+        <p:spPr>
+          <a:xfrm>
+            <a:off x="5670859" y="3145843"/>
+            <a:ext cx="2971431" cy="923330"/>
+          </a:xfrm>
+          <a:prstGeom prst="rect">
+            <a:avLst/>
+          </a:prstGeom>
+        </p:spPr>
+        <p:txBody>
+          <a:bodyPr wrap="square">
+            <a:spAutoFit/>
+          </a:bodyPr>
+          <a:lstStyle/>
+          <a:p>
+            <a:r>
+              <a:rPr lang="en-GB" dirty="0" smtClean="0"/>
+              <a:t>Chances of GIRL or SCISSORS depend on </a:t>
+            </a:r>
+            <a:r>
+              <a:rPr lang="en-GB" b="1" dirty="0" smtClean="0"/>
+              <a:t>which</a:t>
+            </a:r>
+            <a:r>
+              <a:rPr lang="en-GB" dirty="0" smtClean="0"/>
+              <a:t> slot machine is played</a:t>
+            </a:r>
+            <a:r>
+              <a:rPr lang="en-GB" dirty="0" smtClean="0"/>
+              <a:t>.</a:t>
+            </a:r>
+            <a:endParaRPr lang="en-GB" dirty="0"/>
+          </a:p>
+        </p:txBody>
+      </p:sp>
+      <p:sp>
+        <p:nvSpPr>
+          <p:cNvPr id="27" name="Rectangle 26"/>
+          <p:cNvSpPr/>
+          <p:nvPr/>
+        </p:nvSpPr>
+        <p:spPr>
+          <a:xfrm>
+            <a:off x="5597001" y="5990346"/>
+            <a:ext cx="3571615" cy="646331"/>
+          </a:xfrm>
+          <a:prstGeom prst="rect">
+            <a:avLst/>
+          </a:prstGeom>
+        </p:spPr>
+        <p:txBody>
+          <a:bodyPr wrap="square">
+            <a:spAutoFit/>
+          </a:bodyPr>
+          <a:lstStyle/>
+          <a:p>
+            <a:r>
+              <a:rPr lang="en-GB" dirty="0" smtClean="0"/>
+              <a:t>Rejecting always leads to the HOUSE banknote.</a:t>
+            </a:r>
+            <a:endParaRPr lang="en-GB" dirty="0"/>
+          </a:p>
+        </p:txBody>
+      </p:sp>
+      <p:sp>
+        <p:nvSpPr>
+          <p:cNvPr id="28" name="TextBox 27"/>
+          <p:cNvSpPr txBox="1"/>
+          <p:nvPr/>
+        </p:nvSpPr>
+        <p:spPr>
+          <a:xfrm>
+            <a:off x="5800726" y="4501278"/>
+            <a:ext cx="1850065" cy="369332"/>
+          </a:xfrm>
+          <a:prstGeom prst="rect">
+            <a:avLst/>
+          </a:prstGeom>
+          <a:noFill/>
+        </p:spPr>
+        <p:txBody>
+          <a:bodyPr wrap="square" rtlCol="0">
+            <a:spAutoFit/>
+          </a:bodyPr>
+          <a:lstStyle/>
+          <a:p>
+            <a:r>
+              <a:rPr lang="en-GB" dirty="0" smtClean="0"/>
+              <a:t>HOUSE Banknote</a:t>
+            </a:r>
             <a:endParaRPr lang="en-GB" dirty="0"/>
           </a:p>
         </p:txBody>
@@ -7717,20 +8475,13 @@
     </p:spTree>
     <p:extLst>
       <p:ext uri="{BB962C8B-B14F-4D97-AF65-F5344CB8AC3E}">
-        <p14:creationId xmlns:p14="http://schemas.microsoft.com/office/powerpoint/2010/main" val="3294492562"/>
+        <p14:creationId xmlns:p14="http://schemas.microsoft.com/office/powerpoint/2010/main" val="1898958812"/>
       </p:ext>
     </p:extLst>
   </p:cSld>
   <p:clrMapOvr>
     <a:masterClrMapping/>
   </p:clrMapOvr>
-  <p:timing>
-    <p:tnLst>
-      <p:par>
-        <p:cTn id="1" dur="indefinite" restart="never" nodeType="tmRoot"/>
-      </p:par>
-    </p:tnLst>
-  </p:timing>
 </p:sld>
 </file>
 
@@ -7763,8 +8514,8 @@
         </p:nvSpPr>
         <p:spPr>
           <a:xfrm>
-            <a:off x="457201" y="337626"/>
-            <a:ext cx="4438356" cy="5788538"/>
+            <a:off x="457200" y="414528"/>
+            <a:ext cx="4297680" cy="6266688"/>
           </a:xfrm>
         </p:spPr>
         <p:txBody>
@@ -7773,56 +8524,57 @@
           </a:bodyPr>
           <a:lstStyle/>
           <a:p>
-            <a:pPr algn="just"/>
-            <a:r>
-              <a:rPr lang="en-GB" sz="2200" dirty="0"/>
-              <a:t>Great work! We’ll now continue to the second task. </a:t>
-            </a:r>
-            <a:endParaRPr lang="en-GB" sz="2200" dirty="0" smtClean="0"/>
-          </a:p>
-          <a:p>
-            <a:pPr algn="just"/>
-            <a:r>
-              <a:rPr lang="en-GB" sz="2200" dirty="0"/>
-              <a:t>In this task you’ll play a different game at the same casino. </a:t>
-            </a:r>
-            <a:endParaRPr lang="en-GB" sz="2200" dirty="0" smtClean="0"/>
-          </a:p>
-          <a:p>
-            <a:pPr algn="just"/>
-            <a:r>
-              <a:rPr lang="en-GB" sz="2200" dirty="0" smtClean="0"/>
-              <a:t>This </a:t>
-            </a:r>
-            <a:r>
-              <a:rPr lang="en-GB" sz="2200" dirty="0"/>
-              <a:t>game will use the same two banknotes as before but </a:t>
-            </a:r>
-            <a:r>
-              <a:rPr lang="en-GB" sz="2200" b="1" dirty="0"/>
-              <a:t>will also have a third type of banknote </a:t>
-            </a:r>
-            <a:r>
-              <a:rPr lang="en-GB" sz="2200" dirty="0"/>
-              <a:t>(shown on the right</a:t>
-            </a:r>
-            <a:r>
-              <a:rPr lang="en-GB" sz="2200" dirty="0" smtClean="0"/>
-              <a:t>).</a:t>
-            </a:r>
-          </a:p>
-          <a:p>
-            <a:pPr algn="just"/>
-            <a:r>
-              <a:rPr lang="en-GB" sz="2200" dirty="0" smtClean="0"/>
-              <a:t>It will use the same four slot machines as the last task.</a:t>
-            </a:r>
-          </a:p>
-          <a:p>
-            <a:pPr algn="just"/>
-            <a:r>
-              <a:rPr lang="en-GB" sz="2200" dirty="0" smtClean="0"/>
-              <a:t>On each decision, you’ll collect one of these banknotes.</a:t>
+            <a:r>
+              <a:rPr lang="en-GB" sz="2000" dirty="0"/>
+              <a:t>Before each decision to play or reject a slot machine, you will be shown the point value of each banknote for that </a:t>
+            </a:r>
+            <a:r>
+              <a:rPr lang="en-GB" sz="2000" dirty="0" smtClean="0"/>
+              <a:t>game</a:t>
+            </a:r>
+            <a:r>
+              <a:rPr lang="en-GB" sz="2000" dirty="0"/>
+              <a:t> </a:t>
+            </a:r>
+            <a:r>
+              <a:rPr lang="en-GB" sz="2000" dirty="0" smtClean="0"/>
+              <a:t>(example on the right).</a:t>
+            </a:r>
+          </a:p>
+          <a:p>
+            <a:r>
+              <a:rPr lang="en-GB" sz="2000" dirty="0" smtClean="0"/>
+              <a:t>You </a:t>
+            </a:r>
+            <a:r>
+              <a:rPr lang="en-GB" sz="2000" dirty="0"/>
+              <a:t>must pay attention to </a:t>
+            </a:r>
+            <a:r>
+              <a:rPr lang="en-GB" sz="2000" dirty="0" smtClean="0"/>
+              <a:t>these screens </a:t>
+            </a:r>
+            <a:r>
+              <a:rPr lang="en-GB" sz="2000" dirty="0"/>
+              <a:t>in order to make choices that lead you to </a:t>
+            </a:r>
+            <a:r>
+              <a:rPr lang="en-GB" sz="2000" dirty="0" smtClean="0"/>
+              <a:t>maximize collection of positive points and minimize collection of negative points.</a:t>
+            </a:r>
+          </a:p>
+          <a:p>
+            <a:r>
+              <a:rPr lang="en-GB" sz="2000" dirty="0"/>
+              <a:t>To get used to the timing, let’s just practice a few presentations of the point values of each </a:t>
+            </a:r>
+            <a:r>
+              <a:rPr lang="en-GB" sz="2000" dirty="0" smtClean="0"/>
+              <a:t>banknote. Here</a:t>
+            </a:r>
+            <a:r>
+              <a:rPr lang="en-GB" sz="2000" dirty="0"/>
+              <a:t>, you’ll just be presented with the point values of each bank note and then you’ll be asked what one of their point values is.</a:t>
             </a:r>
           </a:p>
         </p:txBody>
@@ -7835,14 +8587,14 @@
         </p:nvSpPr>
         <p:spPr>
           <a:xfrm>
-            <a:off x="5847217" y="2584152"/>
-            <a:ext cx="1512000" cy="828000"/>
+            <a:off x="5327904" y="694944"/>
+            <a:ext cx="3438144" cy="2852928"/>
           </a:xfrm>
           <a:prstGeom prst="rect">
             <a:avLst/>
           </a:prstGeom>
           <a:solidFill>
-            <a:srgbClr val="635C52"/>
+            <a:srgbClr val="252533"/>
           </a:solidFill>
         </p:spPr>
         <p:style>
@@ -7876,7 +8628,7 @@
         </p:nvSpPr>
         <p:spPr>
           <a:xfrm>
-            <a:off x="5820461" y="1355007"/>
+            <a:off x="5478831" y="1200680"/>
             <a:ext cx="1512000" cy="828000"/>
           </a:xfrm>
           <a:prstGeom prst="rect">
@@ -7917,7 +8669,7 @@
         </p:nvSpPr>
         <p:spPr>
           <a:xfrm>
-            <a:off x="6734080" y="2812681"/>
+            <a:off x="6365694" y="1517581"/>
             <a:ext cx="577929" cy="369332"/>
           </a:xfrm>
           <a:prstGeom prst="rect">
@@ -7937,7 +8689,7 @@
                   <a:srgbClr val="FFFF00"/>
                 </a:solidFill>
               </a:rPr>
-              <a:t>XX</a:t>
+              <a:t>72</a:t>
             </a:r>
             <a:endParaRPr lang="en-GB" dirty="0">
               <a:solidFill>
@@ -7947,107 +8699,9 @@
           </a:p>
         </p:txBody>
       </p:sp>
-      <p:sp>
-        <p:nvSpPr>
-          <p:cNvPr id="7" name="TextBox 6"/>
-          <p:cNvSpPr txBox="1"/>
-          <p:nvPr/>
-        </p:nvSpPr>
-        <p:spPr>
-          <a:xfrm>
-            <a:off x="6680362" y="1590067"/>
-            <a:ext cx="577929" cy="369332"/>
-          </a:xfrm>
-          <a:prstGeom prst="rect">
-            <a:avLst/>
-          </a:prstGeom>
-          <a:noFill/>
-        </p:spPr>
-        <p:txBody>
-          <a:bodyPr wrap="square" rtlCol="0">
-            <a:spAutoFit/>
-          </a:bodyPr>
-          <a:lstStyle/>
-          <a:p>
-            <a:r>
-              <a:rPr lang="en-GB" dirty="0" smtClean="0">
-                <a:solidFill>
-                  <a:srgbClr val="FFFF00"/>
-                </a:solidFill>
-              </a:rPr>
-              <a:t>XX</a:t>
-            </a:r>
-            <a:endParaRPr lang="en-GB" dirty="0">
-              <a:solidFill>
-                <a:srgbClr val="FFFF00"/>
-              </a:solidFill>
-            </a:endParaRPr>
-          </a:p>
-        </p:txBody>
-      </p:sp>
-      <p:sp>
-        <p:nvSpPr>
-          <p:cNvPr id="8" name="TextBox 7"/>
-          <p:cNvSpPr txBox="1"/>
-          <p:nvPr/>
-        </p:nvSpPr>
-        <p:spPr>
-          <a:xfrm>
-            <a:off x="5666769" y="2171511"/>
-            <a:ext cx="2065048" cy="369332"/>
-          </a:xfrm>
-          <a:prstGeom prst="rect">
-            <a:avLst/>
-          </a:prstGeom>
-          <a:noFill/>
-        </p:spPr>
-        <p:txBody>
-          <a:bodyPr wrap="square" rtlCol="0">
-            <a:spAutoFit/>
-          </a:bodyPr>
-          <a:lstStyle/>
-          <a:p>
-            <a:r>
-              <a:rPr lang="en-GB" dirty="0" smtClean="0"/>
-              <a:t>SCISSORS Banknote</a:t>
-            </a:r>
-            <a:endParaRPr lang="en-GB" dirty="0"/>
-          </a:p>
-        </p:txBody>
-      </p:sp>
-      <p:sp>
-        <p:nvSpPr>
-          <p:cNvPr id="9" name="TextBox 8"/>
-          <p:cNvSpPr txBox="1"/>
-          <p:nvPr/>
-        </p:nvSpPr>
-        <p:spPr>
-          <a:xfrm>
-            <a:off x="5694839" y="984556"/>
-            <a:ext cx="1850065" cy="369332"/>
-          </a:xfrm>
-          <a:prstGeom prst="rect">
-            <a:avLst/>
-          </a:prstGeom>
-          <a:noFill/>
-        </p:spPr>
-        <p:txBody>
-          <a:bodyPr wrap="square" rtlCol="0">
-            <a:spAutoFit/>
-          </a:bodyPr>
-          <a:lstStyle/>
-          <a:p>
-            <a:r>
-              <a:rPr lang="en-GB" dirty="0" smtClean="0"/>
-              <a:t>GIRL Banknote</a:t>
-            </a:r>
-            <a:endParaRPr lang="en-GB" dirty="0"/>
-          </a:p>
-        </p:txBody>
-      </p:sp>
       <p:pic>
         <p:nvPicPr>
-          <p:cNvPr id="10" name="Picture 9"/>
+          <p:cNvPr id="7" name="Picture 6"/>
           <p:cNvPicPr>
             <a:picLocks noChangeAspect="1"/>
           </p:cNvPicPr>
@@ -8067,7 +8721,7 @@
         </p:blipFill>
         <p:spPr>
           <a:xfrm>
-            <a:off x="5970310" y="2660930"/>
+            <a:off x="5601924" y="1288830"/>
             <a:ext cx="684000" cy="684000"/>
           </a:xfrm>
           <a:prstGeom prst="rect">
@@ -8075,6 +8729,114 @@
           </a:prstGeom>
         </p:spPr>
       </p:pic>
+      <p:sp>
+        <p:nvSpPr>
+          <p:cNvPr id="8" name="Rectangle 7"/>
+          <p:cNvSpPr/>
+          <p:nvPr/>
+        </p:nvSpPr>
+        <p:spPr>
+          <a:xfrm>
+            <a:off x="6132829" y="313330"/>
+            <a:ext cx="1848391" cy="338554"/>
+          </a:xfrm>
+          <a:prstGeom prst="rect">
+            <a:avLst/>
+          </a:prstGeom>
+        </p:spPr>
+        <p:txBody>
+          <a:bodyPr wrap="none">
+            <a:spAutoFit/>
+          </a:bodyPr>
+          <a:lstStyle/>
+          <a:p>
+            <a:r>
+              <a:rPr lang="en-GB" sz="1600" dirty="0" smtClean="0"/>
+              <a:t>Hypothetical game :</a:t>
+            </a:r>
+            <a:endParaRPr lang="en-GB" sz="1600" dirty="0"/>
+          </a:p>
+        </p:txBody>
+      </p:sp>
+      <p:sp>
+        <p:nvSpPr>
+          <p:cNvPr id="9" name="Rectangle 8"/>
+          <p:cNvSpPr/>
+          <p:nvPr/>
+        </p:nvSpPr>
+        <p:spPr>
+          <a:xfrm>
+            <a:off x="5502635" y="2233681"/>
+            <a:ext cx="1512000" cy="828000"/>
+          </a:xfrm>
+          <a:prstGeom prst="rect">
+            <a:avLst/>
+          </a:prstGeom>
+          <a:solidFill>
+            <a:srgbClr val="635C52"/>
+          </a:solidFill>
+        </p:spPr>
+        <p:style>
+          <a:lnRef idx="1">
+            <a:schemeClr val="accent1"/>
+          </a:lnRef>
+          <a:fillRef idx="3">
+            <a:schemeClr val="accent1"/>
+          </a:fillRef>
+          <a:effectRef idx="2">
+            <a:schemeClr val="accent1"/>
+          </a:effectRef>
+          <a:fontRef idx="minor">
+            <a:schemeClr val="lt1"/>
+          </a:fontRef>
+        </p:style>
+        <p:txBody>
+          <a:bodyPr rtlCol="0" anchor="ctr"/>
+          <a:lstStyle/>
+          <a:p>
+            <a:pPr algn="ctr"/>
+            <a:endParaRPr lang="en-GB"/>
+          </a:p>
+        </p:txBody>
+      </p:sp>
+      <p:sp>
+        <p:nvSpPr>
+          <p:cNvPr id="10" name="TextBox 9"/>
+          <p:cNvSpPr txBox="1"/>
+          <p:nvPr/>
+        </p:nvSpPr>
+        <p:spPr>
+          <a:xfrm>
+            <a:off x="6412902" y="2448489"/>
+            <a:ext cx="577929" cy="369332"/>
+          </a:xfrm>
+          <a:prstGeom prst="rect">
+            <a:avLst/>
+          </a:prstGeom>
+          <a:noFill/>
+        </p:spPr>
+        <p:txBody>
+          <a:bodyPr wrap="square" rtlCol="0">
+            <a:spAutoFit/>
+          </a:bodyPr>
+          <a:lstStyle/>
+          <a:p>
+            <a:r>
+              <a:rPr lang="en-GB" dirty="0" smtClean="0">
+                <a:solidFill>
+                  <a:srgbClr val="FFFF00"/>
+                </a:solidFill>
+              </a:rPr>
+              <a:t>8</a:t>
+            </a:r>
+            <a:endParaRPr lang="en-GB" dirty="0">
+              <a:solidFill>
+                <a:srgbClr val="FFFF00"/>
+              </a:solidFill>
+            </a:endParaRPr>
+          </a:p>
+        </p:txBody>
+      </p:sp>
       <p:pic>
         <p:nvPicPr>
           <p:cNvPr id="11" name="Picture 10"/>
@@ -8097,7 +8859,7 @@
         </p:blipFill>
         <p:spPr>
           <a:xfrm>
-            <a:off x="5922192" y="1419124"/>
+            <a:off x="5640664" y="2305681"/>
             <a:ext cx="684000" cy="684000"/>
           </a:xfrm>
           <a:prstGeom prst="rect">
@@ -8113,7 +8875,35 @@
         </p:nvSpPr>
         <p:spPr>
           <a:xfrm>
-            <a:off x="5824494" y="3824829"/>
+            <a:off x="5578260" y="3844423"/>
+            <a:ext cx="2825141" cy="1569660"/>
+          </a:xfrm>
+          <a:prstGeom prst="rect">
+            <a:avLst/>
+          </a:prstGeom>
+        </p:spPr>
+        <p:txBody>
+          <a:bodyPr wrap="square">
+            <a:spAutoFit/>
+          </a:bodyPr>
+          <a:lstStyle/>
+          <a:p>
+            <a:r>
+              <a:rPr lang="en-GB" sz="1200" dirty="0" smtClean="0"/>
+              <a:t>This screen from a hypothetical game shows that for this game, if you PLAY the slot machine, you will either get the SCISSORS banknote and collect 72 points or the GIRL banknote and collect 8 points. If you reject the slot machine, you’ll get the HOUSE banknote and collect 48 points.</a:t>
+            </a:r>
+          </a:p>
+        </p:txBody>
+      </p:sp>
+      <p:sp>
+        <p:nvSpPr>
+          <p:cNvPr id="13" name="Rectangle 12"/>
+          <p:cNvSpPr/>
+          <p:nvPr/>
+        </p:nvSpPr>
+        <p:spPr>
+          <a:xfrm>
+            <a:off x="7080290" y="1662018"/>
             <a:ext cx="1512000" cy="828000"/>
           </a:xfrm>
           <a:prstGeom prst="rect">
@@ -8146,9 +8936,47 @@
           </a:p>
         </p:txBody>
       </p:sp>
+      <p:sp>
+        <p:nvSpPr>
+          <p:cNvPr id="14" name="TextBox 13"/>
+          <p:cNvSpPr txBox="1"/>
+          <p:nvPr/>
+        </p:nvSpPr>
+        <p:spPr>
+          <a:xfrm>
+            <a:off x="7940191" y="1897078"/>
+            <a:ext cx="577929" cy="369332"/>
+          </a:xfrm>
+          <a:prstGeom prst="rect">
+            <a:avLst/>
+          </a:prstGeom>
+          <a:noFill/>
+        </p:spPr>
+        <p:txBody>
+          <a:bodyPr wrap="square" rtlCol="0">
+            <a:spAutoFit/>
+          </a:bodyPr>
+          <a:lstStyle/>
+          <a:p>
+            <a:r>
+              <a:rPr lang="en-GB" dirty="0" smtClean="0">
+                <a:solidFill>
+                  <a:srgbClr val="FFFF00"/>
+                </a:solidFill>
+              </a:rPr>
+              <a:t>48</a:t>
+            </a:r>
+            <a:endParaRPr lang="en-GB" dirty="0">
+              <a:solidFill>
+                <a:srgbClr val="FFFF00"/>
+              </a:solidFill>
+            </a:endParaRPr>
+          </a:p>
+        </p:txBody>
+      </p:sp>
       <p:pic>
         <p:nvPicPr>
-          <p:cNvPr id="13" name="Picture 12"/>
+          <p:cNvPr id="16" name="Picture 15"/>
           <p:cNvPicPr>
             <a:picLocks noChangeAspect="1"/>
           </p:cNvPicPr>
@@ -8168,7 +8996,7 @@
         </p:blipFill>
         <p:spPr>
           <a:xfrm>
-            <a:off x="5925434" y="3894051"/>
+            <a:off x="7152664" y="1740073"/>
             <a:ext cx="684000" cy="684000"/>
           </a:xfrm>
           <a:prstGeom prst="rect">
@@ -8176,107 +9004,10 @@
           </a:prstGeom>
         </p:spPr>
       </p:pic>
-      <p:sp>
-        <p:nvSpPr>
-          <p:cNvPr id="14" name="TextBox 13"/>
-          <p:cNvSpPr txBox="1"/>
-          <p:nvPr/>
-        </p:nvSpPr>
-        <p:spPr>
-          <a:xfrm>
-            <a:off x="6684395" y="4059889"/>
-            <a:ext cx="577929" cy="369332"/>
-          </a:xfrm>
-          <a:prstGeom prst="rect">
-            <a:avLst/>
-          </a:prstGeom>
-          <a:noFill/>
-        </p:spPr>
-        <p:txBody>
-          <a:bodyPr wrap="square" rtlCol="0">
-            <a:spAutoFit/>
-          </a:bodyPr>
-          <a:lstStyle/>
-          <a:p>
-            <a:r>
-              <a:rPr lang="en-GB" dirty="0" smtClean="0">
-                <a:solidFill>
-                  <a:srgbClr val="FFFF00"/>
-                </a:solidFill>
-              </a:rPr>
-              <a:t>XX</a:t>
-            </a:r>
-            <a:endParaRPr lang="en-GB" dirty="0">
-              <a:solidFill>
-                <a:srgbClr val="FFFF00"/>
-              </a:solidFill>
-            </a:endParaRPr>
-          </a:p>
-        </p:txBody>
-      </p:sp>
-      <p:sp>
-        <p:nvSpPr>
-          <p:cNvPr id="15" name="TextBox 14"/>
-          <p:cNvSpPr txBox="1"/>
-          <p:nvPr/>
-        </p:nvSpPr>
-        <p:spPr>
-          <a:xfrm>
-            <a:off x="5698872" y="3454378"/>
-            <a:ext cx="1850065" cy="369332"/>
-          </a:xfrm>
-          <a:prstGeom prst="rect">
-            <a:avLst/>
-          </a:prstGeom>
-          <a:noFill/>
-        </p:spPr>
-        <p:txBody>
-          <a:bodyPr wrap="square" rtlCol="0">
-            <a:spAutoFit/>
-          </a:bodyPr>
-          <a:lstStyle/>
-          <a:p>
-            <a:r>
-              <a:rPr lang="en-GB" dirty="0" smtClean="0"/>
-              <a:t>HOUSE Banknote</a:t>
-            </a:r>
-            <a:endParaRPr lang="en-GB" dirty="0"/>
-          </a:p>
-        </p:txBody>
-      </p:sp>
-      <p:sp>
-        <p:nvSpPr>
-          <p:cNvPr id="16" name="TextBox 15"/>
-          <p:cNvSpPr txBox="1"/>
-          <p:nvPr/>
-        </p:nvSpPr>
-        <p:spPr>
-          <a:xfrm>
-            <a:off x="5651428" y="546881"/>
-            <a:ext cx="2761052" cy="369332"/>
-          </a:xfrm>
-          <a:prstGeom prst="rect">
-            <a:avLst/>
-          </a:prstGeom>
-          <a:noFill/>
-        </p:spPr>
-        <p:txBody>
-          <a:bodyPr wrap="square" rtlCol="0">
-            <a:spAutoFit/>
-          </a:bodyPr>
-          <a:lstStyle/>
-          <a:p>
-            <a:r>
-              <a:rPr lang="en-GB" dirty="0" smtClean="0"/>
-              <a:t>Banknotes in this task:</a:t>
-            </a:r>
-          </a:p>
-        </p:txBody>
-      </p:sp>
     </p:spTree>
     <p:extLst>
       <p:ext uri="{BB962C8B-B14F-4D97-AF65-F5344CB8AC3E}">
-        <p14:creationId xmlns:p14="http://schemas.microsoft.com/office/powerpoint/2010/main" val="2426537474"/>
+        <p14:creationId xmlns:p14="http://schemas.microsoft.com/office/powerpoint/2010/main" val="2194924183"/>
       </p:ext>
     </p:extLst>
   </p:cSld>
@@ -8305,6 +9036,29 @@
       </p:grpSpPr>
       <p:sp>
         <p:nvSpPr>
+          <p:cNvPr id="2" name="Title 1"/>
+          <p:cNvSpPr>
+            <a:spLocks noGrp="1"/>
+          </p:cNvSpPr>
+          <p:nvPr>
+            <p:ph type="title"/>
+          </p:nvPr>
+        </p:nvSpPr>
+        <p:spPr/>
+        <p:txBody>
+          <a:bodyPr/>
+          <a:lstStyle/>
+          <a:p>
+            <a:r>
+              <a:rPr lang="en-GB" dirty="0" smtClean="0"/>
+              <a:t>Practice</a:t>
+            </a:r>
+            <a:endParaRPr lang="en-GB" dirty="0"/>
+          </a:p>
+        </p:txBody>
+      </p:sp>
+      <p:sp>
+        <p:nvSpPr>
           <p:cNvPr id="3" name="Content Placeholder 2"/>
           <p:cNvSpPr>
             <a:spLocks noGrp="1"/>
@@ -8313,519 +9067,25 @@
             <p:ph idx="1"/>
           </p:nvPr>
         </p:nvSpPr>
-        <p:spPr>
-          <a:xfrm>
-            <a:off x="457200" y="946022"/>
-            <a:ext cx="5493434" cy="5496981"/>
-          </a:xfrm>
-        </p:spPr>
-        <p:txBody>
-          <a:bodyPr>
-            <a:normAutofit fontScale="92500" lnSpcReduction="10000"/>
-          </a:bodyPr>
-          <a:lstStyle/>
-          <a:p>
-            <a:r>
-              <a:rPr lang="en-US" sz="2400" dirty="0" smtClean="0"/>
-              <a:t>In this task each banknote will have either positive or negative points attached to it (displayed in place of the XX).</a:t>
-            </a:r>
-          </a:p>
-          <a:p>
-            <a:r>
-              <a:rPr lang="en-US" sz="2400" dirty="0" smtClean="0"/>
-              <a:t>Banknotes </a:t>
-            </a:r>
-            <a:r>
-              <a:rPr lang="en-US" sz="2400" dirty="0"/>
-              <a:t>with </a:t>
-            </a:r>
-            <a:r>
-              <a:rPr lang="en-US" sz="2400" b="1" dirty="0"/>
-              <a:t>positive point </a:t>
-            </a:r>
-            <a:r>
-              <a:rPr lang="en-US" sz="2400" dirty="0" smtClean="0"/>
-              <a:t>values will cause you to gain points. Banknotes with </a:t>
-            </a:r>
-            <a:r>
-              <a:rPr lang="en-US" sz="2400" b="1" dirty="0" smtClean="0"/>
-              <a:t>negative point </a:t>
-            </a:r>
-            <a:r>
-              <a:rPr lang="en-US" sz="2400" dirty="0" smtClean="0"/>
-              <a:t>values will cause you to lose points.</a:t>
-            </a:r>
-          </a:p>
-          <a:p>
-            <a:r>
-              <a:rPr lang="en-US" sz="2400" dirty="0" smtClean="0"/>
-              <a:t>At the end of the task, the computer will randomly pick </a:t>
-            </a:r>
-            <a:r>
-              <a:rPr lang="en-US" sz="2400" b="1" dirty="0" smtClean="0"/>
-              <a:t>four</a:t>
-            </a:r>
-            <a:r>
-              <a:rPr lang="en-US" sz="2400" dirty="0" smtClean="0"/>
-              <a:t> decisions that you made. </a:t>
-            </a:r>
-          </a:p>
-          <a:p>
-            <a:r>
-              <a:rPr lang="en-US" sz="2400" dirty="0" smtClean="0"/>
-              <a:t>Your bonus will be proportional to the average number of points received on these decisions.  </a:t>
-            </a:r>
-            <a:r>
-              <a:rPr lang="en-US" sz="2400" dirty="0"/>
-              <a:t>T</a:t>
-            </a:r>
-            <a:r>
-              <a:rPr lang="en-US" sz="2400" dirty="0" smtClean="0"/>
-              <a:t>his average can be either positive or negative. The more negative this average is, the smaller your bonus payment will be. The more positive this average is, the larger your bonus payment will be.</a:t>
-            </a:r>
-          </a:p>
-          <a:p>
-            <a:endParaRPr lang="en-US" sz="2400" dirty="0"/>
-          </a:p>
-          <a:p>
-            <a:endParaRPr lang="en-US" sz="2400" dirty="0"/>
-          </a:p>
-        </p:txBody>
-      </p:sp>
-      <p:sp>
-        <p:nvSpPr>
-          <p:cNvPr id="4" name="Rectangle 3"/>
-          <p:cNvSpPr/>
-          <p:nvPr/>
-        </p:nvSpPr>
-        <p:spPr>
-          <a:xfrm>
-            <a:off x="7253986" y="3032605"/>
-            <a:ext cx="1512000" cy="828000"/>
-          </a:xfrm>
-          <a:prstGeom prst="rect">
-            <a:avLst/>
-          </a:prstGeom>
-          <a:solidFill>
-            <a:srgbClr val="635C52"/>
-          </a:solidFill>
-        </p:spPr>
-        <p:style>
-          <a:lnRef idx="1">
-            <a:schemeClr val="accent1"/>
-          </a:lnRef>
-          <a:fillRef idx="3">
-            <a:schemeClr val="accent1"/>
-          </a:fillRef>
-          <a:effectRef idx="2">
-            <a:schemeClr val="accent1"/>
-          </a:effectRef>
-          <a:fontRef idx="minor">
-            <a:schemeClr val="lt1"/>
-          </a:fontRef>
-        </p:style>
-        <p:txBody>
-          <a:bodyPr rtlCol="0" anchor="ctr"/>
-          <a:lstStyle/>
-          <a:p>
-            <a:pPr algn="ctr"/>
+        <p:spPr/>
+        <p:txBody>
+          <a:bodyPr/>
+          <a:lstStyle/>
+          <a:p>
             <a:endParaRPr lang="en-GB"/>
-          </a:p>
-        </p:txBody>
-      </p:sp>
-      <p:sp>
-        <p:nvSpPr>
-          <p:cNvPr id="5" name="Rectangle 4"/>
-          <p:cNvSpPr/>
-          <p:nvPr/>
-        </p:nvSpPr>
-        <p:spPr>
-          <a:xfrm>
-            <a:off x="7227230" y="1803460"/>
-            <a:ext cx="1512000" cy="828000"/>
-          </a:xfrm>
-          <a:prstGeom prst="rect">
-            <a:avLst/>
-          </a:prstGeom>
-          <a:solidFill>
-            <a:srgbClr val="635C52"/>
-          </a:solidFill>
-        </p:spPr>
-        <p:style>
-          <a:lnRef idx="1">
-            <a:schemeClr val="accent1"/>
-          </a:lnRef>
-          <a:fillRef idx="3">
-            <a:schemeClr val="accent1"/>
-          </a:fillRef>
-          <a:effectRef idx="2">
-            <a:schemeClr val="accent1"/>
-          </a:effectRef>
-          <a:fontRef idx="minor">
-            <a:schemeClr val="lt1"/>
-          </a:fontRef>
-        </p:style>
-        <p:txBody>
-          <a:bodyPr rtlCol="0" anchor="ctr"/>
-          <a:lstStyle/>
-          <a:p>
-            <a:pPr algn="ctr"/>
-            <a:endParaRPr lang="en-GB"/>
-          </a:p>
-        </p:txBody>
-      </p:sp>
-      <p:sp>
-        <p:nvSpPr>
-          <p:cNvPr id="6" name="TextBox 5"/>
-          <p:cNvSpPr txBox="1"/>
-          <p:nvPr/>
-        </p:nvSpPr>
-        <p:spPr>
-          <a:xfrm>
-            <a:off x="8140849" y="3261134"/>
-            <a:ext cx="577929" cy="369332"/>
-          </a:xfrm>
-          <a:prstGeom prst="rect">
-            <a:avLst/>
-          </a:prstGeom>
-          <a:noFill/>
-        </p:spPr>
-        <p:txBody>
-          <a:bodyPr wrap="square" rtlCol="0">
-            <a:spAutoFit/>
-          </a:bodyPr>
-          <a:lstStyle/>
-          <a:p>
-            <a:r>
-              <a:rPr lang="en-GB" dirty="0" smtClean="0">
-                <a:solidFill>
-                  <a:srgbClr val="FFFF00"/>
-                </a:solidFill>
-              </a:rPr>
-              <a:t>XX</a:t>
-            </a:r>
-            <a:endParaRPr lang="en-GB" dirty="0">
-              <a:solidFill>
-                <a:srgbClr val="FFFF00"/>
-              </a:solidFill>
-            </a:endParaRPr>
-          </a:p>
-        </p:txBody>
-      </p:sp>
-      <p:sp>
-        <p:nvSpPr>
-          <p:cNvPr id="7" name="TextBox 6"/>
-          <p:cNvSpPr txBox="1"/>
-          <p:nvPr/>
-        </p:nvSpPr>
-        <p:spPr>
-          <a:xfrm>
-            <a:off x="8087131" y="2038520"/>
-            <a:ext cx="577929" cy="369332"/>
-          </a:xfrm>
-          <a:prstGeom prst="rect">
-            <a:avLst/>
-          </a:prstGeom>
-          <a:noFill/>
-        </p:spPr>
-        <p:txBody>
-          <a:bodyPr wrap="square" rtlCol="0">
-            <a:spAutoFit/>
-          </a:bodyPr>
-          <a:lstStyle/>
-          <a:p>
-            <a:r>
-              <a:rPr lang="en-GB" dirty="0" smtClean="0">
-                <a:solidFill>
-                  <a:srgbClr val="FFFF00"/>
-                </a:solidFill>
-              </a:rPr>
-              <a:t>XX</a:t>
-            </a:r>
-            <a:endParaRPr lang="en-GB" dirty="0">
-              <a:solidFill>
-                <a:srgbClr val="FFFF00"/>
-              </a:solidFill>
-            </a:endParaRPr>
-          </a:p>
-        </p:txBody>
-      </p:sp>
-      <p:sp>
-        <p:nvSpPr>
-          <p:cNvPr id="8" name="TextBox 7"/>
-          <p:cNvSpPr txBox="1"/>
-          <p:nvPr/>
-        </p:nvSpPr>
-        <p:spPr>
-          <a:xfrm>
-            <a:off x="6950706" y="2663273"/>
-            <a:ext cx="2065048" cy="369332"/>
-          </a:xfrm>
-          <a:prstGeom prst="rect">
-            <a:avLst/>
-          </a:prstGeom>
-          <a:noFill/>
-        </p:spPr>
-        <p:txBody>
-          <a:bodyPr wrap="square" rtlCol="0">
-            <a:spAutoFit/>
-          </a:bodyPr>
-          <a:lstStyle/>
-          <a:p>
-            <a:r>
-              <a:rPr lang="en-GB" dirty="0" smtClean="0"/>
-              <a:t>SCISSORS Banknote</a:t>
-            </a:r>
-            <a:endParaRPr lang="en-GB" dirty="0"/>
-          </a:p>
-        </p:txBody>
-      </p:sp>
-      <p:sp>
-        <p:nvSpPr>
-          <p:cNvPr id="9" name="TextBox 8"/>
-          <p:cNvSpPr txBox="1"/>
-          <p:nvPr/>
-        </p:nvSpPr>
-        <p:spPr>
-          <a:xfrm>
-            <a:off x="7101608" y="1433009"/>
-            <a:ext cx="1850065" cy="369332"/>
-          </a:xfrm>
-          <a:prstGeom prst="rect">
-            <a:avLst/>
-          </a:prstGeom>
-          <a:noFill/>
-        </p:spPr>
-        <p:txBody>
-          <a:bodyPr wrap="square" rtlCol="0">
-            <a:spAutoFit/>
-          </a:bodyPr>
-          <a:lstStyle/>
-          <a:p>
-            <a:r>
-              <a:rPr lang="en-GB" dirty="0" smtClean="0"/>
-              <a:t>GIRL Banknote</a:t>
-            </a:r>
-            <a:endParaRPr lang="en-GB" dirty="0"/>
-          </a:p>
-        </p:txBody>
-      </p:sp>
-      <p:pic>
-        <p:nvPicPr>
-          <p:cNvPr id="10" name="Picture 9"/>
-          <p:cNvPicPr>
-            <a:picLocks noChangeAspect="1"/>
-          </p:cNvPicPr>
-          <p:nvPr/>
-        </p:nvPicPr>
-        <p:blipFill>
-          <a:blip r:embed="rId2">
-            <a:extLst>
-              <a:ext uri="{28A0092B-C50C-407E-A947-70E740481C1C}">
-                <a14:useLocalDpi xmlns:a14="http://schemas.microsoft.com/office/drawing/2010/main" val="0"/>
-              </a:ext>
-            </a:extLst>
-          </a:blip>
-          <a:stretch>
-            <a:fillRect/>
-          </a:stretch>
-        </p:blipFill>
-        <p:spPr>
-          <a:xfrm>
-            <a:off x="7377079" y="3109383"/>
-            <a:ext cx="684000" cy="684000"/>
-          </a:xfrm>
-          <a:prstGeom prst="rect">
-            <a:avLst/>
-          </a:prstGeom>
-        </p:spPr>
-      </p:pic>
-      <p:pic>
-        <p:nvPicPr>
-          <p:cNvPr id="11" name="Picture 10"/>
-          <p:cNvPicPr>
-            <a:picLocks noChangeAspect="1"/>
-          </p:cNvPicPr>
-          <p:nvPr/>
-        </p:nvPicPr>
-        <p:blipFill>
-          <a:blip r:embed="rId3">
-            <a:extLst>
-              <a:ext uri="{28A0092B-C50C-407E-A947-70E740481C1C}">
-                <a14:useLocalDpi xmlns:a14="http://schemas.microsoft.com/office/drawing/2010/main" val="0"/>
-              </a:ext>
-            </a:extLst>
-          </a:blip>
-          <a:stretch>
-            <a:fillRect/>
-          </a:stretch>
-        </p:blipFill>
-        <p:spPr>
-          <a:xfrm>
-            <a:off x="7328961" y="1867577"/>
-            <a:ext cx="684000" cy="684000"/>
-          </a:xfrm>
-          <a:prstGeom prst="rect">
-            <a:avLst/>
-          </a:prstGeom>
-        </p:spPr>
-      </p:pic>
-      <p:sp>
-        <p:nvSpPr>
-          <p:cNvPr id="12" name="Rectangle 11"/>
-          <p:cNvSpPr/>
-          <p:nvPr/>
-        </p:nvSpPr>
-        <p:spPr>
-          <a:xfrm>
-            <a:off x="7231263" y="4273282"/>
-            <a:ext cx="1512000" cy="828000"/>
-          </a:xfrm>
-          <a:prstGeom prst="rect">
-            <a:avLst/>
-          </a:prstGeom>
-          <a:solidFill>
-            <a:srgbClr val="635C52"/>
-          </a:solidFill>
-        </p:spPr>
-        <p:style>
-          <a:lnRef idx="1">
-            <a:schemeClr val="accent1"/>
-          </a:lnRef>
-          <a:fillRef idx="3">
-            <a:schemeClr val="accent1"/>
-          </a:fillRef>
-          <a:effectRef idx="2">
-            <a:schemeClr val="accent1"/>
-          </a:effectRef>
-          <a:fontRef idx="minor">
-            <a:schemeClr val="lt1"/>
-          </a:fontRef>
-        </p:style>
-        <p:txBody>
-          <a:bodyPr rtlCol="0" anchor="ctr"/>
-          <a:lstStyle/>
-          <a:p>
-            <a:pPr algn="ctr"/>
-            <a:endParaRPr lang="en-GB"/>
-          </a:p>
-        </p:txBody>
-      </p:sp>
-      <p:pic>
-        <p:nvPicPr>
-          <p:cNvPr id="13" name="Picture 12"/>
-          <p:cNvPicPr>
-            <a:picLocks noChangeAspect="1"/>
-          </p:cNvPicPr>
-          <p:nvPr/>
-        </p:nvPicPr>
-        <p:blipFill>
-          <a:blip r:embed="rId4">
-            <a:extLst>
-              <a:ext uri="{28A0092B-C50C-407E-A947-70E740481C1C}">
-                <a14:useLocalDpi xmlns:a14="http://schemas.microsoft.com/office/drawing/2010/main" val="0"/>
-              </a:ext>
-            </a:extLst>
-          </a:blip>
-          <a:stretch>
-            <a:fillRect/>
-          </a:stretch>
-        </p:blipFill>
-        <p:spPr>
-          <a:xfrm>
-            <a:off x="7332203" y="4342504"/>
-            <a:ext cx="684000" cy="684000"/>
-          </a:xfrm>
-          <a:prstGeom prst="rect">
-            <a:avLst/>
-          </a:prstGeom>
-        </p:spPr>
-      </p:pic>
-      <p:sp>
-        <p:nvSpPr>
-          <p:cNvPr id="14" name="TextBox 13"/>
-          <p:cNvSpPr txBox="1"/>
-          <p:nvPr/>
-        </p:nvSpPr>
-        <p:spPr>
-          <a:xfrm>
-            <a:off x="8091164" y="4508342"/>
-            <a:ext cx="577929" cy="369332"/>
-          </a:xfrm>
-          <a:prstGeom prst="rect">
-            <a:avLst/>
-          </a:prstGeom>
-          <a:noFill/>
-        </p:spPr>
-        <p:txBody>
-          <a:bodyPr wrap="square" rtlCol="0">
-            <a:spAutoFit/>
-          </a:bodyPr>
-          <a:lstStyle/>
-          <a:p>
-            <a:r>
-              <a:rPr lang="en-GB" dirty="0" smtClean="0">
-                <a:solidFill>
-                  <a:srgbClr val="FFFF00"/>
-                </a:solidFill>
-              </a:rPr>
-              <a:t>XX</a:t>
-            </a:r>
-            <a:endParaRPr lang="en-GB" dirty="0">
-              <a:solidFill>
-                <a:srgbClr val="FFFF00"/>
-              </a:solidFill>
-            </a:endParaRPr>
-          </a:p>
-        </p:txBody>
-      </p:sp>
-      <p:sp>
-        <p:nvSpPr>
-          <p:cNvPr id="15" name="TextBox 14"/>
-          <p:cNvSpPr txBox="1"/>
-          <p:nvPr/>
-        </p:nvSpPr>
-        <p:spPr>
-          <a:xfrm>
-            <a:off x="7105641" y="3902831"/>
-            <a:ext cx="1850065" cy="369332"/>
-          </a:xfrm>
-          <a:prstGeom prst="rect">
-            <a:avLst/>
-          </a:prstGeom>
-          <a:noFill/>
-        </p:spPr>
-        <p:txBody>
-          <a:bodyPr wrap="square" rtlCol="0">
-            <a:spAutoFit/>
-          </a:bodyPr>
-          <a:lstStyle/>
-          <a:p>
-            <a:r>
-              <a:rPr lang="en-GB" dirty="0" smtClean="0"/>
-              <a:t>HOUSE Banknote</a:t>
-            </a:r>
-            <a:endParaRPr lang="en-GB" dirty="0"/>
           </a:p>
         </p:txBody>
       </p:sp>
     </p:spTree>
     <p:extLst>
       <p:ext uri="{BB962C8B-B14F-4D97-AF65-F5344CB8AC3E}">
-        <p14:creationId xmlns:p14="http://schemas.microsoft.com/office/powerpoint/2010/main" val="3116549719"/>
+        <p14:creationId xmlns:p14="http://schemas.microsoft.com/office/powerpoint/2010/main" val="3886244481"/>
       </p:ext>
     </p:extLst>
   </p:cSld>
   <p:clrMapOvr>
     <a:masterClrMapping/>
   </p:clrMapOvr>
-  <p:timing>
-    <p:tnLst>
-      <p:par>
-        <p:cTn id="1" dur="indefinite" restart="never" nodeType="tmRoot"/>
-      </p:par>
-    </p:tnLst>
-  </p:timing>
 </p:sld>
 </file>
 
